--- a/QuickSort.pptx
+++ b/QuickSort.pptx
@@ -4,6 +4,13 @@
   <p:sldMasterIdLst>
     <p:sldMasterId id="2147483648" r:id="rId1"/>
   </p:sldMasterIdLst>
+  <p:sldIdLst>
+    <p:sldId id="256" r:id="rId2"/>
+    <p:sldId id="257" r:id="rId3"/>
+    <p:sldId id="258" r:id="rId4"/>
+    <p:sldId id="259" r:id="rId5"/>
+    <p:sldId id="260" r:id="rId6"/>
+  </p:sldIdLst>
   <p:sldSz cx="9144000" cy="6858000" type="screen4x3"/>
   <p:notesSz cx="6858000" cy="9144000"/>
   <p:defaultTextStyle>
@@ -3037,6 +3044,1612 @@
     </p:otherStyle>
   </p:txStyles>
 </p:sldMaster>
+</file>
+
+<file path=ppt/slides/slide1.xml><?xml version="1.0" encoding="utf-8"?>
+<p:sld xmlns:a="http://schemas.openxmlformats.org/drawingml/2006/main" xmlns:r="http://schemas.openxmlformats.org/officeDocument/2006/relationships" xmlns:p="http://schemas.openxmlformats.org/presentationml/2006/main">
+  <p:cSld>
+    <p:spTree>
+      <p:nvGrpSpPr>
+        <p:cNvPr id="1" name=""/>
+        <p:cNvGrpSpPr/>
+        <p:nvPr/>
+      </p:nvGrpSpPr>
+      <p:grpSpPr>
+        <a:xfrm>
+          <a:off x="0" y="0"/>
+          <a:ext cx="0" cy="0"/>
+          <a:chOff x="0" y="0"/>
+          <a:chExt cx="0" cy="0"/>
+        </a:xfrm>
+      </p:grpSpPr>
+      <p:sp>
+        <p:nvSpPr>
+          <p:cNvPr id="2" name="제목 1"/>
+          <p:cNvSpPr>
+            <a:spLocks noGrp="1"/>
+          </p:cNvSpPr>
+          <p:nvPr>
+            <p:ph type="ctrTitle"/>
+          </p:nvPr>
+        </p:nvSpPr>
+        <p:spPr/>
+        <p:txBody>
+          <a:bodyPr/>
+          <a:lstStyle/>
+          <a:p>
+            <a:r>
+              <a:rPr lang="ko-KR" altLang="en-US" dirty="0" smtClean="0"/>
+              <a:t>정</a:t>
+            </a:r>
+            <a:r>
+              <a:rPr lang="ko-KR" altLang="en-US" dirty="0" smtClean="0"/>
+              <a:t>렬</a:t>
+            </a:r>
+            <a:endParaRPr lang="ko-KR" altLang="en-US" dirty="0"/>
+          </a:p>
+        </p:txBody>
+      </p:sp>
+    </p:spTree>
+  </p:cSld>
+  <p:clrMapOvr>
+    <a:masterClrMapping/>
+  </p:clrMapOvr>
+  <p:timing>
+    <p:tnLst>
+      <p:par>
+        <p:cTn id="1" dur="indefinite" restart="never" nodeType="tmRoot"/>
+      </p:par>
+    </p:tnLst>
+  </p:timing>
+</p:sld>
+</file>
+
+<file path=ppt/slides/slide2.xml><?xml version="1.0" encoding="utf-8"?>
+<p:sld xmlns:a="http://schemas.openxmlformats.org/drawingml/2006/main" xmlns:r="http://schemas.openxmlformats.org/officeDocument/2006/relationships" xmlns:p="http://schemas.openxmlformats.org/presentationml/2006/main">
+  <p:cSld>
+    <p:spTree>
+      <p:nvGrpSpPr>
+        <p:cNvPr id="1" name=""/>
+        <p:cNvGrpSpPr/>
+        <p:nvPr/>
+      </p:nvGrpSpPr>
+      <p:grpSpPr>
+        <a:xfrm>
+          <a:off x="0" y="0"/>
+          <a:ext cx="0" cy="0"/>
+          <a:chOff x="0" y="0"/>
+          <a:chExt cx="0" cy="0"/>
+        </a:xfrm>
+      </p:grpSpPr>
+      <p:sp>
+        <p:nvSpPr>
+          <p:cNvPr id="2" name="제목 1"/>
+          <p:cNvSpPr>
+            <a:spLocks noGrp="1"/>
+          </p:cNvSpPr>
+          <p:nvPr>
+            <p:ph type="title"/>
+          </p:nvPr>
+        </p:nvSpPr>
+        <p:spPr/>
+        <p:txBody>
+          <a:bodyPr/>
+          <a:lstStyle/>
+          <a:p>
+            <a:r>
+              <a:rPr lang="ko-KR" altLang="en-US" dirty="0" smtClean="0"/>
+              <a:t>목차</a:t>
+            </a:r>
+            <a:endParaRPr lang="ko-KR" altLang="en-US" dirty="0"/>
+          </a:p>
+        </p:txBody>
+      </p:sp>
+      <p:sp>
+        <p:nvSpPr>
+          <p:cNvPr id="3" name="내용 개체 틀 2"/>
+          <p:cNvSpPr>
+            <a:spLocks noGrp="1"/>
+          </p:cNvSpPr>
+          <p:nvPr>
+            <p:ph idx="1"/>
+          </p:nvPr>
+        </p:nvSpPr>
+        <p:spPr/>
+        <p:txBody>
+          <a:bodyPr/>
+          <a:lstStyle/>
+          <a:p>
+            <a:r>
+              <a:rPr lang="ko-KR" altLang="en-US" dirty="0" smtClean="0"/>
+              <a:t>정렬 알고리즘 특징</a:t>
+            </a:r>
+            <a:endParaRPr lang="en-US" altLang="ko-KR" dirty="0" smtClean="0"/>
+          </a:p>
+          <a:p>
+            <a:r>
+              <a:rPr lang="ko-KR" altLang="en-US" dirty="0" smtClean="0"/>
+              <a:t>재귀함수</a:t>
+            </a:r>
+            <a:endParaRPr lang="en-US" altLang="ko-KR" dirty="0" smtClean="0"/>
+          </a:p>
+          <a:p>
+            <a:r>
+              <a:rPr lang="ko-KR" altLang="en-US" dirty="0" err="1" smtClean="0"/>
+              <a:t>퀵</a:t>
+            </a:r>
+            <a:r>
+              <a:rPr lang="ko-KR" altLang="en-US" dirty="0" smtClean="0"/>
+              <a:t> 정렬 알고리즘</a:t>
+            </a:r>
+            <a:endParaRPr lang="en-US" altLang="ko-KR" dirty="0" smtClean="0"/>
+          </a:p>
+          <a:p>
+            <a:endParaRPr lang="ko-KR" altLang="en-US" dirty="0"/>
+          </a:p>
+        </p:txBody>
+      </p:sp>
+    </p:spTree>
+  </p:cSld>
+  <p:clrMapOvr>
+    <a:masterClrMapping/>
+  </p:clrMapOvr>
+  <p:timing>
+    <p:tnLst>
+      <p:par>
+        <p:cTn id="1" dur="indefinite" restart="never" nodeType="tmRoot"/>
+      </p:par>
+    </p:tnLst>
+  </p:timing>
+</p:sld>
+</file>
+
+<file path=ppt/slides/slide3.xml><?xml version="1.0" encoding="utf-8"?>
+<p:sld xmlns:a="http://schemas.openxmlformats.org/drawingml/2006/main" xmlns:r="http://schemas.openxmlformats.org/officeDocument/2006/relationships" xmlns:p="http://schemas.openxmlformats.org/presentationml/2006/main">
+  <p:cSld>
+    <p:spTree>
+      <p:nvGrpSpPr>
+        <p:cNvPr id="1" name=""/>
+        <p:cNvGrpSpPr/>
+        <p:nvPr/>
+      </p:nvGrpSpPr>
+      <p:grpSpPr>
+        <a:xfrm>
+          <a:off x="0" y="0"/>
+          <a:ext cx="0" cy="0"/>
+          <a:chOff x="0" y="0"/>
+          <a:chExt cx="0" cy="0"/>
+        </a:xfrm>
+      </p:grpSpPr>
+      <p:graphicFrame>
+        <p:nvGraphicFramePr>
+          <p:cNvPr id="8" name="내용 개체 틀 7"/>
+          <p:cNvGraphicFramePr>
+            <a:graphicFrameLocks noGrp="1"/>
+          </p:cNvGraphicFramePr>
+          <p:nvPr>
+            <p:ph idx="1"/>
+          </p:nvPr>
+        </p:nvGraphicFramePr>
+        <p:xfrm>
+          <a:off x="0" y="1"/>
+          <a:ext cx="9144000" cy="6857999"/>
+        </p:xfrm>
+        <a:graphic>
+          <a:graphicData uri="http://schemas.openxmlformats.org/drawingml/2006/table">
+            <a:tbl>
+              <a:tblPr firstRow="1" firstCol="1">
+                <a:tableStyleId>{2A488322-F2BA-4B5B-9748-0D474271808F}</a:tableStyleId>
+              </a:tblPr>
+              <a:tblGrid>
+                <a:gridCol w="1976485"/>
+                <a:gridCol w="7167515"/>
+              </a:tblGrid>
+              <a:tr h="684883">
+                <a:tc>
+                  <a:txBody>
+                    <a:bodyPr/>
+                    <a:lstStyle/>
+                    <a:p>
+                      <a:pPr algn="ctr" latinLnBrk="1"/>
+                      <a:r>
+                        <a:rPr lang="ko-KR" altLang="en-US" sz="2100" b="1" dirty="0" smtClean="0">
+                          <a:solidFill>
+                            <a:schemeClr val="tx1"/>
+                          </a:solidFill>
+                        </a:rPr>
+                        <a:t>방법</a:t>
+                      </a:r>
+                      <a:endParaRPr lang="en-US" altLang="ko-KR" sz="2100" b="1" dirty="0" smtClean="0">
+                        <a:solidFill>
+                          <a:schemeClr val="tx1"/>
+                        </a:solidFill>
+                      </a:endParaRPr>
+                    </a:p>
+                  </a:txBody>
+                  <a:tcPr anchor="ctr">
+                    <a:lnL w="38100" cap="flat" cmpd="sng" algn="ctr">
+                      <a:solidFill>
+                        <a:schemeClr val="tx1"/>
+                      </a:solidFill>
+                      <a:prstDash val="solid"/>
+                      <a:round/>
+                      <a:headEnd type="none" w="med" len="med"/>
+                      <a:tailEnd type="none" w="med" len="med"/>
+                    </a:lnL>
+                    <a:lnR w="38100" cap="flat" cmpd="sng" algn="ctr">
+                      <a:solidFill>
+                        <a:schemeClr val="tx1"/>
+                      </a:solidFill>
+                      <a:prstDash val="solid"/>
+                      <a:round/>
+                      <a:headEnd type="none" w="med" len="med"/>
+                      <a:tailEnd type="none" w="med" len="med"/>
+                    </a:lnR>
+                    <a:lnT w="38100" cap="flat" cmpd="sng" algn="ctr">
+                      <a:solidFill>
+                        <a:schemeClr val="tx1"/>
+                      </a:solidFill>
+                      <a:prstDash val="solid"/>
+                      <a:round/>
+                      <a:headEnd type="none" w="med" len="med"/>
+                      <a:tailEnd type="none" w="med" len="med"/>
+                    </a:lnT>
+                    <a:lnB w="38100" cap="flat" cmpd="sng" algn="ctr">
+                      <a:solidFill>
+                        <a:schemeClr val="tx1"/>
+                      </a:solidFill>
+                      <a:prstDash val="solid"/>
+                      <a:round/>
+                      <a:headEnd type="none" w="med" len="med"/>
+                      <a:tailEnd type="none" w="med" len="med"/>
+                    </a:lnB>
+                    <a:solidFill>
+                      <a:srgbClr val="92D050"/>
+                    </a:solidFill>
+                  </a:tcPr>
+                </a:tc>
+                <a:tc>
+                  <a:txBody>
+                    <a:bodyPr/>
+                    <a:lstStyle/>
+                    <a:p>
+                      <a:pPr algn="ctr" latinLnBrk="1"/>
+                      <a:r>
+                        <a:rPr lang="ko-KR" altLang="en-US" sz="2400" dirty="0" smtClean="0">
+                          <a:solidFill>
+                            <a:schemeClr val="tx1"/>
+                          </a:solidFill>
+                        </a:rPr>
+                        <a:t>특징</a:t>
+                      </a:r>
+                      <a:endParaRPr lang="ko-KR" altLang="en-US" sz="2400" dirty="0">
+                        <a:solidFill>
+                          <a:schemeClr val="tx1"/>
+                        </a:solidFill>
+                      </a:endParaRPr>
+                    </a:p>
+                  </a:txBody>
+                  <a:tcPr anchor="ctr">
+                    <a:lnL w="38100" cap="flat" cmpd="sng" algn="ctr">
+                      <a:solidFill>
+                        <a:schemeClr val="tx1"/>
+                      </a:solidFill>
+                      <a:prstDash val="solid"/>
+                      <a:round/>
+                      <a:headEnd type="none" w="med" len="med"/>
+                      <a:tailEnd type="none" w="med" len="med"/>
+                    </a:lnL>
+                    <a:lnR w="38100" cap="flat" cmpd="sng" algn="ctr">
+                      <a:solidFill>
+                        <a:schemeClr val="tx1"/>
+                      </a:solidFill>
+                      <a:prstDash val="solid"/>
+                      <a:round/>
+                      <a:headEnd type="none" w="med" len="med"/>
+                      <a:tailEnd type="none" w="med" len="med"/>
+                    </a:lnR>
+                    <a:lnT w="38100" cap="flat" cmpd="sng" algn="ctr">
+                      <a:solidFill>
+                        <a:schemeClr val="tx1"/>
+                      </a:solidFill>
+                      <a:prstDash val="solid"/>
+                      <a:round/>
+                      <a:headEnd type="none" w="med" len="med"/>
+                      <a:tailEnd type="none" w="med" len="med"/>
+                    </a:lnT>
+                    <a:lnB w="38100" cap="flat" cmpd="sng" algn="ctr">
+                      <a:solidFill>
+                        <a:schemeClr val="tx1"/>
+                      </a:solidFill>
+                      <a:prstDash val="solid"/>
+                      <a:round/>
+                      <a:headEnd type="none" w="med" len="med"/>
+                      <a:tailEnd type="none" w="med" len="med"/>
+                    </a:lnB>
+                    <a:solidFill>
+                      <a:srgbClr val="92D050"/>
+                    </a:solidFill>
+                  </a:tcPr>
+                </a:tc>
+              </a:tr>
+              <a:tr h="812963">
+                <a:tc>
+                  <a:txBody>
+                    <a:bodyPr/>
+                    <a:lstStyle/>
+                    <a:p>
+                      <a:pPr algn="ctr" latinLnBrk="1"/>
+                      <a:r>
+                        <a:rPr lang="ko-KR" altLang="en-US" sz="2100" b="1" dirty="0" smtClean="0">
+                          <a:solidFill>
+                            <a:schemeClr val="tx1"/>
+                          </a:solidFill>
+                        </a:rPr>
+                        <a:t>거품 정렬</a:t>
+                      </a:r>
+                      <a:endParaRPr lang="ko-KR" altLang="en-US" sz="2100" b="1" dirty="0">
+                        <a:solidFill>
+                          <a:schemeClr val="tx1"/>
+                        </a:solidFill>
+                      </a:endParaRPr>
+                    </a:p>
+                  </a:txBody>
+                  <a:tcPr anchor="ctr">
+                    <a:lnL w="38100" cap="flat" cmpd="sng" algn="ctr">
+                      <a:solidFill>
+                        <a:schemeClr val="tx1"/>
+                      </a:solidFill>
+                      <a:prstDash val="solid"/>
+                      <a:round/>
+                      <a:headEnd type="none" w="med" len="med"/>
+                      <a:tailEnd type="none" w="med" len="med"/>
+                    </a:lnL>
+                    <a:lnR w="38100" cap="flat" cmpd="sng" algn="ctr">
+                      <a:solidFill>
+                        <a:schemeClr val="tx1"/>
+                      </a:solidFill>
+                      <a:prstDash val="solid"/>
+                      <a:round/>
+                      <a:headEnd type="none" w="med" len="med"/>
+                      <a:tailEnd type="none" w="med" len="med"/>
+                    </a:lnR>
+                    <a:lnT w="38100" cap="flat" cmpd="sng" algn="ctr">
+                      <a:solidFill>
+                        <a:schemeClr val="tx1"/>
+                      </a:solidFill>
+                      <a:prstDash val="solid"/>
+                      <a:round/>
+                      <a:headEnd type="none" w="med" len="med"/>
+                      <a:tailEnd type="none" w="med" len="med"/>
+                    </a:lnT>
+                    <a:lnB w="12700" cap="flat" cmpd="sng" algn="ctr">
+                      <a:solidFill>
+                        <a:schemeClr val="tx1"/>
+                      </a:solidFill>
+                      <a:prstDash val="solid"/>
+                      <a:round/>
+                      <a:headEnd type="none" w="med" len="med"/>
+                      <a:tailEnd type="none" w="med" len="med"/>
+                    </a:lnB>
+                    <a:solidFill>
+                      <a:srgbClr val="FFC000"/>
+                    </a:solidFill>
+                  </a:tcPr>
+                </a:tc>
+                <a:tc>
+                  <a:txBody>
+                    <a:bodyPr/>
+                    <a:lstStyle/>
+                    <a:p>
+                      <a:pPr algn="ctr" latinLnBrk="1"/>
+                      <a:r>
+                        <a:rPr lang="ko-KR" altLang="en-US" sz="2000" dirty="0" smtClean="0"/>
+                        <a:t>데이터</a:t>
+                      </a:r>
+                      <a:r>
+                        <a:rPr lang="ko-KR" altLang="en-US" sz="2000" baseline="0" dirty="0" smtClean="0"/>
+                        <a:t> 수가 적을 때 효율적</a:t>
+                      </a:r>
+                      <a:endParaRPr lang="en-US" altLang="ko-KR" sz="2000" baseline="0" dirty="0" smtClean="0"/>
+                    </a:p>
+                    <a:p>
+                      <a:pPr algn="ctr" latinLnBrk="1"/>
+                      <a:r>
+                        <a:rPr lang="ko-KR" altLang="en-US" sz="2000" baseline="0" dirty="0" smtClean="0"/>
+                        <a:t>거의 정렬이 돼있지 않을 때는 비효율적</a:t>
+                      </a:r>
+                      <a:endParaRPr lang="ko-KR" altLang="en-US" sz="2000" dirty="0"/>
+                    </a:p>
+                  </a:txBody>
+                  <a:tcPr anchor="ctr">
+                    <a:lnL w="38100" cap="flat" cmpd="sng" algn="ctr">
+                      <a:solidFill>
+                        <a:schemeClr val="tx1"/>
+                      </a:solidFill>
+                      <a:prstDash val="solid"/>
+                      <a:round/>
+                      <a:headEnd type="none" w="med" len="med"/>
+                      <a:tailEnd type="none" w="med" len="med"/>
+                    </a:lnL>
+                    <a:lnR w="38100" cap="flat" cmpd="sng" algn="ctr">
+                      <a:solidFill>
+                        <a:schemeClr val="tx1"/>
+                      </a:solidFill>
+                      <a:prstDash val="solid"/>
+                      <a:round/>
+                      <a:headEnd type="none" w="med" len="med"/>
+                      <a:tailEnd type="none" w="med" len="med"/>
+                    </a:lnR>
+                    <a:lnT w="38100" cap="flat" cmpd="sng" algn="ctr">
+                      <a:solidFill>
+                        <a:schemeClr val="tx1"/>
+                      </a:solidFill>
+                      <a:prstDash val="solid"/>
+                      <a:round/>
+                      <a:headEnd type="none" w="med" len="med"/>
+                      <a:tailEnd type="none" w="med" len="med"/>
+                    </a:lnT>
+                    <a:lnB w="12700" cap="flat" cmpd="sng" algn="ctr">
+                      <a:solidFill>
+                        <a:schemeClr val="tx1"/>
+                      </a:solidFill>
+                      <a:prstDash val="solid"/>
+                      <a:round/>
+                      <a:headEnd type="none" w="med" len="med"/>
+                      <a:tailEnd type="none" w="med" len="med"/>
+                    </a:lnB>
+                    <a:solidFill>
+                      <a:srgbClr val="FFC000"/>
+                    </a:solidFill>
+                  </a:tcPr>
+                </a:tc>
+              </a:tr>
+              <a:tr h="812963">
+                <a:tc>
+                  <a:txBody>
+                    <a:bodyPr/>
+                    <a:lstStyle/>
+                    <a:p>
+                      <a:pPr algn="ctr" latinLnBrk="1"/>
+                      <a:r>
+                        <a:rPr lang="ko-KR" altLang="en-US" sz="2100" b="1" dirty="0" smtClean="0">
+                          <a:solidFill>
+                            <a:schemeClr val="tx1"/>
+                          </a:solidFill>
+                        </a:rPr>
+                        <a:t>선택 정렬</a:t>
+                      </a:r>
+                      <a:endParaRPr lang="ko-KR" altLang="en-US" sz="2100" b="1" dirty="0">
+                        <a:solidFill>
+                          <a:schemeClr val="tx1"/>
+                        </a:solidFill>
+                      </a:endParaRPr>
+                    </a:p>
+                  </a:txBody>
+                  <a:tcPr anchor="ctr">
+                    <a:lnL w="38100" cap="flat" cmpd="sng" algn="ctr">
+                      <a:solidFill>
+                        <a:schemeClr val="tx1"/>
+                      </a:solidFill>
+                      <a:prstDash val="solid"/>
+                      <a:round/>
+                      <a:headEnd type="none" w="med" len="med"/>
+                      <a:tailEnd type="none" w="med" len="med"/>
+                    </a:lnL>
+                    <a:lnR w="38100" cap="flat" cmpd="sng" algn="ctr">
+                      <a:solidFill>
+                        <a:schemeClr val="tx1"/>
+                      </a:solidFill>
+                      <a:prstDash val="solid"/>
+                      <a:round/>
+                      <a:headEnd type="none" w="med" len="med"/>
+                      <a:tailEnd type="none" w="med" len="med"/>
+                    </a:lnR>
+                    <a:lnT w="12700" cap="flat" cmpd="sng" algn="ctr">
+                      <a:solidFill>
+                        <a:schemeClr val="tx1"/>
+                      </a:solidFill>
+                      <a:prstDash val="solid"/>
+                      <a:round/>
+                      <a:headEnd type="none" w="med" len="med"/>
+                      <a:tailEnd type="none" w="med" len="med"/>
+                    </a:lnT>
+                    <a:lnB w="38100" cap="flat" cmpd="sng" algn="ctr">
+                      <a:solidFill>
+                        <a:schemeClr val="tx1"/>
+                      </a:solidFill>
+                      <a:prstDash val="solid"/>
+                      <a:round/>
+                      <a:headEnd type="none" w="med" len="med"/>
+                      <a:tailEnd type="none" w="med" len="med"/>
+                    </a:lnB>
+                    <a:solidFill>
+                      <a:srgbClr val="FFC000"/>
+                    </a:solidFill>
+                  </a:tcPr>
+                </a:tc>
+                <a:tc>
+                  <a:txBody>
+                    <a:bodyPr/>
+                    <a:lstStyle/>
+                    <a:p>
+                      <a:pPr algn="ctr" latinLnBrk="1"/>
+                      <a:r>
+                        <a:rPr lang="ko-KR" altLang="en-US" sz="2000" dirty="0" smtClean="0"/>
+                        <a:t>데이터의 수가 적을 때 효율적</a:t>
+                      </a:r>
+                      <a:endParaRPr lang="en-US" altLang="ko-KR" sz="2000" dirty="0" smtClean="0"/>
+                    </a:p>
+                    <a:p>
+                      <a:pPr algn="ctr" latinLnBrk="1"/>
+                      <a:r>
+                        <a:rPr lang="ko-KR" altLang="en-US" sz="2000" dirty="0" smtClean="0"/>
+                        <a:t>버블 정렬보다 데이터 이동 횟수가 적음</a:t>
+                      </a:r>
+                      <a:endParaRPr lang="ko-KR" altLang="en-US" sz="2000" dirty="0"/>
+                    </a:p>
+                  </a:txBody>
+                  <a:tcPr anchor="ctr">
+                    <a:lnL w="38100" cap="flat" cmpd="sng" algn="ctr">
+                      <a:solidFill>
+                        <a:schemeClr val="tx1"/>
+                      </a:solidFill>
+                      <a:prstDash val="solid"/>
+                      <a:round/>
+                      <a:headEnd type="none" w="med" len="med"/>
+                      <a:tailEnd type="none" w="med" len="med"/>
+                    </a:lnL>
+                    <a:lnR w="38100" cap="flat" cmpd="sng" algn="ctr">
+                      <a:solidFill>
+                        <a:schemeClr val="tx1"/>
+                      </a:solidFill>
+                      <a:prstDash val="solid"/>
+                      <a:round/>
+                      <a:headEnd type="none" w="med" len="med"/>
+                      <a:tailEnd type="none" w="med" len="med"/>
+                    </a:lnR>
+                    <a:lnT w="12700" cap="flat" cmpd="sng" algn="ctr">
+                      <a:solidFill>
+                        <a:schemeClr val="tx1"/>
+                      </a:solidFill>
+                      <a:prstDash val="solid"/>
+                      <a:round/>
+                      <a:headEnd type="none" w="med" len="med"/>
+                      <a:tailEnd type="none" w="med" len="med"/>
+                    </a:lnT>
+                    <a:lnB w="38100" cap="flat" cmpd="sng" algn="ctr">
+                      <a:solidFill>
+                        <a:schemeClr val="tx1"/>
+                      </a:solidFill>
+                      <a:prstDash val="solid"/>
+                      <a:round/>
+                      <a:headEnd type="none" w="med" len="med"/>
+                      <a:tailEnd type="none" w="med" len="med"/>
+                    </a:lnB>
+                    <a:solidFill>
+                      <a:srgbClr val="FFC000"/>
+                    </a:solidFill>
+                  </a:tcPr>
+                </a:tc>
+              </a:tr>
+              <a:tr h="812963">
+                <a:tc>
+                  <a:txBody>
+                    <a:bodyPr/>
+                    <a:lstStyle/>
+                    <a:p>
+                      <a:pPr algn="ctr" latinLnBrk="1"/>
+                      <a:r>
+                        <a:rPr lang="ko-KR" altLang="en-US" sz="2100" b="1" dirty="0" smtClean="0">
+                          <a:solidFill>
+                            <a:schemeClr val="tx1"/>
+                          </a:solidFill>
+                        </a:rPr>
+                        <a:t>삽입 정렬</a:t>
+                      </a:r>
+                      <a:endParaRPr lang="ko-KR" altLang="en-US" sz="2100" b="1" dirty="0">
+                        <a:solidFill>
+                          <a:schemeClr val="tx1"/>
+                        </a:solidFill>
+                      </a:endParaRPr>
+                    </a:p>
+                  </a:txBody>
+                  <a:tcPr anchor="ctr">
+                    <a:lnL w="38100" cap="flat" cmpd="sng" algn="ctr">
+                      <a:solidFill>
+                        <a:schemeClr val="tx1"/>
+                      </a:solidFill>
+                      <a:prstDash val="solid"/>
+                      <a:round/>
+                      <a:headEnd type="none" w="med" len="med"/>
+                      <a:tailEnd type="none" w="med" len="med"/>
+                    </a:lnL>
+                    <a:lnR w="38100" cap="flat" cmpd="sng" algn="ctr">
+                      <a:solidFill>
+                        <a:schemeClr val="tx1"/>
+                      </a:solidFill>
+                      <a:prstDash val="solid"/>
+                      <a:round/>
+                      <a:headEnd type="none" w="med" len="med"/>
+                      <a:tailEnd type="none" w="med" len="med"/>
+                    </a:lnR>
+                    <a:lnT w="38100" cap="flat" cmpd="sng" algn="ctr">
+                      <a:solidFill>
+                        <a:schemeClr val="tx1"/>
+                      </a:solidFill>
+                      <a:prstDash val="solid"/>
+                      <a:round/>
+                      <a:headEnd type="none" w="med" len="med"/>
+                      <a:tailEnd type="none" w="med" len="med"/>
+                    </a:lnT>
+                    <a:lnB w="12700" cap="flat" cmpd="sng" algn="ctr">
+                      <a:solidFill>
+                        <a:schemeClr val="tx1"/>
+                      </a:solidFill>
+                      <a:prstDash val="solid"/>
+                      <a:round/>
+                      <a:headEnd type="none" w="med" len="med"/>
+                      <a:tailEnd type="none" w="med" len="med"/>
+                    </a:lnB>
+                    <a:solidFill>
+                      <a:srgbClr val="FFFF00"/>
+                    </a:solidFill>
+                  </a:tcPr>
+                </a:tc>
+                <a:tc>
+                  <a:txBody>
+                    <a:bodyPr/>
+                    <a:lstStyle/>
+                    <a:p>
+                      <a:pPr algn="ctr" latinLnBrk="1"/>
+                      <a:r>
+                        <a:rPr lang="ko-KR" altLang="en-US" sz="2000" dirty="0" smtClean="0"/>
+                        <a:t>데이터의 수가 적고 어느 정도 정렬되었을 때</a:t>
+                      </a:r>
+                      <a:r>
+                        <a:rPr lang="ko-KR" altLang="en-US" sz="2000" baseline="0" dirty="0" smtClean="0"/>
+                        <a:t> 효율적</a:t>
+                      </a:r>
+                      <a:endParaRPr lang="en-US" altLang="ko-KR" sz="2000" baseline="0" dirty="0" smtClean="0"/>
+                    </a:p>
+                    <a:p>
+                      <a:pPr algn="ctr" latinLnBrk="1"/>
+                      <a:r>
+                        <a:rPr lang="ko-KR" altLang="en-US" sz="2000" dirty="0" smtClean="0"/>
+                        <a:t>데이터 수가 많을 때 매우 비효율적</a:t>
+                      </a:r>
+                      <a:endParaRPr lang="ko-KR" altLang="en-US" sz="2000" dirty="0"/>
+                    </a:p>
+                  </a:txBody>
+                  <a:tcPr anchor="ctr">
+                    <a:lnL w="38100" cap="flat" cmpd="sng" algn="ctr">
+                      <a:solidFill>
+                        <a:schemeClr val="tx1"/>
+                      </a:solidFill>
+                      <a:prstDash val="solid"/>
+                      <a:round/>
+                      <a:headEnd type="none" w="med" len="med"/>
+                      <a:tailEnd type="none" w="med" len="med"/>
+                    </a:lnL>
+                    <a:lnR w="38100" cap="flat" cmpd="sng" algn="ctr">
+                      <a:solidFill>
+                        <a:schemeClr val="tx1"/>
+                      </a:solidFill>
+                      <a:prstDash val="solid"/>
+                      <a:round/>
+                      <a:headEnd type="none" w="med" len="med"/>
+                      <a:tailEnd type="none" w="med" len="med"/>
+                    </a:lnR>
+                    <a:lnT w="38100" cap="flat" cmpd="sng" algn="ctr">
+                      <a:solidFill>
+                        <a:schemeClr val="tx1"/>
+                      </a:solidFill>
+                      <a:prstDash val="solid"/>
+                      <a:round/>
+                      <a:headEnd type="none" w="med" len="med"/>
+                      <a:tailEnd type="none" w="med" len="med"/>
+                    </a:lnT>
+                    <a:lnB w="12700" cap="flat" cmpd="sng" algn="ctr">
+                      <a:solidFill>
+                        <a:schemeClr val="tx1"/>
+                      </a:solidFill>
+                      <a:prstDash val="solid"/>
+                      <a:round/>
+                      <a:headEnd type="none" w="med" len="med"/>
+                      <a:tailEnd type="none" w="med" len="med"/>
+                    </a:lnB>
+                    <a:solidFill>
+                      <a:srgbClr val="FFFF00"/>
+                    </a:solidFill>
+                  </a:tcPr>
+                </a:tc>
+              </a:tr>
+              <a:tr h="812963">
+                <a:tc>
+                  <a:txBody>
+                    <a:bodyPr/>
+                    <a:lstStyle/>
+                    <a:p>
+                      <a:pPr algn="ctr" latinLnBrk="1"/>
+                      <a:r>
+                        <a:rPr lang="en-US" altLang="ko-KR" sz="2100" b="1" dirty="0" smtClean="0">
+                          <a:solidFill>
+                            <a:schemeClr val="tx1"/>
+                          </a:solidFill>
+                        </a:rPr>
+                        <a:t>shell</a:t>
+                      </a:r>
+                      <a:r>
+                        <a:rPr lang="ko-KR" altLang="en-US" sz="2100" b="1" dirty="0" smtClean="0">
+                          <a:solidFill>
+                            <a:schemeClr val="tx1"/>
+                          </a:solidFill>
+                        </a:rPr>
+                        <a:t> 정렬</a:t>
+                      </a:r>
+                      <a:endParaRPr lang="ko-KR" altLang="en-US" sz="2100" b="1" dirty="0">
+                        <a:solidFill>
+                          <a:schemeClr val="tx1"/>
+                        </a:solidFill>
+                      </a:endParaRPr>
+                    </a:p>
+                  </a:txBody>
+                  <a:tcPr anchor="ctr">
+                    <a:lnL w="38100" cap="flat" cmpd="sng" algn="ctr">
+                      <a:solidFill>
+                        <a:schemeClr val="tx1"/>
+                      </a:solidFill>
+                      <a:prstDash val="solid"/>
+                      <a:round/>
+                      <a:headEnd type="none" w="med" len="med"/>
+                      <a:tailEnd type="none" w="med" len="med"/>
+                    </a:lnL>
+                    <a:lnR w="38100" cap="flat" cmpd="sng" algn="ctr">
+                      <a:solidFill>
+                        <a:schemeClr val="tx1"/>
+                      </a:solidFill>
+                      <a:prstDash val="solid"/>
+                      <a:round/>
+                      <a:headEnd type="none" w="med" len="med"/>
+                      <a:tailEnd type="none" w="med" len="med"/>
+                    </a:lnR>
+                    <a:lnT w="12700" cap="flat" cmpd="sng" algn="ctr">
+                      <a:solidFill>
+                        <a:schemeClr val="tx1"/>
+                      </a:solidFill>
+                      <a:prstDash val="solid"/>
+                      <a:round/>
+                      <a:headEnd type="none" w="med" len="med"/>
+                      <a:tailEnd type="none" w="med" len="med"/>
+                    </a:lnT>
+                    <a:lnB w="38100" cap="flat" cmpd="sng" algn="ctr">
+                      <a:solidFill>
+                        <a:schemeClr val="tx1"/>
+                      </a:solidFill>
+                      <a:prstDash val="solid"/>
+                      <a:round/>
+                      <a:headEnd type="none" w="med" len="med"/>
+                      <a:tailEnd type="none" w="med" len="med"/>
+                    </a:lnB>
+                    <a:solidFill>
+                      <a:srgbClr val="FFFF00"/>
+                    </a:solidFill>
+                  </a:tcPr>
+                </a:tc>
+                <a:tc>
+                  <a:txBody>
+                    <a:bodyPr/>
+                    <a:lstStyle/>
+                    <a:p>
+                      <a:pPr algn="ctr" latinLnBrk="1"/>
+                      <a:r>
+                        <a:rPr lang="ko-KR" altLang="en-US" sz="2000" dirty="0" smtClean="0"/>
+                        <a:t>삽입 집합의 </a:t>
+                      </a:r>
+                      <a:r>
+                        <a:rPr lang="ko-KR" altLang="en-US" sz="2000" dirty="0" err="1" smtClean="0"/>
+                        <a:t>비정렬</a:t>
+                      </a:r>
+                      <a:r>
+                        <a:rPr lang="ko-KR" altLang="en-US" sz="2000" dirty="0" smtClean="0"/>
+                        <a:t> 데이터 문제를 해결하기 위한 방법</a:t>
+                      </a:r>
+                      <a:endParaRPr lang="en-US" altLang="ko-KR" sz="2000" dirty="0" smtClean="0"/>
+                    </a:p>
+                    <a:p>
+                      <a:pPr algn="ctr" latinLnBrk="1"/>
+                      <a:r>
+                        <a:rPr lang="ko-KR" altLang="en-US" sz="2000" dirty="0" smtClean="0"/>
+                        <a:t>데이터의 수가 크지 않을</a:t>
+                      </a:r>
+                      <a:r>
+                        <a:rPr lang="ko-KR" altLang="en-US" sz="2000" baseline="0" dirty="0" smtClean="0"/>
+                        <a:t> 때 효율적</a:t>
+                      </a:r>
+                      <a:endParaRPr lang="ko-KR" altLang="en-US" sz="2000" dirty="0"/>
+                    </a:p>
+                  </a:txBody>
+                  <a:tcPr anchor="ctr">
+                    <a:lnL w="38100" cap="flat" cmpd="sng" algn="ctr">
+                      <a:solidFill>
+                        <a:schemeClr val="tx1"/>
+                      </a:solidFill>
+                      <a:prstDash val="solid"/>
+                      <a:round/>
+                      <a:headEnd type="none" w="med" len="med"/>
+                      <a:tailEnd type="none" w="med" len="med"/>
+                    </a:lnL>
+                    <a:lnR w="38100" cap="flat" cmpd="sng" algn="ctr">
+                      <a:solidFill>
+                        <a:schemeClr val="tx1"/>
+                      </a:solidFill>
+                      <a:prstDash val="solid"/>
+                      <a:round/>
+                      <a:headEnd type="none" w="med" len="med"/>
+                      <a:tailEnd type="none" w="med" len="med"/>
+                    </a:lnR>
+                    <a:lnT w="12700" cap="flat" cmpd="sng" algn="ctr">
+                      <a:solidFill>
+                        <a:schemeClr val="tx1"/>
+                      </a:solidFill>
+                      <a:prstDash val="solid"/>
+                      <a:round/>
+                      <a:headEnd type="none" w="med" len="med"/>
+                      <a:tailEnd type="none" w="med" len="med"/>
+                    </a:lnT>
+                    <a:lnB w="38100" cap="flat" cmpd="sng" algn="ctr">
+                      <a:solidFill>
+                        <a:schemeClr val="tx1"/>
+                      </a:solidFill>
+                      <a:prstDash val="solid"/>
+                      <a:round/>
+                      <a:headEnd type="none" w="med" len="med"/>
+                      <a:tailEnd type="none" w="med" len="med"/>
+                    </a:lnB>
+                    <a:solidFill>
+                      <a:srgbClr val="FFFF00"/>
+                    </a:solidFill>
+                  </a:tcPr>
+                </a:tc>
+              </a:tr>
+              <a:tr h="730316">
+                <a:tc>
+                  <a:txBody>
+                    <a:bodyPr/>
+                    <a:lstStyle/>
+                    <a:p>
+                      <a:pPr algn="ctr" latinLnBrk="1"/>
+                      <a:r>
+                        <a:rPr lang="ko-KR" altLang="en-US" sz="2100" b="1" dirty="0" err="1" smtClean="0">
+                          <a:solidFill>
+                            <a:schemeClr val="tx1"/>
+                          </a:solidFill>
+                        </a:rPr>
+                        <a:t>퀵</a:t>
+                      </a:r>
+                      <a:r>
+                        <a:rPr lang="ko-KR" altLang="en-US" sz="2100" b="1" dirty="0" smtClean="0">
+                          <a:solidFill>
+                            <a:schemeClr val="tx1"/>
+                          </a:solidFill>
+                        </a:rPr>
+                        <a:t> 정렬</a:t>
+                      </a:r>
+                      <a:endParaRPr lang="ko-KR" altLang="en-US" sz="2100" b="1" dirty="0">
+                        <a:solidFill>
+                          <a:schemeClr val="tx1"/>
+                        </a:solidFill>
+                      </a:endParaRPr>
+                    </a:p>
+                  </a:txBody>
+                  <a:tcPr anchor="ctr">
+                    <a:lnL w="38100" cap="flat" cmpd="sng" algn="ctr">
+                      <a:solidFill>
+                        <a:schemeClr val="tx1"/>
+                      </a:solidFill>
+                      <a:prstDash val="solid"/>
+                      <a:round/>
+                      <a:headEnd type="none" w="med" len="med"/>
+                      <a:tailEnd type="none" w="med" len="med"/>
+                    </a:lnL>
+                    <a:lnR w="38100" cap="flat" cmpd="sng" algn="ctr">
+                      <a:solidFill>
+                        <a:schemeClr val="tx1"/>
+                      </a:solidFill>
+                      <a:prstDash val="solid"/>
+                      <a:round/>
+                      <a:headEnd type="none" w="med" len="med"/>
+                      <a:tailEnd type="none" w="med" len="med"/>
+                    </a:lnR>
+                    <a:lnT w="38100" cap="flat" cmpd="sng" algn="ctr">
+                      <a:solidFill>
+                        <a:schemeClr val="tx1"/>
+                      </a:solidFill>
+                      <a:prstDash val="solid"/>
+                      <a:round/>
+                      <a:headEnd type="none" w="med" len="med"/>
+                      <a:tailEnd type="none" w="med" len="med"/>
+                    </a:lnT>
+                    <a:lnB w="12700" cap="flat" cmpd="sng" algn="ctr">
+                      <a:solidFill>
+                        <a:schemeClr val="tx1"/>
+                      </a:solidFill>
+                      <a:prstDash val="solid"/>
+                      <a:round/>
+                      <a:headEnd type="none" w="med" len="med"/>
+                      <a:tailEnd type="none" w="med" len="med"/>
+                    </a:lnB>
+                    <a:solidFill>
+                      <a:srgbClr val="00B0F0"/>
+                    </a:solidFill>
+                  </a:tcPr>
+                </a:tc>
+                <a:tc>
+                  <a:txBody>
+                    <a:bodyPr/>
+                    <a:lstStyle/>
+                    <a:p>
+                      <a:pPr algn="ctr" latinLnBrk="1"/>
+                      <a:r>
+                        <a:rPr lang="ko-KR" altLang="en-US" sz="2000" dirty="0" smtClean="0"/>
+                        <a:t>평균적으로 가장 좋은 성능</a:t>
+                      </a:r>
+                      <a:endParaRPr lang="en-US" altLang="ko-KR" sz="2000" dirty="0" smtClean="0"/>
+                    </a:p>
+                    <a:p>
+                      <a:pPr algn="ctr" latinLnBrk="1"/>
+                      <a:r>
+                        <a:rPr lang="ko-KR" altLang="en-US" sz="2000" dirty="0" smtClean="0"/>
+                        <a:t>재귀호출 사용</a:t>
+                      </a:r>
+                      <a:endParaRPr lang="en-US" altLang="ko-KR" sz="2000" dirty="0" smtClean="0"/>
+                    </a:p>
+                  </a:txBody>
+                  <a:tcPr anchor="ctr">
+                    <a:lnL w="38100" cap="flat" cmpd="sng" algn="ctr">
+                      <a:solidFill>
+                        <a:schemeClr val="tx1"/>
+                      </a:solidFill>
+                      <a:prstDash val="solid"/>
+                      <a:round/>
+                      <a:headEnd type="none" w="med" len="med"/>
+                      <a:tailEnd type="none" w="med" len="med"/>
+                    </a:lnL>
+                    <a:lnR w="38100" cap="flat" cmpd="sng" algn="ctr">
+                      <a:solidFill>
+                        <a:schemeClr val="tx1"/>
+                      </a:solidFill>
+                      <a:prstDash val="solid"/>
+                      <a:round/>
+                      <a:headEnd type="none" w="med" len="med"/>
+                      <a:tailEnd type="none" w="med" len="med"/>
+                    </a:lnR>
+                    <a:lnT w="38100" cap="flat" cmpd="sng" algn="ctr">
+                      <a:solidFill>
+                        <a:schemeClr val="tx1"/>
+                      </a:solidFill>
+                      <a:prstDash val="solid"/>
+                      <a:round/>
+                      <a:headEnd type="none" w="med" len="med"/>
+                      <a:tailEnd type="none" w="med" len="med"/>
+                    </a:lnT>
+                    <a:lnB w="12700" cap="flat" cmpd="sng" algn="ctr">
+                      <a:solidFill>
+                        <a:schemeClr val="tx1"/>
+                      </a:solidFill>
+                      <a:prstDash val="solid"/>
+                      <a:round/>
+                      <a:headEnd type="none" w="med" len="med"/>
+                      <a:tailEnd type="none" w="med" len="med"/>
+                    </a:lnB>
+                    <a:solidFill>
+                      <a:srgbClr val="00B0F0"/>
+                    </a:solidFill>
+                  </a:tcPr>
+                </a:tc>
+              </a:tr>
+              <a:tr h="730316">
+                <a:tc>
+                  <a:txBody>
+                    <a:bodyPr/>
+                    <a:lstStyle/>
+                    <a:p>
+                      <a:pPr algn="ctr" latinLnBrk="1"/>
+                      <a:r>
+                        <a:rPr lang="ko-KR" altLang="en-US" sz="2100" b="1" dirty="0" smtClean="0">
+                          <a:solidFill>
+                            <a:schemeClr val="tx1"/>
+                          </a:solidFill>
+                        </a:rPr>
+                        <a:t>합병 정렬</a:t>
+                      </a:r>
+                      <a:endParaRPr lang="ko-KR" altLang="en-US" sz="2100" b="1" dirty="0">
+                        <a:solidFill>
+                          <a:schemeClr val="tx1"/>
+                        </a:solidFill>
+                      </a:endParaRPr>
+                    </a:p>
+                  </a:txBody>
+                  <a:tcPr anchor="ctr">
+                    <a:lnL w="38100" cap="flat" cmpd="sng" algn="ctr">
+                      <a:solidFill>
+                        <a:schemeClr val="tx1"/>
+                      </a:solidFill>
+                      <a:prstDash val="solid"/>
+                      <a:round/>
+                      <a:headEnd type="none" w="med" len="med"/>
+                      <a:tailEnd type="none" w="med" len="med"/>
+                    </a:lnL>
+                    <a:lnR w="38100" cap="flat" cmpd="sng" algn="ctr">
+                      <a:solidFill>
+                        <a:schemeClr val="tx1"/>
+                      </a:solidFill>
+                      <a:prstDash val="solid"/>
+                      <a:round/>
+                      <a:headEnd type="none" w="med" len="med"/>
+                      <a:tailEnd type="none" w="med" len="med"/>
+                    </a:lnR>
+                    <a:lnT w="12700" cap="flat" cmpd="sng" algn="ctr">
+                      <a:solidFill>
+                        <a:schemeClr val="tx1"/>
+                      </a:solidFill>
+                      <a:prstDash val="solid"/>
+                      <a:round/>
+                      <a:headEnd type="none" w="med" len="med"/>
+                      <a:tailEnd type="none" w="med" len="med"/>
+                    </a:lnT>
+                    <a:lnB w="38100" cap="flat" cmpd="sng" algn="ctr">
+                      <a:solidFill>
+                        <a:schemeClr val="tx1"/>
+                      </a:solidFill>
+                      <a:prstDash val="solid"/>
+                      <a:round/>
+                      <a:headEnd type="none" w="med" len="med"/>
+                      <a:tailEnd type="none" w="med" len="med"/>
+                    </a:lnB>
+                    <a:solidFill>
+                      <a:srgbClr val="00B0F0"/>
+                    </a:solidFill>
+                  </a:tcPr>
+                </a:tc>
+                <a:tc>
+                  <a:txBody>
+                    <a:bodyPr/>
+                    <a:lstStyle/>
+                    <a:p>
+                      <a:pPr algn="ctr" latinLnBrk="1"/>
+                      <a:r>
+                        <a:rPr lang="ko-KR" altLang="en-US" sz="2000" dirty="0" smtClean="0"/>
+                        <a:t>데이터 구성에 관계없이 좋은 성능</a:t>
+                      </a:r>
+                      <a:r>
+                        <a:rPr lang="en-US" altLang="ko-KR" sz="2000" dirty="0" smtClean="0"/>
+                        <a:t>,</a:t>
+                      </a:r>
+                      <a:r>
+                        <a:rPr lang="ko-KR" altLang="en-US" sz="2000" dirty="0" smtClean="0"/>
+                        <a:t> 많은 메모리</a:t>
+                      </a:r>
+                      <a:r>
+                        <a:rPr lang="ko-KR" altLang="en-US" sz="2000" baseline="0" dirty="0" smtClean="0"/>
+                        <a:t> 필요</a:t>
+                      </a:r>
+                      <a:endParaRPr lang="en-US" altLang="ko-KR" sz="2000" baseline="0" dirty="0" smtClean="0"/>
+                    </a:p>
+                    <a:p>
+                      <a:pPr algn="ctr" latinLnBrk="1"/>
+                      <a:r>
+                        <a:rPr lang="ko-KR" altLang="en-US" sz="2000" baseline="0" dirty="0" smtClean="0"/>
+                        <a:t>재귀호출 사용</a:t>
+                      </a:r>
+                      <a:endParaRPr lang="en-US" altLang="ko-KR" sz="2000" baseline="0" dirty="0" smtClean="0"/>
+                    </a:p>
+                  </a:txBody>
+                  <a:tcPr anchor="ctr">
+                    <a:lnL w="38100" cap="flat" cmpd="sng" algn="ctr">
+                      <a:solidFill>
+                        <a:schemeClr val="tx1"/>
+                      </a:solidFill>
+                      <a:prstDash val="solid"/>
+                      <a:round/>
+                      <a:headEnd type="none" w="med" len="med"/>
+                      <a:tailEnd type="none" w="med" len="med"/>
+                    </a:lnL>
+                    <a:lnR w="38100" cap="flat" cmpd="sng" algn="ctr">
+                      <a:solidFill>
+                        <a:schemeClr val="tx1"/>
+                      </a:solidFill>
+                      <a:prstDash val="solid"/>
+                      <a:round/>
+                      <a:headEnd type="none" w="med" len="med"/>
+                      <a:tailEnd type="none" w="med" len="med"/>
+                    </a:lnR>
+                    <a:lnT w="12700" cap="flat" cmpd="sng" algn="ctr">
+                      <a:solidFill>
+                        <a:schemeClr val="tx1"/>
+                      </a:solidFill>
+                      <a:prstDash val="solid"/>
+                      <a:round/>
+                      <a:headEnd type="none" w="med" len="med"/>
+                      <a:tailEnd type="none" w="med" len="med"/>
+                    </a:lnT>
+                    <a:lnB w="38100" cap="flat" cmpd="sng" algn="ctr">
+                      <a:solidFill>
+                        <a:schemeClr val="tx1"/>
+                      </a:solidFill>
+                      <a:prstDash val="solid"/>
+                      <a:round/>
+                      <a:headEnd type="none" w="med" len="med"/>
+                      <a:tailEnd type="none" w="med" len="med"/>
+                    </a:lnB>
+                    <a:solidFill>
+                      <a:srgbClr val="00B0F0"/>
+                    </a:solidFill>
+                  </a:tcPr>
+                </a:tc>
+              </a:tr>
+              <a:tr h="730316">
+                <a:tc>
+                  <a:txBody>
+                    <a:bodyPr/>
+                    <a:lstStyle/>
+                    <a:p>
+                      <a:pPr algn="ctr" latinLnBrk="1"/>
+                      <a:r>
+                        <a:rPr lang="ko-KR" altLang="en-US" sz="2100" b="1" dirty="0" err="1" smtClean="0">
+                          <a:solidFill>
+                            <a:schemeClr val="tx1"/>
+                          </a:solidFill>
+                        </a:rPr>
+                        <a:t>힙</a:t>
+                      </a:r>
+                      <a:r>
+                        <a:rPr lang="ko-KR" altLang="en-US" sz="2100" b="1" dirty="0" smtClean="0">
+                          <a:solidFill>
+                            <a:schemeClr val="tx1"/>
+                          </a:solidFill>
+                        </a:rPr>
+                        <a:t> 정렬</a:t>
+                      </a:r>
+                      <a:endParaRPr lang="ko-KR" altLang="en-US" sz="2100" b="1" dirty="0">
+                        <a:solidFill>
+                          <a:schemeClr val="tx1"/>
+                        </a:solidFill>
+                      </a:endParaRPr>
+                    </a:p>
+                  </a:txBody>
+                  <a:tcPr anchor="ctr">
+                    <a:lnL w="38100" cap="flat" cmpd="sng" algn="ctr">
+                      <a:solidFill>
+                        <a:schemeClr val="tx1"/>
+                      </a:solidFill>
+                      <a:prstDash val="solid"/>
+                      <a:round/>
+                      <a:headEnd type="none" w="med" len="med"/>
+                      <a:tailEnd type="none" w="med" len="med"/>
+                    </a:lnL>
+                    <a:lnR w="38100" cap="flat" cmpd="sng" algn="ctr">
+                      <a:solidFill>
+                        <a:schemeClr val="tx1"/>
+                      </a:solidFill>
+                      <a:prstDash val="solid"/>
+                      <a:round/>
+                      <a:headEnd type="none" w="med" len="med"/>
+                      <a:tailEnd type="none" w="med" len="med"/>
+                    </a:lnR>
+                    <a:lnT w="38100" cap="flat" cmpd="sng" algn="ctr">
+                      <a:solidFill>
+                        <a:schemeClr val="tx1"/>
+                      </a:solidFill>
+                      <a:prstDash val="solid"/>
+                      <a:round/>
+                      <a:headEnd type="none" w="med" len="med"/>
+                      <a:tailEnd type="none" w="med" len="med"/>
+                    </a:lnT>
+                    <a:lnB w="12700" cap="flat" cmpd="sng" algn="ctr">
+                      <a:solidFill>
+                        <a:schemeClr val="tx1"/>
+                      </a:solidFill>
+                      <a:prstDash val="solid"/>
+                      <a:round/>
+                      <a:headEnd type="none" w="med" len="med"/>
+                      <a:tailEnd type="none" w="med" len="med"/>
+                    </a:lnB>
+                    <a:solidFill>
+                      <a:srgbClr val="00B050"/>
+                    </a:solidFill>
+                  </a:tcPr>
+                </a:tc>
+                <a:tc>
+                  <a:txBody>
+                    <a:bodyPr/>
+                    <a:lstStyle/>
+                    <a:p>
+                      <a:pPr algn="ctr" latinLnBrk="1"/>
+                      <a:r>
+                        <a:rPr lang="ko-KR" altLang="en-US" sz="2000" dirty="0" smtClean="0"/>
+                        <a:t>완전</a:t>
+                      </a:r>
+                      <a:r>
+                        <a:rPr lang="en-US" altLang="ko-KR" sz="2000" dirty="0" smtClean="0"/>
+                        <a:t>2</a:t>
+                      </a:r>
+                      <a:r>
+                        <a:rPr lang="ko-KR" altLang="en-US" sz="2000" dirty="0" err="1" smtClean="0"/>
+                        <a:t>진트리</a:t>
+                      </a:r>
+                      <a:r>
+                        <a:rPr lang="ko-KR" altLang="en-US" sz="2000" dirty="0" smtClean="0"/>
+                        <a:t> 이용</a:t>
+                      </a:r>
+                      <a:r>
+                        <a:rPr lang="en-US" altLang="ko-KR" sz="2000" dirty="0" smtClean="0"/>
+                        <a:t>, </a:t>
+                      </a:r>
+                      <a:r>
+                        <a:rPr lang="ko-KR" altLang="en-US" sz="2000" dirty="0" smtClean="0"/>
+                        <a:t>뛰어난 성능</a:t>
+                      </a:r>
+                      <a:endParaRPr lang="en-US" altLang="ko-KR" sz="2000" dirty="0" smtClean="0"/>
+                    </a:p>
+                    <a:p>
+                      <a:pPr algn="ctr" latinLnBrk="1"/>
+                      <a:r>
+                        <a:rPr lang="ko-KR" altLang="en-US" sz="2000" dirty="0" smtClean="0"/>
+                        <a:t>안정성 보장불가</a:t>
+                      </a:r>
+                      <a:endParaRPr lang="en-US" altLang="ko-KR" sz="2000" dirty="0" smtClean="0"/>
+                    </a:p>
+                  </a:txBody>
+                  <a:tcPr anchor="ctr">
+                    <a:lnL w="38100" cap="flat" cmpd="sng" algn="ctr">
+                      <a:solidFill>
+                        <a:schemeClr val="tx1"/>
+                      </a:solidFill>
+                      <a:prstDash val="solid"/>
+                      <a:round/>
+                      <a:headEnd type="none" w="med" len="med"/>
+                      <a:tailEnd type="none" w="med" len="med"/>
+                    </a:lnL>
+                    <a:lnR w="38100" cap="flat" cmpd="sng" algn="ctr">
+                      <a:solidFill>
+                        <a:schemeClr val="tx1"/>
+                      </a:solidFill>
+                      <a:prstDash val="solid"/>
+                      <a:round/>
+                      <a:headEnd type="none" w="med" len="med"/>
+                      <a:tailEnd type="none" w="med" len="med"/>
+                    </a:lnR>
+                    <a:lnT w="38100" cap="flat" cmpd="sng" algn="ctr">
+                      <a:solidFill>
+                        <a:schemeClr val="tx1"/>
+                      </a:solidFill>
+                      <a:prstDash val="solid"/>
+                      <a:round/>
+                      <a:headEnd type="none" w="med" len="med"/>
+                      <a:tailEnd type="none" w="med" len="med"/>
+                    </a:lnT>
+                    <a:lnB w="12700" cap="flat" cmpd="sng" algn="ctr">
+                      <a:solidFill>
+                        <a:schemeClr val="tx1"/>
+                      </a:solidFill>
+                      <a:prstDash val="solid"/>
+                      <a:round/>
+                      <a:headEnd type="none" w="med" len="med"/>
+                      <a:tailEnd type="none" w="med" len="med"/>
+                    </a:lnB>
+                    <a:solidFill>
+                      <a:srgbClr val="00B050"/>
+                    </a:solidFill>
+                  </a:tcPr>
+                </a:tc>
+              </a:tr>
+              <a:tr h="730316">
+                <a:tc>
+                  <a:txBody>
+                    <a:bodyPr/>
+                    <a:lstStyle/>
+                    <a:p>
+                      <a:pPr algn="ctr" latinLnBrk="1"/>
+                      <a:r>
+                        <a:rPr lang="ko-KR" altLang="en-US" sz="2100" b="1" dirty="0" smtClean="0">
+                          <a:solidFill>
+                            <a:schemeClr val="tx1"/>
+                          </a:solidFill>
+                        </a:rPr>
+                        <a:t>기수 정렬</a:t>
+                      </a:r>
+                      <a:endParaRPr lang="ko-KR" altLang="en-US" sz="2100" b="1" dirty="0">
+                        <a:solidFill>
+                          <a:schemeClr val="tx1"/>
+                        </a:solidFill>
+                      </a:endParaRPr>
+                    </a:p>
+                  </a:txBody>
+                  <a:tcPr anchor="ctr">
+                    <a:lnL w="38100" cap="flat" cmpd="sng" algn="ctr">
+                      <a:solidFill>
+                        <a:schemeClr val="tx1"/>
+                      </a:solidFill>
+                      <a:prstDash val="solid"/>
+                      <a:round/>
+                      <a:headEnd type="none" w="med" len="med"/>
+                      <a:tailEnd type="none" w="med" len="med"/>
+                    </a:lnL>
+                    <a:lnR w="38100" cap="flat" cmpd="sng" algn="ctr">
+                      <a:solidFill>
+                        <a:schemeClr val="tx1"/>
+                      </a:solidFill>
+                      <a:prstDash val="solid"/>
+                      <a:round/>
+                      <a:headEnd type="none" w="med" len="med"/>
+                      <a:tailEnd type="none" w="med" len="med"/>
+                    </a:lnR>
+                    <a:lnT w="12700" cap="flat" cmpd="sng" algn="ctr">
+                      <a:solidFill>
+                        <a:schemeClr val="tx1"/>
+                      </a:solidFill>
+                      <a:prstDash val="solid"/>
+                      <a:round/>
+                      <a:headEnd type="none" w="med" len="med"/>
+                      <a:tailEnd type="none" w="med" len="med"/>
+                    </a:lnT>
+                    <a:lnB w="38100" cap="flat" cmpd="sng" algn="ctr">
+                      <a:solidFill>
+                        <a:schemeClr val="tx1"/>
+                      </a:solidFill>
+                      <a:prstDash val="solid"/>
+                      <a:round/>
+                      <a:headEnd type="none" w="med" len="med"/>
+                      <a:tailEnd type="none" w="med" len="med"/>
+                    </a:lnB>
+                    <a:solidFill>
+                      <a:srgbClr val="00B050"/>
+                    </a:solidFill>
+                  </a:tcPr>
+                </a:tc>
+                <a:tc>
+                  <a:txBody>
+                    <a:bodyPr/>
+                    <a:lstStyle/>
+                    <a:p>
+                      <a:pPr algn="ctr" latinLnBrk="1"/>
+                      <a:r>
+                        <a:rPr lang="ko-KR" altLang="en-US" sz="2000" smtClean="0"/>
+                        <a:t>정수로 표현될 수 있는 데이터에 대해 비교연산</a:t>
+                      </a:r>
+                      <a:r>
+                        <a:rPr lang="ko-KR" altLang="en-US" sz="2000" baseline="0" smtClean="0"/>
+                        <a:t> 없이</a:t>
+                      </a:r>
+                      <a:endParaRPr lang="en-US" altLang="ko-KR" sz="2000" baseline="0" smtClean="0"/>
+                    </a:p>
+                    <a:p>
+                      <a:pPr algn="ctr" latinLnBrk="1"/>
+                      <a:r>
+                        <a:rPr lang="ko-KR" altLang="en-US" sz="2000" baseline="0" smtClean="0"/>
+                        <a:t>단순한 분배와 취합으로 실행</a:t>
+                      </a:r>
+                      <a:r>
+                        <a:rPr lang="en-US" altLang="ko-KR" sz="2000" baseline="0" smtClean="0"/>
+                        <a:t>, </a:t>
+                      </a:r>
+                      <a:r>
+                        <a:rPr lang="ko-KR" altLang="en-US" sz="2000" baseline="0" smtClean="0"/>
+                        <a:t>많은 메모리 필요</a:t>
+                      </a:r>
+                      <a:endParaRPr lang="ko-KR" altLang="en-US" sz="2000" dirty="0"/>
+                    </a:p>
+                  </a:txBody>
+                  <a:tcPr anchor="ctr">
+                    <a:lnL w="38100" cap="flat" cmpd="sng" algn="ctr">
+                      <a:solidFill>
+                        <a:schemeClr val="tx1"/>
+                      </a:solidFill>
+                      <a:prstDash val="solid"/>
+                      <a:round/>
+                      <a:headEnd type="none" w="med" len="med"/>
+                      <a:tailEnd type="none" w="med" len="med"/>
+                    </a:lnL>
+                    <a:lnR w="38100" cap="flat" cmpd="sng" algn="ctr">
+                      <a:solidFill>
+                        <a:schemeClr val="tx1"/>
+                      </a:solidFill>
+                      <a:prstDash val="solid"/>
+                      <a:round/>
+                      <a:headEnd type="none" w="med" len="med"/>
+                      <a:tailEnd type="none" w="med" len="med"/>
+                    </a:lnR>
+                    <a:lnT w="12700" cap="flat" cmpd="sng" algn="ctr">
+                      <a:solidFill>
+                        <a:schemeClr val="tx1"/>
+                      </a:solidFill>
+                      <a:prstDash val="solid"/>
+                      <a:round/>
+                      <a:headEnd type="none" w="med" len="med"/>
+                      <a:tailEnd type="none" w="med" len="med"/>
+                    </a:lnT>
+                    <a:lnB w="38100" cap="flat" cmpd="sng" algn="ctr">
+                      <a:solidFill>
+                        <a:schemeClr val="tx1"/>
+                      </a:solidFill>
+                      <a:prstDash val="solid"/>
+                      <a:round/>
+                      <a:headEnd type="none" w="med" len="med"/>
+                      <a:tailEnd type="none" w="med" len="med"/>
+                    </a:lnB>
+                    <a:solidFill>
+                      <a:srgbClr val="00B050"/>
+                    </a:solidFill>
+                  </a:tcPr>
+                </a:tc>
+              </a:tr>
+            </a:tbl>
+          </a:graphicData>
+        </a:graphic>
+      </p:graphicFrame>
+    </p:spTree>
+  </p:cSld>
+  <p:clrMapOvr>
+    <a:masterClrMapping/>
+  </p:clrMapOvr>
+  <p:timing>
+    <p:tnLst>
+      <p:par>
+        <p:cTn id="1" dur="indefinite" restart="never" nodeType="tmRoot"/>
+      </p:par>
+    </p:tnLst>
+  </p:timing>
+</p:sld>
+</file>
+
+<file path=ppt/slides/slide4.xml><?xml version="1.0" encoding="utf-8"?>
+<p:sld xmlns:a="http://schemas.openxmlformats.org/drawingml/2006/main" xmlns:r="http://schemas.openxmlformats.org/officeDocument/2006/relationships" xmlns:p="http://schemas.openxmlformats.org/presentationml/2006/main">
+  <p:cSld>
+    <p:spTree>
+      <p:nvGrpSpPr>
+        <p:cNvPr id="1" name=""/>
+        <p:cNvGrpSpPr/>
+        <p:nvPr/>
+      </p:nvGrpSpPr>
+      <p:grpSpPr>
+        <a:xfrm>
+          <a:off x="0" y="0"/>
+          <a:ext cx="0" cy="0"/>
+          <a:chOff x="0" y="0"/>
+          <a:chExt cx="0" cy="0"/>
+        </a:xfrm>
+      </p:grpSpPr>
+      <p:sp>
+        <p:nvSpPr>
+          <p:cNvPr id="2" name="제목 1"/>
+          <p:cNvSpPr>
+            <a:spLocks noGrp="1"/>
+          </p:cNvSpPr>
+          <p:nvPr>
+            <p:ph type="title"/>
+          </p:nvPr>
+        </p:nvSpPr>
+        <p:spPr/>
+        <p:txBody>
+          <a:bodyPr/>
+          <a:lstStyle/>
+          <a:p>
+            <a:r>
+              <a:rPr lang="ko-KR" altLang="en-US" dirty="0" smtClean="0"/>
+              <a:t>재귀함</a:t>
+            </a:r>
+            <a:r>
+              <a:rPr lang="ko-KR" altLang="en-US" dirty="0" smtClean="0"/>
+              <a:t>수</a:t>
+            </a:r>
+            <a:endParaRPr lang="ko-KR" altLang="en-US" dirty="0"/>
+          </a:p>
+        </p:txBody>
+      </p:sp>
+      <p:sp>
+        <p:nvSpPr>
+          <p:cNvPr id="3" name="내용 개체 틀 2"/>
+          <p:cNvSpPr>
+            <a:spLocks noGrp="1"/>
+          </p:cNvSpPr>
+          <p:nvPr>
+            <p:ph idx="1"/>
+          </p:nvPr>
+        </p:nvSpPr>
+        <p:spPr/>
+        <p:txBody>
+          <a:bodyPr/>
+          <a:lstStyle/>
+          <a:p>
+            <a:endParaRPr lang="ko-KR" altLang="en-US"/>
+          </a:p>
+        </p:txBody>
+      </p:sp>
+    </p:spTree>
+  </p:cSld>
+  <p:clrMapOvr>
+    <a:masterClrMapping/>
+  </p:clrMapOvr>
+</p:sld>
+</file>
+
+<file path=ppt/slides/slide5.xml><?xml version="1.0" encoding="utf-8"?>
+<p:sld xmlns:a="http://schemas.openxmlformats.org/drawingml/2006/main" xmlns:r="http://schemas.openxmlformats.org/officeDocument/2006/relationships" xmlns:p="http://schemas.openxmlformats.org/presentationml/2006/main">
+  <p:cSld>
+    <p:spTree>
+      <p:nvGrpSpPr>
+        <p:cNvPr id="1" name=""/>
+        <p:cNvGrpSpPr/>
+        <p:nvPr/>
+      </p:nvGrpSpPr>
+      <p:grpSpPr>
+        <a:xfrm>
+          <a:off x="0" y="0"/>
+          <a:ext cx="0" cy="0"/>
+          <a:chOff x="0" y="0"/>
+          <a:chExt cx="0" cy="0"/>
+        </a:xfrm>
+      </p:grpSpPr>
+      <p:sp>
+        <p:nvSpPr>
+          <p:cNvPr id="2" name="제목 1"/>
+          <p:cNvSpPr>
+            <a:spLocks noGrp="1"/>
+          </p:cNvSpPr>
+          <p:nvPr>
+            <p:ph type="title"/>
+          </p:nvPr>
+        </p:nvSpPr>
+        <p:spPr/>
+        <p:txBody>
+          <a:bodyPr/>
+          <a:lstStyle/>
+          <a:p>
+            <a:r>
+              <a:rPr lang="en-US" altLang="ko-KR" dirty="0" smtClean="0"/>
+              <a:t>Quick sort</a:t>
+            </a:r>
+            <a:endParaRPr lang="ko-KR" altLang="en-US" dirty="0"/>
+          </a:p>
+        </p:txBody>
+      </p:sp>
+      <p:sp>
+        <p:nvSpPr>
+          <p:cNvPr id="4" name="TextBox 3"/>
+          <p:cNvSpPr txBox="1"/>
+          <p:nvPr/>
+        </p:nvSpPr>
+        <p:spPr>
+          <a:xfrm>
+            <a:off x="611560" y="2636912"/>
+            <a:ext cx="1944216" cy="369332"/>
+          </a:xfrm>
+          <a:prstGeom prst="rect">
+            <a:avLst/>
+          </a:prstGeom>
+          <a:solidFill>
+            <a:schemeClr val="bg1"/>
+          </a:solidFill>
+        </p:spPr>
+        <p:txBody>
+          <a:bodyPr wrap="none" rtlCol="0">
+            <a:noAutofit/>
+          </a:bodyPr>
+          <a:lstStyle/>
+          <a:p>
+            <a:pPr algn="ctr"/>
+            <a:endParaRPr lang="ko-KR" altLang="en-US" sz="2400" dirty="0"/>
+          </a:p>
+        </p:txBody>
+      </p:sp>
+    </p:spTree>
+  </p:cSld>
+  <p:clrMapOvr>
+    <a:masterClrMapping/>
+  </p:clrMapOvr>
+</p:sld>
 </file>
 
 <file path=ppt/theme/theme1.xml><?xml version="1.0" encoding="utf-8"?>
@@ -3317,7 +4930,23 @@
       </a:bgFillStyleLst>
     </a:fmtScheme>
   </a:themeElements>
-  <a:objectDefaults/>
+  <a:objectDefaults>
+    <a:txDef>
+      <a:spPr>
+        <a:solidFill>
+          <a:schemeClr val="bg1"/>
+        </a:solidFill>
+      </a:spPr>
+      <a:bodyPr wrap="none" rtlCol="0">
+        <a:noAutofit/>
+      </a:bodyPr>
+      <a:lstStyle>
+        <a:defPPr algn="ctr">
+          <a:defRPr sz="2400" dirty="0"/>
+        </a:defPPr>
+      </a:lstStyle>
+    </a:txDef>
+  </a:objectDefaults>
   <a:extraClrSchemeLst/>
 </a:theme>
 </file>
--- a/QuickSort.pptx
+++ b/QuickSort.pptx
@@ -2,13 +2,13 @@
 <file path=ppt/presentation.xml><?xml version="1.0" encoding="utf-8"?>
 <p:presentation xmlns:a="http://schemas.openxmlformats.org/drawingml/2006/main" xmlns:r="http://schemas.openxmlformats.org/officeDocument/2006/relationships" xmlns:p="http://schemas.openxmlformats.org/presentationml/2006/main" saveSubsetFonts="1">
   <p:sldMasterIdLst>
-    <p:sldMasterId id="2147483648" r:id="rId1"/>
+    <p:sldMasterId id="2147483660" r:id="rId1"/>
   </p:sldMasterIdLst>
   <p:sldIdLst>
     <p:sldId id="256" r:id="rId2"/>
     <p:sldId id="257" r:id="rId3"/>
     <p:sldId id="258" r:id="rId4"/>
-    <p:sldId id="259" r:id="rId5"/>
+    <p:sldId id="261" r:id="rId5"/>
     <p:sldId id="260" r:id="rId6"/>
   </p:sldIdLst>
   <p:sldSz cx="9144000" cy="6858000" type="screen4x3"/>
@@ -112,8 +112,13 @@
 </file>
 
 <file path=ppt/slideLayouts/slideLayout1.xml><?xml version="1.0" encoding="utf-8"?>
-<p:sldLayout xmlns:a="http://schemas.openxmlformats.org/drawingml/2006/main" xmlns:r="http://schemas.openxmlformats.org/officeDocument/2006/relationships" xmlns:p="http://schemas.openxmlformats.org/presentationml/2006/main" type="title" preserve="1">
+<p:sldLayout xmlns:a="http://schemas.openxmlformats.org/drawingml/2006/main" xmlns:r="http://schemas.openxmlformats.org/officeDocument/2006/relationships" xmlns:p="http://schemas.openxmlformats.org/presentationml/2006/main" showMasterSp="0" type="title" preserve="1">
   <p:cSld name="제목 슬라이드">
+    <p:bg>
+      <p:bgRef idx="1002">
+        <a:schemeClr val="bg2"/>
+      </p:bgRef>
+    </p:bg>
     <p:spTree>
       <p:nvGrpSpPr>
         <p:cNvPr id="1" name=""/>
@@ -130,6 +135,53 @@
       </p:grpSpPr>
       <p:sp>
         <p:nvSpPr>
+          <p:cNvPr id="9" name="직사각형 8"/>
+          <p:cNvSpPr/>
+          <p:nvPr/>
+        </p:nvSpPr>
+        <p:spPr bwMode="ltGray">
+          <a:xfrm>
+            <a:off x="0" y="0"/>
+            <a:ext cx="9143999" cy="5135430"/>
+          </a:xfrm>
+          <a:prstGeom prst="rect">
+            <a:avLst/>
+          </a:prstGeom>
+          <a:solidFill>
+            <a:srgbClr val="000000"/>
+          </a:solidFill>
+          <a:ln w="48000" cap="flat" cmpd="thickThin" algn="ctr">
+            <a:noFill/>
+            <a:prstDash val="solid"/>
+          </a:ln>
+        </p:spPr>
+        <p:style>
+          <a:lnRef idx="2">
+            <a:schemeClr val="accent1"/>
+          </a:lnRef>
+          <a:fillRef idx="1">
+            <a:schemeClr val="accent1"/>
+          </a:fillRef>
+          <a:effectRef idx="0">
+            <a:schemeClr val="accent1"/>
+          </a:effectRef>
+          <a:fontRef idx="minor">
+            <a:schemeClr val="lt1"/>
+          </a:fontRef>
+        </p:style>
+        <p:txBody>
+          <a:bodyPr rtlCol="0" anchor="ctr"/>
+          <a:lstStyle>
+            <a:extLst/>
+          </a:lstStyle>
+          <a:p>
+            <a:pPr algn="ctr" eaLnBrk="1" latinLnBrk="0" hangingPunct="1"/>
+            <a:endParaRPr kumimoji="0" lang="en-US"/>
+          </a:p>
+        </p:txBody>
+      </p:sp>
+      <p:sp>
+        <p:nvSpPr>
           <p:cNvPr id="2" name="제목 1"/>
           <p:cNvSpPr>
             <a:spLocks noGrp="1"/>
@@ -140,19 +192,35 @@
         </p:nvSpPr>
         <p:spPr>
           <a:xfrm>
-            <a:off x="685800" y="2130425"/>
-            <a:ext cx="7772400" cy="1470025"/>
+            <a:off x="685800" y="3355848"/>
+            <a:ext cx="8077200" cy="1673352"/>
           </a:xfrm>
         </p:spPr>
         <p:txBody>
-          <a:bodyPr/>
-          <a:lstStyle/>
-          <a:p>
-            <a:r>
-              <a:rPr lang="ko-KR" altLang="en-US" smtClean="0"/>
+          <a:bodyPr vert="horz" lIns="91440" tIns="0" rIns="45720" bIns="0" rtlCol="0" anchor="t">
+            <a:normAutofit/>
+            <a:scene3d>
+              <a:camera prst="orthographicFront"/>
+              <a:lightRig rig="threePt" dir="t">
+                <a:rot lat="0" lon="0" rev="4800000"/>
+              </a:lightRig>
+            </a:scene3d>
+            <a:sp3d prstMaterial="matte">
+              <a:bevelT w="50800" h="10160"/>
+            </a:sp3d>
+          </a:bodyPr>
+          <a:lstStyle>
+            <a:lvl1pPr algn="l">
+              <a:defRPr sz="4700" b="1"/>
+            </a:lvl1pPr>
+            <a:extLst/>
+          </a:lstStyle>
+          <a:p>
+            <a:r>
+              <a:rPr kumimoji="0" lang="ko-KR" altLang="en-US" smtClean="0"/>
               <a:t>마스터 제목 스타일 편집</a:t>
             </a:r>
-            <a:endParaRPr lang="ko-KR" altLang="en-US"/>
+            <a:endParaRPr kumimoji="0" lang="en-US"/>
           </a:p>
         </p:txBody>
       </p:sp>
@@ -168,20 +236,18 @@
         </p:nvSpPr>
         <p:spPr>
           <a:xfrm>
-            <a:off x="1371600" y="3886200"/>
-            <a:ext cx="6400800" cy="1752600"/>
+            <a:off x="685800" y="1828800"/>
+            <a:ext cx="8077200" cy="1499616"/>
           </a:xfrm>
         </p:spPr>
         <p:txBody>
-          <a:bodyPr/>
+          <a:bodyPr lIns="118872" tIns="0" rIns="45720" bIns="0" anchor="b"/>
           <a:lstStyle>
-            <a:lvl1pPr marL="0" indent="0" algn="ctr">
-              <a:buNone/>
-              <a:defRPr>
+            <a:lvl1pPr marL="0" indent="0" algn="l">
+              <a:buNone/>
+              <a:defRPr sz="2000">
                 <a:solidFill>
-                  <a:schemeClr val="tx1">
-                    <a:tint val="75000"/>
-                  </a:schemeClr>
+                  <a:srgbClr val="FFFFFF"/>
                 </a:solidFill>
               </a:defRPr>
             </a:lvl1pPr>
@@ -265,13 +331,14 @@
                 </a:solidFill>
               </a:defRPr>
             </a:lvl9pPr>
+            <a:extLst/>
           </a:lstStyle>
           <a:p>
             <a:r>
-              <a:rPr lang="ko-KR" altLang="en-US" smtClean="0"/>
+              <a:rPr kumimoji="0" lang="ko-KR" altLang="en-US" smtClean="0"/>
               <a:t>마스터 부제목 스타일 편집</a:t>
             </a:r>
-            <a:endParaRPr lang="ko-KR" altLang="en-US"/>
+            <a:endParaRPr kumimoji="0" lang="en-US"/>
           </a:p>
         </p:txBody>
       </p:sp>
@@ -293,7 +360,7 @@
             <a:fld id="{FB30EDBD-1C2D-4C1E-B459-B60219FAB484}" type="datetimeFigureOut">
               <a:rPr lang="ko-KR" altLang="en-US" smtClean="0"/>
               <a:pPr/>
-              <a:t>2017-04-06</a:t>
+              <a:t>2017-04-10</a:t>
             </a:fld>
             <a:endParaRPr lang="ko-KR" altLang="en-US"/>
           </a:p>
@@ -342,10 +409,64 @@
           </a:p>
         </p:txBody>
       </p:sp>
+      <p:sp>
+        <p:nvSpPr>
+          <p:cNvPr id="10" name="직사각형 9"/>
+          <p:cNvSpPr/>
+          <p:nvPr/>
+        </p:nvSpPr>
+        <p:spPr bwMode="invGray">
+          <a:xfrm>
+            <a:off x="0" y="5128334"/>
+            <a:ext cx="9144000" cy="45720"/>
+          </a:xfrm>
+          <a:prstGeom prst="rect">
+            <a:avLst/>
+          </a:prstGeom>
+          <a:solidFill>
+            <a:srgbClr val="FFFFFF"/>
+          </a:solidFill>
+          <a:ln w="48000" cap="flat" cmpd="thickThin" algn="ctr">
+            <a:noFill/>
+            <a:prstDash val="solid"/>
+          </a:ln>
+          <a:effectLst>
+            <a:outerShdw blurRad="31750" dist="10160" dir="5400000" algn="tl" rotWithShape="0">
+              <a:srgbClr val="000000">
+                <a:alpha val="60000"/>
+              </a:srgbClr>
+            </a:outerShdw>
+          </a:effectLst>
+        </p:spPr>
+        <p:style>
+          <a:lnRef idx="2">
+            <a:schemeClr val="accent1"/>
+          </a:lnRef>
+          <a:fillRef idx="1">
+            <a:schemeClr val="accent1"/>
+          </a:fillRef>
+          <a:effectRef idx="0">
+            <a:schemeClr val="accent1"/>
+          </a:effectRef>
+          <a:fontRef idx="minor">
+            <a:schemeClr val="lt1"/>
+          </a:fontRef>
+        </p:style>
+        <p:txBody>
+          <a:bodyPr rtlCol="0" anchor="ctr"/>
+          <a:lstStyle>
+            <a:extLst/>
+          </a:lstStyle>
+          <a:p>
+            <a:pPr algn="ctr" eaLnBrk="1" latinLnBrk="0" hangingPunct="1"/>
+            <a:endParaRPr kumimoji="0" lang="en-US"/>
+          </a:p>
+        </p:txBody>
+      </p:sp>
     </p:spTree>
   </p:cSld>
   <p:clrMapOvr>
-    <a:masterClrMapping/>
+    <a:overrideClrMapping bg1="dk1" tx1="lt1" bg2="dk2" tx2="lt2" accent1="accent1" accent2="accent2" accent3="accent3" accent4="accent4" accent5="accent5" accent6="accent6" hlink="hlink" folHlink="folHlink"/>
   </p:clrMapOvr>
 </p:sldLayout>
 </file>
@@ -380,13 +501,15 @@
         <p:spPr/>
         <p:txBody>
           <a:bodyPr/>
-          <a:lstStyle/>
-          <a:p>
-            <a:r>
-              <a:rPr lang="ko-KR" altLang="en-US" smtClean="0"/>
+          <a:lstStyle>
+            <a:extLst/>
+          </a:lstStyle>
+          <a:p>
+            <a:r>
+              <a:rPr kumimoji="0" lang="ko-KR" altLang="en-US" smtClean="0"/>
               <a:t>마스터 제목 스타일 편집</a:t>
             </a:r>
-            <a:endParaRPr lang="ko-KR" altLang="en-US"/>
+            <a:endParaRPr kumimoji="0" lang="en-US"/>
           </a:p>
         </p:txBody>
       </p:sp>
@@ -403,42 +526,44 @@
         <p:spPr/>
         <p:txBody>
           <a:bodyPr vert="eaVert"/>
-          <a:lstStyle/>
-          <a:p>
-            <a:pPr lvl="0"/>
+          <a:lstStyle>
+            <a:extLst/>
+          </a:lstStyle>
+          <a:p>
+            <a:pPr lvl="0" eaLnBrk="1" latinLnBrk="0" hangingPunct="1"/>
             <a:r>
               <a:rPr lang="ko-KR" altLang="en-US" smtClean="0"/>
               <a:t>마스터 텍스트 스타일을 편집합니다</a:t>
             </a:r>
           </a:p>
           <a:p>
-            <a:pPr lvl="1"/>
+            <a:pPr lvl="1" eaLnBrk="1" latinLnBrk="0" hangingPunct="1"/>
             <a:r>
               <a:rPr lang="ko-KR" altLang="en-US" smtClean="0"/>
               <a:t>둘째 수준</a:t>
             </a:r>
           </a:p>
           <a:p>
-            <a:pPr lvl="2"/>
+            <a:pPr lvl="2" eaLnBrk="1" latinLnBrk="0" hangingPunct="1"/>
             <a:r>
               <a:rPr lang="ko-KR" altLang="en-US" smtClean="0"/>
               <a:t>셋째 수준</a:t>
             </a:r>
           </a:p>
           <a:p>
-            <a:pPr lvl="3"/>
+            <a:pPr lvl="3" eaLnBrk="1" latinLnBrk="0" hangingPunct="1"/>
             <a:r>
               <a:rPr lang="ko-KR" altLang="en-US" smtClean="0"/>
               <a:t>넷째 수준</a:t>
             </a:r>
           </a:p>
           <a:p>
-            <a:pPr lvl="4"/>
+            <a:pPr lvl="4" eaLnBrk="1" latinLnBrk="0" hangingPunct="1"/>
             <a:r>
               <a:rPr lang="ko-KR" altLang="en-US" smtClean="0"/>
               <a:t>다섯째 수준</a:t>
             </a:r>
-            <a:endParaRPr lang="ko-KR" altLang="en-US"/>
+            <a:endParaRPr kumimoji="0" lang="en-US"/>
           </a:p>
         </p:txBody>
       </p:sp>
@@ -460,7 +585,7 @@
             <a:fld id="{FB30EDBD-1C2D-4C1E-B459-B60219FAB484}" type="datetimeFigureOut">
               <a:rPr lang="ko-KR" altLang="en-US" smtClean="0"/>
               <a:pPr/>
-              <a:t>2017-04-06</a:t>
+              <a:t>2017-04-10</a:t>
             </a:fld>
             <a:endParaRPr lang="ko-KR" altLang="en-US"/>
           </a:p>
@@ -518,7 +643,7 @@
 </file>
 
 <file path=ppt/slideLayouts/slideLayout11.xml><?xml version="1.0" encoding="utf-8"?>
-<p:sldLayout xmlns:a="http://schemas.openxmlformats.org/drawingml/2006/main" xmlns:r="http://schemas.openxmlformats.org/officeDocument/2006/relationships" xmlns:p="http://schemas.openxmlformats.org/presentationml/2006/main" type="vertTitleAndTx" preserve="1">
+<p:sldLayout xmlns:a="http://schemas.openxmlformats.org/drawingml/2006/main" xmlns:r="http://schemas.openxmlformats.org/officeDocument/2006/relationships" xmlns:p="http://schemas.openxmlformats.org/presentationml/2006/main" showMasterSp="0" type="vertTitleAndTx" preserve="1">
   <p:cSld name="세로 제목 및 텍스트">
     <p:spTree>
       <p:nvGrpSpPr>
@@ -536,6 +661,107 @@
       </p:grpSpPr>
       <p:sp>
         <p:nvSpPr>
+          <p:cNvPr id="9" name="직사각형 8"/>
+          <p:cNvSpPr/>
+          <p:nvPr/>
+        </p:nvSpPr>
+        <p:spPr bwMode="invGray">
+          <a:xfrm>
+            <a:off x="6598920" y="0"/>
+            <a:ext cx="45720" cy="6858000"/>
+          </a:xfrm>
+          <a:prstGeom prst="rect">
+            <a:avLst/>
+          </a:prstGeom>
+          <a:solidFill>
+            <a:srgbClr val="FFFFFF"/>
+          </a:solidFill>
+          <a:ln w="48000" cap="flat" cmpd="thickThin" algn="ctr">
+            <a:noFill/>
+            <a:prstDash val="solid"/>
+          </a:ln>
+          <a:effectLst>
+            <a:outerShdw blurRad="31750" dist="10160" dir="10800000" algn="tl" rotWithShape="0">
+              <a:srgbClr val="000000">
+                <a:alpha val="60000"/>
+              </a:srgbClr>
+            </a:outerShdw>
+          </a:effectLst>
+        </p:spPr>
+        <p:style>
+          <a:lnRef idx="2">
+            <a:schemeClr val="accent1"/>
+          </a:lnRef>
+          <a:fillRef idx="1">
+            <a:schemeClr val="accent1"/>
+          </a:fillRef>
+          <a:effectRef idx="0">
+            <a:schemeClr val="accent1"/>
+          </a:effectRef>
+          <a:fontRef idx="minor">
+            <a:schemeClr val="lt1"/>
+          </a:fontRef>
+        </p:style>
+        <p:txBody>
+          <a:bodyPr rtlCol="0" anchor="ctr"/>
+          <a:lstStyle>
+            <a:extLst/>
+          </a:lstStyle>
+          <a:p>
+            <a:pPr algn="ctr" eaLnBrk="1" latinLnBrk="0" hangingPunct="1"/>
+            <a:endParaRPr kumimoji="0" lang="en-US"/>
+          </a:p>
+        </p:txBody>
+      </p:sp>
+      <p:sp>
+        <p:nvSpPr>
+          <p:cNvPr id="8" name="직사각형 7"/>
+          <p:cNvSpPr/>
+          <p:nvPr/>
+        </p:nvSpPr>
+        <p:spPr bwMode="ltGray">
+          <a:xfrm>
+            <a:off x="6647687" y="0"/>
+            <a:ext cx="2514601" cy="6858000"/>
+          </a:xfrm>
+          <a:prstGeom prst="rect">
+            <a:avLst/>
+          </a:prstGeom>
+          <a:solidFill>
+            <a:srgbClr val="000000"/>
+          </a:solidFill>
+          <a:ln w="48000" cap="flat" cmpd="thickThin" algn="ctr">
+            <a:noFill/>
+            <a:prstDash val="solid"/>
+          </a:ln>
+        </p:spPr>
+        <p:style>
+          <a:lnRef idx="2">
+            <a:schemeClr val="accent1"/>
+          </a:lnRef>
+          <a:fillRef idx="1">
+            <a:schemeClr val="accent1"/>
+          </a:fillRef>
+          <a:effectRef idx="0">
+            <a:schemeClr val="accent1"/>
+          </a:effectRef>
+          <a:fontRef idx="minor">
+            <a:schemeClr val="lt1"/>
+          </a:fontRef>
+        </p:style>
+        <p:txBody>
+          <a:bodyPr rtlCol="0" anchor="ctr"/>
+          <a:lstStyle>
+            <a:extLst/>
+          </a:lstStyle>
+          <a:p>
+            <a:pPr algn="ctr" eaLnBrk="1" latinLnBrk="0" hangingPunct="1"/>
+            <a:endParaRPr kumimoji="0" lang="en-US"/>
+          </a:p>
+        </p:txBody>
+      </p:sp>
+      <p:sp>
+        <p:nvSpPr>
           <p:cNvPr id="2" name="세로 제목 1"/>
           <p:cNvSpPr>
             <a:spLocks noGrp="1"/>
@@ -546,19 +772,21 @@
         </p:nvSpPr>
         <p:spPr>
           <a:xfrm>
-            <a:off x="6629400" y="274638"/>
-            <a:ext cx="2057400" cy="5851525"/>
+            <a:off x="6781800" y="274640"/>
+            <a:ext cx="1905000" cy="5851525"/>
           </a:xfrm>
         </p:spPr>
         <p:txBody>
           <a:bodyPr vert="eaVert"/>
-          <a:lstStyle/>
-          <a:p>
-            <a:r>
-              <a:rPr lang="ko-KR" altLang="en-US" smtClean="0"/>
+          <a:lstStyle>
+            <a:extLst/>
+          </a:lstStyle>
+          <a:p>
+            <a:r>
+              <a:rPr kumimoji="0" lang="ko-KR" altLang="en-US" smtClean="0"/>
               <a:t>마스터 제목 스타일 편집</a:t>
             </a:r>
-            <a:endParaRPr lang="ko-KR" altLang="en-US"/>
+            <a:endParaRPr kumimoji="0" lang="en-US"/>
           </a:p>
         </p:txBody>
       </p:sp>
@@ -574,48 +802,50 @@
         </p:nvSpPr>
         <p:spPr>
           <a:xfrm>
-            <a:off x="457200" y="274638"/>
+            <a:off x="457200" y="304800"/>
             <a:ext cx="6019800" cy="5851525"/>
           </a:xfrm>
         </p:spPr>
         <p:txBody>
           <a:bodyPr vert="eaVert"/>
-          <a:lstStyle/>
-          <a:p>
-            <a:pPr lvl="0"/>
+          <a:lstStyle>
+            <a:extLst/>
+          </a:lstStyle>
+          <a:p>
+            <a:pPr lvl="0" eaLnBrk="1" latinLnBrk="0" hangingPunct="1"/>
             <a:r>
               <a:rPr lang="ko-KR" altLang="en-US" smtClean="0"/>
               <a:t>마스터 텍스트 스타일을 편집합니다</a:t>
             </a:r>
           </a:p>
           <a:p>
-            <a:pPr lvl="1"/>
+            <a:pPr lvl="1" eaLnBrk="1" latinLnBrk="0" hangingPunct="1"/>
             <a:r>
               <a:rPr lang="ko-KR" altLang="en-US" smtClean="0"/>
               <a:t>둘째 수준</a:t>
             </a:r>
           </a:p>
           <a:p>
-            <a:pPr lvl="2"/>
+            <a:pPr lvl="2" eaLnBrk="1" latinLnBrk="0" hangingPunct="1"/>
             <a:r>
               <a:rPr lang="ko-KR" altLang="en-US" smtClean="0"/>
               <a:t>셋째 수준</a:t>
             </a:r>
           </a:p>
           <a:p>
-            <a:pPr lvl="3"/>
+            <a:pPr lvl="3" eaLnBrk="1" latinLnBrk="0" hangingPunct="1"/>
             <a:r>
               <a:rPr lang="ko-KR" altLang="en-US" smtClean="0"/>
               <a:t>넷째 수준</a:t>
             </a:r>
           </a:p>
           <a:p>
-            <a:pPr lvl="4"/>
+            <a:pPr lvl="4" eaLnBrk="1" latinLnBrk="0" hangingPunct="1"/>
             <a:r>
               <a:rPr lang="ko-KR" altLang="en-US" smtClean="0"/>
               <a:t>다섯째 수준</a:t>
             </a:r>
-            <a:endParaRPr lang="ko-KR" altLang="en-US"/>
+            <a:endParaRPr kumimoji="0" lang="en-US"/>
           </a:p>
         </p:txBody>
       </p:sp>
@@ -637,7 +867,7 @@
             <a:fld id="{FB30EDBD-1C2D-4C1E-B459-B60219FAB484}" type="datetimeFigureOut">
               <a:rPr lang="ko-KR" altLang="en-US" smtClean="0"/>
               <a:pPr/>
-              <a:t>2017-04-06</a:t>
+              <a:t>2017-04-10</a:t>
             </a:fld>
             <a:endParaRPr lang="ko-KR" altLang="en-US"/>
           </a:p>
@@ -653,7 +883,12 @@
             <p:ph type="ftr" sz="quarter" idx="11"/>
           </p:nvPr>
         </p:nvSpPr>
-        <p:spPr/>
+        <p:spPr>
+          <a:xfrm>
+            <a:off x="2640597" y="6377459"/>
+            <a:ext cx="3836404" cy="365125"/>
+          </a:xfrm>
+        </p:spPr>
         <p:txBody>
           <a:bodyPr/>
           <a:lstStyle/>
@@ -721,90 +956,99 @@
             <p:ph type="title"/>
           </p:nvPr>
         </p:nvSpPr>
+        <p:spPr>
+          <a:xfrm>
+            <a:off x="457200" y="155448"/>
+            <a:ext cx="8229600" cy="1252728"/>
+          </a:xfrm>
+        </p:spPr>
+        <p:txBody>
+          <a:bodyPr/>
+          <a:lstStyle>
+            <a:extLst/>
+          </a:lstStyle>
+          <a:p>
+            <a:r>
+              <a:rPr kumimoji="0" lang="ko-KR" altLang="en-US" smtClean="0"/>
+              <a:t>마스터 제목 스타일 편집</a:t>
+            </a:r>
+            <a:endParaRPr kumimoji="0" lang="en-US"/>
+          </a:p>
+        </p:txBody>
+      </p:sp>
+      <p:sp>
+        <p:nvSpPr>
+          <p:cNvPr id="3" name="내용 개체 틀 2"/>
+          <p:cNvSpPr>
+            <a:spLocks noGrp="1"/>
+          </p:cNvSpPr>
+          <p:nvPr>
+            <p:ph idx="1"/>
+          </p:nvPr>
+        </p:nvSpPr>
+        <p:spPr/>
+        <p:txBody>
+          <a:bodyPr/>
+          <a:lstStyle>
+            <a:extLst/>
+          </a:lstStyle>
+          <a:p>
+            <a:pPr lvl="0" eaLnBrk="1" latinLnBrk="0" hangingPunct="1"/>
+            <a:r>
+              <a:rPr lang="ko-KR" altLang="en-US" smtClean="0"/>
+              <a:t>마스터 텍스트 스타일을 편집합니다</a:t>
+            </a:r>
+          </a:p>
+          <a:p>
+            <a:pPr lvl="1" eaLnBrk="1" latinLnBrk="0" hangingPunct="1"/>
+            <a:r>
+              <a:rPr lang="ko-KR" altLang="en-US" smtClean="0"/>
+              <a:t>둘째 수준</a:t>
+            </a:r>
+          </a:p>
+          <a:p>
+            <a:pPr lvl="2" eaLnBrk="1" latinLnBrk="0" hangingPunct="1"/>
+            <a:r>
+              <a:rPr lang="ko-KR" altLang="en-US" smtClean="0"/>
+              <a:t>셋째 수준</a:t>
+            </a:r>
+          </a:p>
+          <a:p>
+            <a:pPr lvl="3" eaLnBrk="1" latinLnBrk="0" hangingPunct="1"/>
+            <a:r>
+              <a:rPr lang="ko-KR" altLang="en-US" smtClean="0"/>
+              <a:t>넷째 수준</a:t>
+            </a:r>
+          </a:p>
+          <a:p>
+            <a:pPr lvl="4" eaLnBrk="1" latinLnBrk="0" hangingPunct="1"/>
+            <a:r>
+              <a:rPr lang="ko-KR" altLang="en-US" smtClean="0"/>
+              <a:t>다섯째 수준</a:t>
+            </a:r>
+            <a:endParaRPr kumimoji="0" lang="en-US"/>
+          </a:p>
+        </p:txBody>
+      </p:sp>
+      <p:sp>
+        <p:nvSpPr>
+          <p:cNvPr id="4" name="날짜 개체 틀 3"/>
+          <p:cNvSpPr>
+            <a:spLocks noGrp="1"/>
+          </p:cNvSpPr>
+          <p:nvPr>
+            <p:ph type="dt" sz="half" idx="10"/>
+          </p:nvPr>
+        </p:nvSpPr>
         <p:spPr/>
         <p:txBody>
           <a:bodyPr/>
           <a:lstStyle/>
           <a:p>
-            <a:r>
-              <a:rPr lang="ko-KR" altLang="en-US" smtClean="0"/>
-              <a:t>마스터 제목 스타일 편집</a:t>
-            </a:r>
-            <a:endParaRPr lang="ko-KR" altLang="en-US"/>
-          </a:p>
-        </p:txBody>
-      </p:sp>
-      <p:sp>
-        <p:nvSpPr>
-          <p:cNvPr id="3" name="내용 개체 틀 2"/>
-          <p:cNvSpPr>
-            <a:spLocks noGrp="1"/>
-          </p:cNvSpPr>
-          <p:nvPr>
-            <p:ph idx="1"/>
-          </p:nvPr>
-        </p:nvSpPr>
-        <p:spPr/>
-        <p:txBody>
-          <a:bodyPr/>
-          <a:lstStyle/>
-          <a:p>
-            <a:pPr lvl="0"/>
-            <a:r>
-              <a:rPr lang="ko-KR" altLang="en-US" smtClean="0"/>
-              <a:t>마스터 텍스트 스타일을 편집합니다</a:t>
-            </a:r>
-          </a:p>
-          <a:p>
-            <a:pPr lvl="1"/>
-            <a:r>
-              <a:rPr lang="ko-KR" altLang="en-US" smtClean="0"/>
-              <a:t>둘째 수준</a:t>
-            </a:r>
-          </a:p>
-          <a:p>
-            <a:pPr lvl="2"/>
-            <a:r>
-              <a:rPr lang="ko-KR" altLang="en-US" smtClean="0"/>
-              <a:t>셋째 수준</a:t>
-            </a:r>
-          </a:p>
-          <a:p>
-            <a:pPr lvl="3"/>
-            <a:r>
-              <a:rPr lang="ko-KR" altLang="en-US" smtClean="0"/>
-              <a:t>넷째 수준</a:t>
-            </a:r>
-          </a:p>
-          <a:p>
-            <a:pPr lvl="4"/>
-            <a:r>
-              <a:rPr lang="ko-KR" altLang="en-US" smtClean="0"/>
-              <a:t>다섯째 수준</a:t>
-            </a:r>
-            <a:endParaRPr lang="ko-KR" altLang="en-US"/>
-          </a:p>
-        </p:txBody>
-      </p:sp>
-      <p:sp>
-        <p:nvSpPr>
-          <p:cNvPr id="4" name="날짜 개체 틀 3"/>
-          <p:cNvSpPr>
-            <a:spLocks noGrp="1"/>
-          </p:cNvSpPr>
-          <p:nvPr>
-            <p:ph type="dt" sz="half" idx="10"/>
-          </p:nvPr>
-        </p:nvSpPr>
-        <p:spPr/>
-        <p:txBody>
-          <a:bodyPr/>
-          <a:lstStyle/>
-          <a:p>
             <a:fld id="{FB30EDBD-1C2D-4C1E-B459-B60219FAB484}" type="datetimeFigureOut">
               <a:rPr lang="ko-KR" altLang="en-US" smtClean="0"/>
               <a:pPr/>
-              <a:t>2017-04-06</a:t>
+              <a:t>2017-04-10</a:t>
             </a:fld>
             <a:endParaRPr lang="ko-KR" altLang="en-US"/>
           </a:p>
@@ -862,8 +1106,13 @@
 </file>
 
 <file path=ppt/slideLayouts/slideLayout3.xml><?xml version="1.0" encoding="utf-8"?>
-<p:sldLayout xmlns:a="http://schemas.openxmlformats.org/drawingml/2006/main" xmlns:r="http://schemas.openxmlformats.org/officeDocument/2006/relationships" xmlns:p="http://schemas.openxmlformats.org/presentationml/2006/main" type="secHead" preserve="1">
+<p:sldLayout xmlns:a="http://schemas.openxmlformats.org/drawingml/2006/main" xmlns:r="http://schemas.openxmlformats.org/officeDocument/2006/relationships" xmlns:p="http://schemas.openxmlformats.org/presentationml/2006/main" showMasterSp="0" type="secHead" preserve="1">
   <p:cSld name="구역 머리글">
+    <p:bg>
+      <p:bgRef idx="1002">
+        <a:schemeClr val="bg2"/>
+      </p:bgRef>
+    </p:bg>
     <p:spTree>
       <p:nvGrpSpPr>
         <p:cNvPr id="1" name=""/>
@@ -880,6 +1129,107 @@
       </p:grpSpPr>
       <p:sp>
         <p:nvSpPr>
+          <p:cNvPr id="9" name="직사각형 8"/>
+          <p:cNvSpPr/>
+          <p:nvPr/>
+        </p:nvSpPr>
+        <p:spPr bwMode="ltGray">
+          <a:xfrm>
+            <a:off x="0" y="1"/>
+            <a:ext cx="9144000" cy="2602520"/>
+          </a:xfrm>
+          <a:prstGeom prst="rect">
+            <a:avLst/>
+          </a:prstGeom>
+          <a:solidFill>
+            <a:srgbClr val="000000"/>
+          </a:solidFill>
+          <a:ln w="48000" cap="flat" cmpd="thickThin" algn="ctr">
+            <a:noFill/>
+            <a:prstDash val="solid"/>
+          </a:ln>
+        </p:spPr>
+        <p:style>
+          <a:lnRef idx="2">
+            <a:schemeClr val="accent1"/>
+          </a:lnRef>
+          <a:fillRef idx="1">
+            <a:schemeClr val="accent1"/>
+          </a:fillRef>
+          <a:effectRef idx="0">
+            <a:schemeClr val="accent1"/>
+          </a:effectRef>
+          <a:fontRef idx="minor">
+            <a:schemeClr val="lt1"/>
+          </a:fontRef>
+        </p:style>
+        <p:txBody>
+          <a:bodyPr rtlCol="0" anchor="ctr"/>
+          <a:lstStyle>
+            <a:extLst/>
+          </a:lstStyle>
+          <a:p>
+            <a:pPr algn="ctr" eaLnBrk="1" latinLnBrk="0" hangingPunct="1"/>
+            <a:endParaRPr kumimoji="0" lang="en-US"/>
+          </a:p>
+        </p:txBody>
+      </p:sp>
+      <p:sp>
+        <p:nvSpPr>
+          <p:cNvPr id="12" name="직사각형 11"/>
+          <p:cNvSpPr/>
+          <p:nvPr/>
+        </p:nvSpPr>
+        <p:spPr bwMode="invGray">
+          <a:xfrm>
+            <a:off x="0" y="2602520"/>
+            <a:ext cx="9144000" cy="45720"/>
+          </a:xfrm>
+          <a:prstGeom prst="rect">
+            <a:avLst/>
+          </a:prstGeom>
+          <a:solidFill>
+            <a:srgbClr val="FFFFFF"/>
+          </a:solidFill>
+          <a:ln w="48000" cap="flat" cmpd="thickThin" algn="ctr">
+            <a:noFill/>
+            <a:prstDash val="solid"/>
+          </a:ln>
+          <a:effectLst>
+            <a:outerShdw blurRad="31750" dist="10160" dir="5400000" algn="tl" rotWithShape="0">
+              <a:srgbClr val="000000">
+                <a:alpha val="60000"/>
+              </a:srgbClr>
+            </a:outerShdw>
+          </a:effectLst>
+        </p:spPr>
+        <p:style>
+          <a:lnRef idx="2">
+            <a:schemeClr val="accent1"/>
+          </a:lnRef>
+          <a:fillRef idx="1">
+            <a:schemeClr val="accent1"/>
+          </a:fillRef>
+          <a:effectRef idx="0">
+            <a:schemeClr val="accent1"/>
+          </a:effectRef>
+          <a:fontRef idx="minor">
+            <a:schemeClr val="lt1"/>
+          </a:fontRef>
+        </p:style>
+        <p:txBody>
+          <a:bodyPr rtlCol="0" anchor="ctr"/>
+          <a:lstStyle>
+            <a:extLst/>
+          </a:lstStyle>
+          <a:p>
+            <a:pPr algn="ctr" eaLnBrk="1" latinLnBrk="0" hangingPunct="1"/>
+            <a:endParaRPr kumimoji="0" lang="en-US"/>
+          </a:p>
+        </p:txBody>
+      </p:sp>
+      <p:sp>
+        <p:nvSpPr>
           <p:cNvPr id="2" name="제목 1"/>
           <p:cNvSpPr>
             <a:spLocks noGrp="1"/>
@@ -890,23 +1240,35 @@
         </p:nvSpPr>
         <p:spPr>
           <a:xfrm>
-            <a:off x="722313" y="4406900"/>
-            <a:ext cx="7772400" cy="1362075"/>
+            <a:off x="749808" y="118872"/>
+            <a:ext cx="8013192" cy="1636776"/>
           </a:xfrm>
         </p:spPr>
         <p:txBody>
-          <a:bodyPr anchor="t"/>
+          <a:bodyPr vert="horz" lIns="91440" tIns="0" rIns="91440" bIns="0" rtlCol="0" anchor="b">
+            <a:normAutofit/>
+            <a:scene3d>
+              <a:camera prst="orthographicFront"/>
+              <a:lightRig rig="threePt" dir="t">
+                <a:rot lat="0" lon="0" rev="4800000"/>
+              </a:lightRig>
+            </a:scene3d>
+            <a:sp3d prstMaterial="matte">
+              <a:bevelT w="50800" h="10160"/>
+            </a:sp3d>
+          </a:bodyPr>
           <a:lstStyle>
             <a:lvl1pPr algn="l">
-              <a:defRPr sz="4000" b="1" cap="all"/>
+              <a:defRPr sz="4700" b="1" cap="none" baseline="0"/>
             </a:lvl1pPr>
+            <a:extLst/>
           </a:lstStyle>
           <a:p>
             <a:r>
-              <a:rPr lang="ko-KR" altLang="en-US" smtClean="0"/>
+              <a:rPr kumimoji="0" lang="ko-KR" altLang="en-US" smtClean="0"/>
               <a:t>마스터 제목 스타일 편집</a:t>
             </a:r>
-            <a:endParaRPr lang="ko-KR" altLang="en-US"/>
+            <a:endParaRPr kumimoji="0" lang="en-US"/>
           </a:p>
         </p:txBody>
       </p:sp>
@@ -922,20 +1284,18 @@
         </p:nvSpPr>
         <p:spPr>
           <a:xfrm>
-            <a:off x="722313" y="2906713"/>
-            <a:ext cx="7772400" cy="1500187"/>
+            <a:off x="740664" y="1828800"/>
+            <a:ext cx="8022336" cy="685800"/>
           </a:xfrm>
         </p:spPr>
         <p:txBody>
-          <a:bodyPr anchor="b"/>
+          <a:bodyPr lIns="146304" tIns="0" rIns="45720" bIns="0" anchor="t"/>
           <a:lstStyle>
             <a:lvl1pPr marL="0" indent="0">
               <a:buNone/>
               <a:defRPr sz="2000">
                 <a:solidFill>
-                  <a:schemeClr val="tx1">
-                    <a:tint val="75000"/>
-                  </a:schemeClr>
+                  <a:srgbClr val="FFFFFF"/>
                 </a:solidFill>
               </a:defRPr>
             </a:lvl1pPr>
@@ -1019,11 +1379,12 @@
                 </a:solidFill>
               </a:defRPr>
             </a:lvl9pPr>
+            <a:extLst/>
           </a:lstStyle>
           <a:p>
-            <a:pPr lvl="0"/>
-            <a:r>
-              <a:rPr lang="ko-KR" altLang="en-US" smtClean="0"/>
+            <a:pPr lvl="0" eaLnBrk="1" latinLnBrk="0" hangingPunct="1"/>
+            <a:r>
+              <a:rPr kumimoji="0" lang="ko-KR" altLang="en-US" smtClean="0"/>
               <a:t>마스터 텍스트 스타일을 편집합니다</a:t>
             </a:r>
           </a:p>
@@ -1047,7 +1408,7 @@
             <a:fld id="{FB30EDBD-1C2D-4C1E-B459-B60219FAB484}" type="datetimeFigureOut">
               <a:rPr lang="ko-KR" altLang="en-US" smtClean="0"/>
               <a:pPr/>
-              <a:t>2017-04-06</a:t>
+              <a:t>2017-04-10</a:t>
             </a:fld>
             <a:endParaRPr lang="ko-KR" altLang="en-US"/>
           </a:p>
@@ -1099,7 +1460,7 @@
     </p:spTree>
   </p:cSld>
   <p:clrMapOvr>
-    <a:masterClrMapping/>
+    <a:overrideClrMapping bg1="dk1" tx1="lt1" bg2="dk2" tx2="lt2" accent1="accent1" accent2="accent2" accent3="accent3" accent4="accent4" accent5="accent5" accent6="accent6" hlink="hlink" folHlink="folHlink"/>
   </p:clrMapOvr>
 </p:sldLayout>
 </file>
@@ -1134,13 +1495,15 @@
         <p:spPr/>
         <p:txBody>
           <a:bodyPr/>
-          <a:lstStyle/>
-          <a:p>
-            <a:r>
-              <a:rPr lang="ko-KR" altLang="en-US" smtClean="0"/>
+          <a:lstStyle>
+            <a:extLst/>
+          </a:lstStyle>
+          <a:p>
+            <a:r>
+              <a:rPr kumimoji="0" lang="ko-KR" altLang="en-US" smtClean="0"/>
               <a:t>마스터 제목 스타일 편집</a:t>
             </a:r>
-            <a:endParaRPr lang="ko-KR" altLang="en-US"/>
+            <a:endParaRPr kumimoji="0" lang="en-US"/>
           </a:p>
         </p:txBody>
       </p:sp>
@@ -1156,8 +1519,94 @@
         </p:nvSpPr>
         <p:spPr>
           <a:xfrm>
-            <a:off x="457200" y="1600200"/>
-            <a:ext cx="4038600" cy="4525963"/>
+            <a:off x="457200" y="1773936"/>
+            <a:ext cx="4038600" cy="4623816"/>
+          </a:xfrm>
+        </p:spPr>
+        <p:txBody>
+          <a:bodyPr lIns="91440"/>
+          <a:lstStyle>
+            <a:lvl1pPr>
+              <a:defRPr sz="2800"/>
+            </a:lvl1pPr>
+            <a:lvl2pPr>
+              <a:defRPr sz="2400"/>
+            </a:lvl2pPr>
+            <a:lvl3pPr>
+              <a:defRPr sz="2000"/>
+            </a:lvl3pPr>
+            <a:lvl4pPr>
+              <a:defRPr sz="1800"/>
+            </a:lvl4pPr>
+            <a:lvl5pPr>
+              <a:defRPr sz="1800"/>
+            </a:lvl5pPr>
+            <a:lvl6pPr>
+              <a:defRPr sz="1800"/>
+            </a:lvl6pPr>
+            <a:lvl7pPr>
+              <a:defRPr sz="1800"/>
+            </a:lvl7pPr>
+            <a:lvl8pPr>
+              <a:defRPr sz="1800"/>
+            </a:lvl8pPr>
+            <a:lvl9pPr>
+              <a:defRPr sz="1800"/>
+            </a:lvl9pPr>
+            <a:extLst/>
+          </a:lstStyle>
+          <a:p>
+            <a:pPr lvl="0" eaLnBrk="1" latinLnBrk="0" hangingPunct="1"/>
+            <a:r>
+              <a:rPr lang="ko-KR" altLang="en-US" smtClean="0"/>
+              <a:t>마스터 텍스트 스타일을 편집합니다</a:t>
+            </a:r>
+          </a:p>
+          <a:p>
+            <a:pPr lvl="1" eaLnBrk="1" latinLnBrk="0" hangingPunct="1"/>
+            <a:r>
+              <a:rPr lang="ko-KR" altLang="en-US" smtClean="0"/>
+              <a:t>둘째 수준</a:t>
+            </a:r>
+          </a:p>
+          <a:p>
+            <a:pPr lvl="2" eaLnBrk="1" latinLnBrk="0" hangingPunct="1"/>
+            <a:r>
+              <a:rPr lang="ko-KR" altLang="en-US" smtClean="0"/>
+              <a:t>셋째 수준</a:t>
+            </a:r>
+          </a:p>
+          <a:p>
+            <a:pPr lvl="3" eaLnBrk="1" latinLnBrk="0" hangingPunct="1"/>
+            <a:r>
+              <a:rPr lang="ko-KR" altLang="en-US" smtClean="0"/>
+              <a:t>넷째 수준</a:t>
+            </a:r>
+          </a:p>
+          <a:p>
+            <a:pPr lvl="4" eaLnBrk="1" latinLnBrk="0" hangingPunct="1"/>
+            <a:r>
+              <a:rPr lang="ko-KR" altLang="en-US" smtClean="0"/>
+              <a:t>다섯째 수준</a:t>
+            </a:r>
+            <a:endParaRPr kumimoji="0" lang="en-US"/>
+          </a:p>
+        </p:txBody>
+      </p:sp>
+      <p:sp>
+        <p:nvSpPr>
+          <p:cNvPr id="4" name="내용 개체 틀 3"/>
+          <p:cNvSpPr>
+            <a:spLocks noGrp="1"/>
+          </p:cNvSpPr>
+          <p:nvPr>
+            <p:ph sz="half" idx="2"/>
+          </p:nvPr>
+        </p:nvSpPr>
+        <p:spPr>
+          <a:xfrm>
+            <a:off x="4648200" y="1773936"/>
+            <a:ext cx="4038600" cy="4623816"/>
           </a:xfrm>
         </p:spPr>
         <p:txBody>
@@ -1190,127 +1639,43 @@
             <a:lvl9pPr>
               <a:defRPr sz="1800"/>
             </a:lvl9pPr>
+            <a:extLst/>
           </a:lstStyle>
           <a:p>
-            <a:pPr lvl="0"/>
+            <a:pPr lvl="0" eaLnBrk="1" latinLnBrk="0" hangingPunct="1"/>
             <a:r>
               <a:rPr lang="ko-KR" altLang="en-US" smtClean="0"/>
               <a:t>마스터 텍스트 스타일을 편집합니다</a:t>
             </a:r>
           </a:p>
           <a:p>
-            <a:pPr lvl="1"/>
+            <a:pPr lvl="1" eaLnBrk="1" latinLnBrk="0" hangingPunct="1"/>
             <a:r>
               <a:rPr lang="ko-KR" altLang="en-US" smtClean="0"/>
               <a:t>둘째 수준</a:t>
             </a:r>
           </a:p>
           <a:p>
-            <a:pPr lvl="2"/>
+            <a:pPr lvl="2" eaLnBrk="1" latinLnBrk="0" hangingPunct="1"/>
             <a:r>
               <a:rPr lang="ko-KR" altLang="en-US" smtClean="0"/>
               <a:t>셋째 수준</a:t>
             </a:r>
           </a:p>
           <a:p>
-            <a:pPr lvl="3"/>
+            <a:pPr lvl="3" eaLnBrk="1" latinLnBrk="0" hangingPunct="1"/>
             <a:r>
               <a:rPr lang="ko-KR" altLang="en-US" smtClean="0"/>
               <a:t>넷째 수준</a:t>
             </a:r>
           </a:p>
           <a:p>
-            <a:pPr lvl="4"/>
+            <a:pPr lvl="4" eaLnBrk="1" latinLnBrk="0" hangingPunct="1"/>
             <a:r>
               <a:rPr lang="ko-KR" altLang="en-US" smtClean="0"/>
               <a:t>다섯째 수준</a:t>
             </a:r>
-            <a:endParaRPr lang="ko-KR" altLang="en-US"/>
-          </a:p>
-        </p:txBody>
-      </p:sp>
-      <p:sp>
-        <p:nvSpPr>
-          <p:cNvPr id="4" name="내용 개체 틀 3"/>
-          <p:cNvSpPr>
-            <a:spLocks noGrp="1"/>
-          </p:cNvSpPr>
-          <p:nvPr>
-            <p:ph sz="half" idx="2"/>
-          </p:nvPr>
-        </p:nvSpPr>
-        <p:spPr>
-          <a:xfrm>
-            <a:off x="4648200" y="1600200"/>
-            <a:ext cx="4038600" cy="4525963"/>
-          </a:xfrm>
-        </p:spPr>
-        <p:txBody>
-          <a:bodyPr/>
-          <a:lstStyle>
-            <a:lvl1pPr>
-              <a:defRPr sz="2800"/>
-            </a:lvl1pPr>
-            <a:lvl2pPr>
-              <a:defRPr sz="2400"/>
-            </a:lvl2pPr>
-            <a:lvl3pPr>
-              <a:defRPr sz="2000"/>
-            </a:lvl3pPr>
-            <a:lvl4pPr>
-              <a:defRPr sz="1800"/>
-            </a:lvl4pPr>
-            <a:lvl5pPr>
-              <a:defRPr sz="1800"/>
-            </a:lvl5pPr>
-            <a:lvl6pPr>
-              <a:defRPr sz="1800"/>
-            </a:lvl6pPr>
-            <a:lvl7pPr>
-              <a:defRPr sz="1800"/>
-            </a:lvl7pPr>
-            <a:lvl8pPr>
-              <a:defRPr sz="1800"/>
-            </a:lvl8pPr>
-            <a:lvl9pPr>
-              <a:defRPr sz="1800"/>
-            </a:lvl9pPr>
-          </a:lstStyle>
-          <a:p>
-            <a:pPr lvl="0"/>
-            <a:r>
-              <a:rPr lang="ko-KR" altLang="en-US" smtClean="0"/>
-              <a:t>마스터 텍스트 스타일을 편집합니다</a:t>
-            </a:r>
-          </a:p>
-          <a:p>
-            <a:pPr lvl="1"/>
-            <a:r>
-              <a:rPr lang="ko-KR" altLang="en-US" smtClean="0"/>
-              <a:t>둘째 수준</a:t>
-            </a:r>
-          </a:p>
-          <a:p>
-            <a:pPr lvl="2"/>
-            <a:r>
-              <a:rPr lang="ko-KR" altLang="en-US" smtClean="0"/>
-              <a:t>셋째 수준</a:t>
-            </a:r>
-          </a:p>
-          <a:p>
-            <a:pPr lvl="3"/>
-            <a:r>
-              <a:rPr lang="ko-KR" altLang="en-US" smtClean="0"/>
-              <a:t>넷째 수준</a:t>
-            </a:r>
-          </a:p>
-          <a:p>
-            <a:pPr lvl="4"/>
-            <a:r>
-              <a:rPr lang="ko-KR" altLang="en-US" smtClean="0"/>
-              <a:t>다섯째 수준</a:t>
-            </a:r>
-            <a:endParaRPr lang="ko-KR" altLang="en-US"/>
+            <a:endParaRPr kumimoji="0" lang="en-US"/>
           </a:p>
         </p:txBody>
       </p:sp>
@@ -1332,7 +1697,7 @@
             <a:fld id="{FB30EDBD-1C2D-4C1E-B459-B60219FAB484}" type="datetimeFigureOut">
               <a:rPr lang="ko-KR" altLang="en-US" smtClean="0"/>
               <a:pPr/>
-              <a:t>2017-04-06</a:t>
+              <a:t>2017-04-10</a:t>
             </a:fld>
             <a:endParaRPr lang="ko-KR" altLang="en-US"/>
           </a:p>
@@ -1423,13 +1788,14 @@
             <a:lvl1pPr>
               <a:defRPr/>
             </a:lvl1pPr>
+            <a:extLst/>
           </a:lstStyle>
           <a:p>
             <a:r>
-              <a:rPr lang="ko-KR" altLang="en-US" smtClean="0"/>
+              <a:rPr kumimoji="0" lang="ko-KR" altLang="en-US" smtClean="0"/>
               <a:t>마스터 제목 스타일 편집</a:t>
             </a:r>
-            <a:endParaRPr lang="ko-KR" altLang="en-US"/>
+            <a:endParaRPr kumimoji="0" lang="en-US"/>
           </a:p>
         </p:txBody>
       </p:sp>
@@ -1445,16 +1811,16 @@
         </p:nvSpPr>
         <p:spPr>
           <a:xfrm>
-            <a:off x="457200" y="1535113"/>
-            <a:ext cx="4040188" cy="639762"/>
+            <a:off x="457200" y="1698987"/>
+            <a:ext cx="4040188" cy="715355"/>
           </a:xfrm>
         </p:spPr>
         <p:txBody>
-          <a:bodyPr anchor="b"/>
+          <a:bodyPr lIns="146304" anchor="ctr"/>
           <a:lstStyle>
             <a:lvl1pPr marL="0" indent="0">
               <a:buNone/>
-              <a:defRPr sz="2400" b="1"/>
+              <a:defRPr sz="2300" b="1" cap="all" baseline="0"/>
             </a:lvl1pPr>
             <a:lvl2pPr marL="457200" indent="0">
               <a:buNone/>
@@ -1488,11 +1854,12 @@
               <a:buNone/>
               <a:defRPr sz="1600" b="1"/>
             </a:lvl9pPr>
+            <a:extLst/>
           </a:lstStyle>
           <a:p>
-            <a:pPr lvl="0"/>
-            <a:r>
-              <a:rPr lang="ko-KR" altLang="en-US" smtClean="0"/>
+            <a:pPr lvl="0" eaLnBrk="1" latinLnBrk="0" hangingPunct="1"/>
+            <a:r>
+              <a:rPr kumimoji="0" lang="ko-KR" altLang="en-US" smtClean="0"/>
               <a:t>마스터 텍스트 스타일을 편집합니다</a:t>
             </a:r>
           </a:p>
@@ -1510,7 +1877,7 @@
         </p:nvSpPr>
         <p:spPr>
           <a:xfrm>
-            <a:off x="457200" y="2174875"/>
+            <a:off x="457200" y="2449512"/>
             <a:ext cx="4040188" cy="3951288"/>
           </a:xfrm>
         </p:spPr>
@@ -1544,42 +1911,43 @@
             <a:lvl9pPr>
               <a:defRPr sz="1600"/>
             </a:lvl9pPr>
+            <a:extLst/>
           </a:lstStyle>
           <a:p>
-            <a:pPr lvl="0"/>
+            <a:pPr lvl="0" eaLnBrk="1" latinLnBrk="0" hangingPunct="1"/>
             <a:r>
               <a:rPr lang="ko-KR" altLang="en-US" smtClean="0"/>
               <a:t>마스터 텍스트 스타일을 편집합니다</a:t>
             </a:r>
           </a:p>
           <a:p>
-            <a:pPr lvl="1"/>
+            <a:pPr lvl="1" eaLnBrk="1" latinLnBrk="0" hangingPunct="1"/>
             <a:r>
               <a:rPr lang="ko-KR" altLang="en-US" smtClean="0"/>
               <a:t>둘째 수준</a:t>
             </a:r>
           </a:p>
           <a:p>
-            <a:pPr lvl="2"/>
+            <a:pPr lvl="2" eaLnBrk="1" latinLnBrk="0" hangingPunct="1"/>
             <a:r>
               <a:rPr lang="ko-KR" altLang="en-US" smtClean="0"/>
               <a:t>셋째 수준</a:t>
             </a:r>
           </a:p>
           <a:p>
-            <a:pPr lvl="3"/>
+            <a:pPr lvl="3" eaLnBrk="1" latinLnBrk="0" hangingPunct="1"/>
             <a:r>
               <a:rPr lang="ko-KR" altLang="en-US" smtClean="0"/>
               <a:t>넷째 수준</a:t>
             </a:r>
           </a:p>
           <a:p>
-            <a:pPr lvl="4"/>
+            <a:pPr lvl="4" eaLnBrk="1" latinLnBrk="0" hangingPunct="1"/>
             <a:r>
               <a:rPr lang="ko-KR" altLang="en-US" smtClean="0"/>
               <a:t>다섯째 수준</a:t>
             </a:r>
-            <a:endParaRPr lang="ko-KR" altLang="en-US"/>
+            <a:endParaRPr kumimoji="0" lang="en-US"/>
           </a:p>
         </p:txBody>
       </p:sp>
@@ -1595,16 +1963,16 @@
         </p:nvSpPr>
         <p:spPr>
           <a:xfrm>
-            <a:off x="4645025" y="1535113"/>
-            <a:ext cx="4041775" cy="639762"/>
+            <a:off x="4645025" y="1698987"/>
+            <a:ext cx="4041775" cy="715355"/>
           </a:xfrm>
         </p:spPr>
         <p:txBody>
-          <a:bodyPr anchor="b"/>
+          <a:bodyPr lIns="146304" anchor="ctr"/>
           <a:lstStyle>
             <a:lvl1pPr marL="0" indent="0">
               <a:buNone/>
-              <a:defRPr sz="2400" b="1"/>
+              <a:defRPr sz="2300" b="1" cap="all" baseline="0"/>
             </a:lvl1pPr>
             <a:lvl2pPr marL="457200" indent="0">
               <a:buNone/>
@@ -1638,11 +2006,12 @@
               <a:buNone/>
               <a:defRPr sz="1600" b="1"/>
             </a:lvl9pPr>
+            <a:extLst/>
           </a:lstStyle>
           <a:p>
-            <a:pPr lvl="0"/>
-            <a:r>
-              <a:rPr lang="ko-KR" altLang="en-US" smtClean="0"/>
+            <a:pPr lvl="0" eaLnBrk="1" latinLnBrk="0" hangingPunct="1"/>
+            <a:r>
+              <a:rPr kumimoji="0" lang="ko-KR" altLang="en-US" smtClean="0"/>
               <a:t>마스터 텍스트 스타일을 편집합니다</a:t>
             </a:r>
           </a:p>
@@ -1660,7 +2029,7 @@
         </p:nvSpPr>
         <p:spPr>
           <a:xfrm>
-            <a:off x="4645025" y="2174875"/>
+            <a:off x="4645025" y="2449512"/>
             <a:ext cx="4041775" cy="3951288"/>
           </a:xfrm>
         </p:spPr>
@@ -1694,42 +2063,43 @@
             <a:lvl9pPr>
               <a:defRPr sz="1600"/>
             </a:lvl9pPr>
+            <a:extLst/>
           </a:lstStyle>
           <a:p>
-            <a:pPr lvl="0"/>
+            <a:pPr lvl="0" eaLnBrk="1" latinLnBrk="0" hangingPunct="1"/>
             <a:r>
               <a:rPr lang="ko-KR" altLang="en-US" smtClean="0"/>
               <a:t>마스터 텍스트 스타일을 편집합니다</a:t>
             </a:r>
           </a:p>
           <a:p>
-            <a:pPr lvl="1"/>
+            <a:pPr lvl="1" eaLnBrk="1" latinLnBrk="0" hangingPunct="1"/>
             <a:r>
               <a:rPr lang="ko-KR" altLang="en-US" smtClean="0"/>
               <a:t>둘째 수준</a:t>
             </a:r>
           </a:p>
           <a:p>
-            <a:pPr lvl="2"/>
+            <a:pPr lvl="2" eaLnBrk="1" latinLnBrk="0" hangingPunct="1"/>
             <a:r>
               <a:rPr lang="ko-KR" altLang="en-US" smtClean="0"/>
               <a:t>셋째 수준</a:t>
             </a:r>
           </a:p>
           <a:p>
-            <a:pPr lvl="3"/>
+            <a:pPr lvl="3" eaLnBrk="1" latinLnBrk="0" hangingPunct="1"/>
             <a:r>
               <a:rPr lang="ko-KR" altLang="en-US" smtClean="0"/>
               <a:t>넷째 수준</a:t>
             </a:r>
           </a:p>
           <a:p>
-            <a:pPr lvl="4"/>
+            <a:pPr lvl="4" eaLnBrk="1" latinLnBrk="0" hangingPunct="1"/>
             <a:r>
               <a:rPr lang="ko-KR" altLang="en-US" smtClean="0"/>
               <a:t>다섯째 수준</a:t>
             </a:r>
-            <a:endParaRPr lang="ko-KR" altLang="en-US"/>
+            <a:endParaRPr kumimoji="0" lang="en-US"/>
           </a:p>
         </p:txBody>
       </p:sp>
@@ -1751,7 +2121,7 @@
             <a:fld id="{FB30EDBD-1C2D-4C1E-B459-B60219FAB484}" type="datetimeFigureOut">
               <a:rPr lang="ko-KR" altLang="en-US" smtClean="0"/>
               <a:pPr/>
-              <a:t>2017-04-06</a:t>
+              <a:t>2017-04-10</a:t>
             </a:fld>
             <a:endParaRPr lang="ko-KR" altLang="en-US"/>
           </a:p>
@@ -1838,13 +2208,15 @@
         <p:spPr/>
         <p:txBody>
           <a:bodyPr/>
-          <a:lstStyle/>
-          <a:p>
-            <a:r>
-              <a:rPr lang="ko-KR" altLang="en-US" smtClean="0"/>
+          <a:lstStyle>
+            <a:extLst/>
+          </a:lstStyle>
+          <a:p>
+            <a:r>
+              <a:rPr kumimoji="0" lang="ko-KR" altLang="en-US" smtClean="0"/>
               <a:t>마스터 제목 스타일 편집</a:t>
             </a:r>
-            <a:endParaRPr lang="ko-KR" altLang="en-US"/>
+            <a:endParaRPr kumimoji="0" lang="en-US"/>
           </a:p>
         </p:txBody>
       </p:sp>
@@ -1866,7 +2238,7 @@
             <a:fld id="{FB30EDBD-1C2D-4C1E-B459-B60219FAB484}" type="datetimeFigureOut">
               <a:rPr lang="ko-KR" altLang="en-US" smtClean="0"/>
               <a:pPr/>
-              <a:t>2017-04-06</a:t>
+              <a:t>2017-04-10</a:t>
             </a:fld>
             <a:endParaRPr lang="ko-KR" altLang="en-US"/>
           </a:p>
@@ -1924,7 +2296,7 @@
 </file>
 
 <file path=ppt/slideLayouts/slideLayout7.xml><?xml version="1.0" encoding="utf-8"?>
-<p:sldLayout xmlns:a="http://schemas.openxmlformats.org/drawingml/2006/main" xmlns:r="http://schemas.openxmlformats.org/officeDocument/2006/relationships" xmlns:p="http://schemas.openxmlformats.org/presentationml/2006/main" type="blank" preserve="1">
+<p:sldLayout xmlns:a="http://schemas.openxmlformats.org/drawingml/2006/main" xmlns:r="http://schemas.openxmlformats.org/officeDocument/2006/relationships" xmlns:p="http://schemas.openxmlformats.org/presentationml/2006/main" showMasterSp="0" type="blank" preserve="1">
   <p:cSld name="빈 화면">
     <p:spTree>
       <p:nvGrpSpPr>
@@ -1958,7 +2330,7 @@
             <a:fld id="{FB30EDBD-1C2D-4C1E-B459-B60219FAB484}" type="datetimeFigureOut">
               <a:rPr lang="ko-KR" altLang="en-US" smtClean="0"/>
               <a:pPr/>
-              <a:t>2017-04-06</a:t>
+              <a:t>2017-04-10</a:t>
             </a:fld>
             <a:endParaRPr lang="ko-KR" altLang="en-US"/>
           </a:p>
@@ -2044,23 +2416,27 @@
         </p:nvSpPr>
         <p:spPr>
           <a:xfrm>
-            <a:off x="457200" y="273050"/>
-            <a:ext cx="3008313" cy="1162050"/>
+            <a:off x="167838" y="152400"/>
+            <a:ext cx="2523744" cy="978408"/>
           </a:xfrm>
         </p:spPr>
         <p:txBody>
-          <a:bodyPr anchor="b"/>
+          <a:bodyPr vert="horz" lIns="73152" rIns="45720" bIns="0" rtlCol="0" anchor="b">
+            <a:normAutofit/>
+            <a:sp3d prstMaterial="matte"/>
+          </a:bodyPr>
           <a:lstStyle>
             <a:lvl1pPr algn="l">
-              <a:defRPr sz="2000" b="1"/>
+              <a:defRPr sz="2000" b="0"/>
             </a:lvl1pPr>
+            <a:extLst/>
           </a:lstStyle>
           <a:p>
             <a:r>
-              <a:rPr lang="ko-KR" altLang="en-US" smtClean="0"/>
+              <a:rPr kumimoji="0" lang="ko-KR" altLang="en-US" smtClean="0"/>
               <a:t>마스터 제목 스타일 편집</a:t>
             </a:r>
-            <a:endParaRPr lang="ko-KR" altLang="en-US"/>
+            <a:endParaRPr kumimoji="0" lang="en-US"/>
           </a:p>
         </p:txBody>
       </p:sp>
@@ -2076,8 +2452,8 @@
         </p:nvSpPr>
         <p:spPr>
           <a:xfrm>
-            <a:off x="3575050" y="273050"/>
-            <a:ext cx="5111750" cy="5853113"/>
+            <a:off x="3019377" y="1743133"/>
+            <a:ext cx="5920641" cy="4558885"/>
           </a:xfrm>
         </p:spPr>
         <p:txBody>
@@ -2110,42 +2486,43 @@
             <a:lvl9pPr>
               <a:defRPr sz="2000"/>
             </a:lvl9pPr>
+            <a:extLst/>
           </a:lstStyle>
           <a:p>
-            <a:pPr lvl="0"/>
+            <a:pPr lvl="0" eaLnBrk="1" latinLnBrk="0" hangingPunct="1"/>
             <a:r>
               <a:rPr lang="ko-KR" altLang="en-US" smtClean="0"/>
               <a:t>마스터 텍스트 스타일을 편집합니다</a:t>
             </a:r>
           </a:p>
           <a:p>
-            <a:pPr lvl="1"/>
+            <a:pPr lvl="1" eaLnBrk="1" latinLnBrk="0" hangingPunct="1"/>
             <a:r>
               <a:rPr lang="ko-KR" altLang="en-US" smtClean="0"/>
               <a:t>둘째 수준</a:t>
             </a:r>
           </a:p>
           <a:p>
-            <a:pPr lvl="2"/>
+            <a:pPr lvl="2" eaLnBrk="1" latinLnBrk="0" hangingPunct="1"/>
             <a:r>
               <a:rPr lang="ko-KR" altLang="en-US" smtClean="0"/>
               <a:t>셋째 수준</a:t>
             </a:r>
           </a:p>
           <a:p>
-            <a:pPr lvl="3"/>
+            <a:pPr lvl="3" eaLnBrk="1" latinLnBrk="0" hangingPunct="1"/>
             <a:r>
               <a:rPr lang="ko-KR" altLang="en-US" smtClean="0"/>
               <a:t>넷째 수준</a:t>
             </a:r>
           </a:p>
           <a:p>
-            <a:pPr lvl="4"/>
+            <a:pPr lvl="4" eaLnBrk="1" latinLnBrk="0" hangingPunct="1"/>
             <a:r>
               <a:rPr lang="ko-KR" altLang="en-US" smtClean="0"/>
               <a:t>다섯째 수준</a:t>
             </a:r>
-            <a:endParaRPr lang="ko-KR" altLang="en-US"/>
+            <a:endParaRPr kumimoji="0" lang="en-US"/>
           </a:p>
         </p:txBody>
       </p:sp>
@@ -2161,8 +2538,8 @@
         </p:nvSpPr>
         <p:spPr>
           <a:xfrm>
-            <a:off x="457200" y="1435100"/>
-            <a:ext cx="3008313" cy="4691063"/>
+            <a:off x="167838" y="1730018"/>
+            <a:ext cx="2468880" cy="4572000"/>
           </a:xfrm>
         </p:spPr>
         <p:txBody>
@@ -2204,11 +2581,12 @@
               <a:buNone/>
               <a:defRPr sz="900"/>
             </a:lvl9pPr>
+            <a:extLst/>
           </a:lstStyle>
           <a:p>
-            <a:pPr lvl="0"/>
-            <a:r>
-              <a:rPr lang="ko-KR" altLang="en-US" smtClean="0"/>
+            <a:pPr lvl="0" eaLnBrk="1" latinLnBrk="0" hangingPunct="1"/>
+            <a:r>
+              <a:rPr kumimoji="0" lang="ko-KR" altLang="en-US" smtClean="0"/>
               <a:t>마스터 텍스트 스타일을 편집합니다</a:t>
             </a:r>
           </a:p>
@@ -2232,7 +2610,7 @@
             <a:fld id="{FB30EDBD-1C2D-4C1E-B459-B60219FAB484}" type="datetimeFigureOut">
               <a:rPr lang="ko-KR" altLang="en-US" smtClean="0"/>
               <a:pPr/>
-              <a:t>2017-04-06</a:t>
+              <a:t>2017-04-10</a:t>
             </a:fld>
             <a:endParaRPr lang="ko-KR" altLang="en-US"/>
           </a:p>
@@ -2278,6 +2656,100 @@
               <a:t>‹#›</a:t>
             </a:fld>
             <a:endParaRPr lang="ko-KR" altLang="en-US"/>
+          </a:p>
+        </p:txBody>
+      </p:sp>
+      <p:sp>
+        <p:nvSpPr>
+          <p:cNvPr id="12" name="직사각형 11"/>
+          <p:cNvSpPr/>
+          <p:nvPr/>
+        </p:nvSpPr>
+        <p:spPr bwMode="invGray">
+          <a:xfrm>
+            <a:off x="2855737" y="0"/>
+            <a:ext cx="45720" cy="1453896"/>
+          </a:xfrm>
+          <a:prstGeom prst="rect">
+            <a:avLst/>
+          </a:prstGeom>
+          <a:solidFill>
+            <a:srgbClr val="FFFFFF"/>
+          </a:solidFill>
+          <a:ln w="48000" cap="flat" cmpd="thickThin" algn="ctr">
+            <a:noFill/>
+            <a:prstDash val="solid"/>
+          </a:ln>
+        </p:spPr>
+        <p:style>
+          <a:lnRef idx="2">
+            <a:schemeClr val="accent1"/>
+          </a:lnRef>
+          <a:fillRef idx="1">
+            <a:schemeClr val="accent1"/>
+          </a:fillRef>
+          <a:effectRef idx="0">
+            <a:schemeClr val="accent1"/>
+          </a:effectRef>
+          <a:fontRef idx="minor">
+            <a:schemeClr val="lt1"/>
+          </a:fontRef>
+        </p:style>
+        <p:txBody>
+          <a:bodyPr rtlCol="0" anchor="ctr"/>
+          <a:lstStyle>
+            <a:extLst/>
+          </a:lstStyle>
+          <a:p>
+            <a:pPr algn="ctr" eaLnBrk="1" latinLnBrk="0" hangingPunct="1"/>
+            <a:endParaRPr kumimoji="0" lang="en-US"/>
+          </a:p>
+        </p:txBody>
+      </p:sp>
+      <p:sp>
+        <p:nvSpPr>
+          <p:cNvPr id="9" name="직사각형 8"/>
+          <p:cNvSpPr/>
+          <p:nvPr/>
+        </p:nvSpPr>
+        <p:spPr bwMode="invGray">
+          <a:xfrm>
+            <a:off x="2855737" y="0"/>
+            <a:ext cx="45720" cy="1453896"/>
+          </a:xfrm>
+          <a:prstGeom prst="rect">
+            <a:avLst/>
+          </a:prstGeom>
+          <a:solidFill>
+            <a:srgbClr val="FFFFFF"/>
+          </a:solidFill>
+          <a:ln w="48000" cap="flat" cmpd="thickThin" algn="ctr">
+            <a:noFill/>
+            <a:prstDash val="solid"/>
+          </a:ln>
+        </p:spPr>
+        <p:style>
+          <a:lnRef idx="2">
+            <a:schemeClr val="accent1"/>
+          </a:lnRef>
+          <a:fillRef idx="1">
+            <a:schemeClr val="accent1"/>
+          </a:fillRef>
+          <a:effectRef idx="0">
+            <a:schemeClr val="accent1"/>
+          </a:effectRef>
+          <a:fontRef idx="minor">
+            <a:schemeClr val="lt1"/>
+          </a:fontRef>
+        </p:style>
+        <p:txBody>
+          <a:bodyPr rtlCol="0" anchor="ctr"/>
+          <a:lstStyle>
+            <a:extLst/>
+          </a:lstStyle>
+          <a:p>
+            <a:pPr algn="ctr" eaLnBrk="1" latinLnBrk="0" hangingPunct="1"/>
+            <a:endParaRPr kumimoji="0" lang="en-US"/>
           </a:p>
         </p:txBody>
       </p:sp>
@@ -2292,6 +2764,11 @@
 <file path=ppt/slideLayouts/slideLayout9.xml><?xml version="1.0" encoding="utf-8"?>
 <p:sldLayout xmlns:a="http://schemas.openxmlformats.org/drawingml/2006/main" xmlns:r="http://schemas.openxmlformats.org/officeDocument/2006/relationships" xmlns:p="http://schemas.openxmlformats.org/presentationml/2006/main" type="picTx" preserve="1">
   <p:cSld name="캡션 있는 그림">
+    <p:bg>
+      <p:bgRef idx="1001">
+        <a:schemeClr val="bg2"/>
+      </p:bgRef>
+    </p:bg>
     <p:spTree>
       <p:nvGrpSpPr>
         <p:cNvPr id="1" name=""/>
@@ -2318,23 +2795,26 @@
         </p:nvSpPr>
         <p:spPr>
           <a:xfrm>
-            <a:off x="1792288" y="4800600"/>
-            <a:ext cx="5486400" cy="566738"/>
+            <a:off x="164592" y="155448"/>
+            <a:ext cx="2525150" cy="978408"/>
           </a:xfrm>
         </p:spPr>
         <p:txBody>
-          <a:bodyPr anchor="b"/>
+          <a:bodyPr lIns="73152" bIns="0" anchor="b">
+            <a:sp3d prstMaterial="matte"/>
+          </a:bodyPr>
           <a:lstStyle>
             <a:lvl1pPr algn="l">
-              <a:defRPr sz="2000" b="1"/>
+              <a:defRPr sz="2000" b="0"/>
             </a:lvl1pPr>
+            <a:extLst/>
           </a:lstStyle>
           <a:p>
             <a:r>
-              <a:rPr lang="ko-KR" altLang="en-US" smtClean="0"/>
+              <a:rPr kumimoji="0" lang="ko-KR" altLang="en-US" smtClean="0"/>
               <a:t>마스터 제목 스타일 편집</a:t>
             </a:r>
-            <a:endParaRPr lang="ko-KR" altLang="en-US"/>
+            <a:endParaRPr kumimoji="0" lang="en-US"/>
           </a:p>
         </p:txBody>
       </p:sp>
@@ -2350,9 +2830,14 @@
         </p:nvSpPr>
         <p:spPr>
           <a:xfrm>
-            <a:off x="1792288" y="612775"/>
-            <a:ext cx="5486400" cy="4114800"/>
+            <a:off x="2903805" y="1484808"/>
+            <a:ext cx="6247397" cy="5373192"/>
           </a:xfrm>
+          <a:solidFill>
+            <a:schemeClr val="bg2">
+              <a:shade val="75000"/>
+            </a:schemeClr>
+          </a:solidFill>
         </p:spPr>
         <p:txBody>
           <a:bodyPr/>
@@ -2393,9 +2878,14 @@
               <a:buNone/>
               <a:defRPr sz="2000"/>
             </a:lvl9pPr>
+            <a:extLst/>
           </a:lstStyle>
           <a:p>
-            <a:endParaRPr lang="ko-KR" altLang="en-US"/>
+            <a:r>
+              <a:rPr kumimoji="0" lang="ko-KR" altLang="en-US" smtClean="0"/>
+              <a:t>그림을 추가하려면 아이콘을 클릭하십시오</a:t>
+            </a:r>
+            <a:endParaRPr kumimoji="0" lang="en-US" dirty="0"/>
           </a:p>
         </p:txBody>
       </p:sp>
@@ -2411,8 +2901,8 @@
         </p:nvSpPr>
         <p:spPr>
           <a:xfrm>
-            <a:off x="1792288" y="5367338"/>
-            <a:ext cx="5486400" cy="804862"/>
+            <a:off x="164592" y="1728216"/>
+            <a:ext cx="2468880" cy="4572000"/>
           </a:xfrm>
         </p:spPr>
         <p:txBody>
@@ -2454,11 +2944,12 @@
               <a:buNone/>
               <a:defRPr sz="900"/>
             </a:lvl9pPr>
+            <a:extLst/>
           </a:lstStyle>
           <a:p>
-            <a:pPr lvl="0"/>
-            <a:r>
-              <a:rPr lang="ko-KR" altLang="en-US" smtClean="0"/>
+            <a:pPr lvl="0" eaLnBrk="1" latinLnBrk="0" hangingPunct="1"/>
+            <a:r>
+              <a:rPr kumimoji="0" lang="ko-KR" altLang="en-US" smtClean="0"/>
               <a:t>마스터 텍스트 스타일을 편집합니다</a:t>
             </a:r>
           </a:p>
@@ -2474,7 +2965,12 @@
             <p:ph type="dt" sz="half" idx="10"/>
           </p:nvPr>
         </p:nvSpPr>
-        <p:spPr/>
+        <p:spPr>
+          <a:xfrm>
+            <a:off x="164592" y="1170432"/>
+            <a:ext cx="2523744" cy="201168"/>
+          </a:xfrm>
+        </p:spPr>
         <p:txBody>
           <a:bodyPr/>
           <a:lstStyle/>
@@ -2482,7 +2978,7 @@
             <a:fld id="{FB30EDBD-1C2D-4C1E-B459-B60219FAB484}" type="datetimeFigureOut">
               <a:rPr lang="ko-KR" altLang="en-US" smtClean="0"/>
               <a:pPr/>
-              <a:t>2017-04-06</a:t>
+              <a:t>2017-04-10</a:t>
             </a:fld>
             <a:endParaRPr lang="ko-KR" altLang="en-US"/>
           </a:p>
@@ -2490,6 +2986,100 @@
       </p:sp>
       <p:sp>
         <p:nvSpPr>
+          <p:cNvPr id="11" name="직사각형 10"/>
+          <p:cNvSpPr/>
+          <p:nvPr/>
+        </p:nvSpPr>
+        <p:spPr>
+          <a:xfrm>
+            <a:off x="2855737" y="0"/>
+            <a:ext cx="45720" cy="6858000"/>
+          </a:xfrm>
+          <a:prstGeom prst="rect">
+            <a:avLst/>
+          </a:prstGeom>
+          <a:solidFill>
+            <a:srgbClr val="FFFFFF"/>
+          </a:solidFill>
+          <a:ln w="48000" cap="flat" cmpd="thickThin" algn="ctr">
+            <a:noFill/>
+            <a:prstDash val="solid"/>
+          </a:ln>
+        </p:spPr>
+        <p:style>
+          <a:lnRef idx="2">
+            <a:schemeClr val="accent1"/>
+          </a:lnRef>
+          <a:fillRef idx="1">
+            <a:schemeClr val="accent1"/>
+          </a:fillRef>
+          <a:effectRef idx="0">
+            <a:schemeClr val="accent1"/>
+          </a:effectRef>
+          <a:fontRef idx="minor">
+            <a:schemeClr val="lt1"/>
+          </a:fontRef>
+        </p:style>
+        <p:txBody>
+          <a:bodyPr rtlCol="0" anchor="ctr"/>
+          <a:lstStyle>
+            <a:extLst/>
+          </a:lstStyle>
+          <a:p>
+            <a:pPr algn="ctr" eaLnBrk="1" latinLnBrk="0" hangingPunct="1"/>
+            <a:endParaRPr kumimoji="0" lang="en-US"/>
+          </a:p>
+        </p:txBody>
+      </p:sp>
+      <p:sp>
+        <p:nvSpPr>
+          <p:cNvPr id="9" name="직사각형 8"/>
+          <p:cNvSpPr/>
+          <p:nvPr/>
+        </p:nvSpPr>
+        <p:spPr bwMode="invGray">
+          <a:xfrm>
+            <a:off x="2855737" y="0"/>
+            <a:ext cx="45720" cy="6858000"/>
+          </a:xfrm>
+          <a:prstGeom prst="rect">
+            <a:avLst/>
+          </a:prstGeom>
+          <a:solidFill>
+            <a:srgbClr val="FFFFFF"/>
+          </a:solidFill>
+          <a:ln w="48000" cap="flat" cmpd="thickThin" algn="ctr">
+            <a:noFill/>
+            <a:prstDash val="solid"/>
+          </a:ln>
+        </p:spPr>
+        <p:style>
+          <a:lnRef idx="2">
+            <a:schemeClr val="accent1"/>
+          </a:lnRef>
+          <a:fillRef idx="1">
+            <a:schemeClr val="accent1"/>
+          </a:fillRef>
+          <a:effectRef idx="0">
+            <a:schemeClr val="accent1"/>
+          </a:effectRef>
+          <a:fontRef idx="minor">
+            <a:schemeClr val="lt1"/>
+          </a:fontRef>
+        </p:style>
+        <p:txBody>
+          <a:bodyPr rtlCol="0" anchor="ctr"/>
+          <a:lstStyle>
+            <a:extLst/>
+          </a:lstStyle>
+          <a:p>
+            <a:pPr algn="ctr" eaLnBrk="1" latinLnBrk="0" hangingPunct="1"/>
+            <a:endParaRPr kumimoji="0" lang="en-US"/>
+          </a:p>
+        </p:txBody>
+      </p:sp>
+      <p:sp>
+        <p:nvSpPr>
           <p:cNvPr id="6" name="바닥글 개체 틀 5"/>
           <p:cNvSpPr>
             <a:spLocks noGrp="1"/>
@@ -2498,10 +3088,25 @@
             <p:ph type="ftr" sz="quarter" idx="11"/>
           </p:nvPr>
         </p:nvSpPr>
-        <p:spPr/>
+        <p:spPr>
+          <a:xfrm>
+            <a:off x="3035808" y="1170432"/>
+            <a:ext cx="5193792" cy="201168"/>
+          </a:xfrm>
+        </p:spPr>
         <p:txBody>
           <a:bodyPr/>
-          <a:lstStyle/>
+          <a:lstStyle>
+            <a:lvl1pPr>
+              <a:defRPr>
+                <a:solidFill>
+                  <a:schemeClr val="bg1">
+                    <a:shade val="50000"/>
+                  </a:schemeClr>
+                </a:solidFill>
+              </a:defRPr>
+            </a:lvl1pPr>
+          </a:lstStyle>
           <a:p>
             <a:endParaRPr lang="ko-KR" altLang="en-US"/>
           </a:p>
@@ -2517,7 +3122,12 @@
             <p:ph type="sldNum" sz="quarter" idx="12"/>
           </p:nvPr>
         </p:nvSpPr>
-        <p:spPr/>
+        <p:spPr>
+          <a:xfrm>
+            <a:off x="8339328" y="1170432"/>
+            <a:ext cx="733864" cy="201168"/>
+          </a:xfrm>
+        </p:spPr>
         <p:txBody>
           <a:bodyPr/>
           <a:lstStyle/>
@@ -2534,7 +3144,7 @@
     </p:spTree>
   </p:cSld>
   <p:clrMapOvr>
-    <a:masterClrMapping/>
+    <a:overrideClrMapping bg1="lt1" tx1="dk1" bg2="lt2" tx2="dk2" accent1="accent1" accent2="accent2" accent3="accent3" accent4="accent4" accent5="accent5" accent6="accent6" hlink="hlink" folHlink="folHlink"/>
   </p:clrMapOvr>
 </p:sldLayout>
 </file>
@@ -2563,6 +3173,107 @@
       </p:grpSpPr>
       <p:sp>
         <p:nvSpPr>
+          <p:cNvPr id="10" name="직사각형 9"/>
+          <p:cNvSpPr/>
+          <p:nvPr/>
+        </p:nvSpPr>
+        <p:spPr bwMode="invGray">
+          <a:xfrm>
+            <a:off x="0" y="1435895"/>
+            <a:ext cx="9144000" cy="45720"/>
+          </a:xfrm>
+          <a:prstGeom prst="rect">
+            <a:avLst/>
+          </a:prstGeom>
+          <a:solidFill>
+            <a:srgbClr val="FFFFFF"/>
+          </a:solidFill>
+          <a:ln w="48000" cap="flat" cmpd="thickThin" algn="ctr">
+            <a:noFill/>
+            <a:prstDash val="solid"/>
+          </a:ln>
+          <a:effectLst>
+            <a:outerShdw blurRad="31750" dist="10160" dir="5400000" algn="tl" rotWithShape="0">
+              <a:srgbClr val="000000">
+                <a:alpha val="60000"/>
+              </a:srgbClr>
+            </a:outerShdw>
+          </a:effectLst>
+        </p:spPr>
+        <p:style>
+          <a:lnRef idx="2">
+            <a:schemeClr val="accent1"/>
+          </a:lnRef>
+          <a:fillRef idx="1">
+            <a:schemeClr val="accent1"/>
+          </a:fillRef>
+          <a:effectRef idx="0">
+            <a:schemeClr val="accent1"/>
+          </a:effectRef>
+          <a:fontRef idx="minor">
+            <a:schemeClr val="lt1"/>
+          </a:fontRef>
+        </p:style>
+        <p:txBody>
+          <a:bodyPr rtlCol="0" anchor="ctr"/>
+          <a:lstStyle>
+            <a:extLst/>
+          </a:lstStyle>
+          <a:p>
+            <a:pPr algn="ctr" eaLnBrk="1" latinLnBrk="0" hangingPunct="1"/>
+            <a:endParaRPr kumimoji="0" lang="en-US"/>
+          </a:p>
+        </p:txBody>
+      </p:sp>
+      <p:sp>
+        <p:nvSpPr>
+          <p:cNvPr id="7" name="직사각형 6"/>
+          <p:cNvSpPr/>
+          <p:nvPr/>
+        </p:nvSpPr>
+        <p:spPr bwMode="ltGray">
+          <a:xfrm>
+            <a:off x="0" y="0"/>
+            <a:ext cx="9143999" cy="1433733"/>
+          </a:xfrm>
+          <a:prstGeom prst="rect">
+            <a:avLst/>
+          </a:prstGeom>
+          <a:solidFill>
+            <a:srgbClr val="000000"/>
+          </a:solidFill>
+          <a:ln w="48000" cap="flat" cmpd="thickThin" algn="ctr">
+            <a:noFill/>
+            <a:prstDash val="solid"/>
+          </a:ln>
+        </p:spPr>
+        <p:style>
+          <a:lnRef idx="2">
+            <a:schemeClr val="accent1"/>
+          </a:lnRef>
+          <a:fillRef idx="1">
+            <a:schemeClr val="accent1"/>
+          </a:fillRef>
+          <a:effectRef idx="0">
+            <a:schemeClr val="accent1"/>
+          </a:effectRef>
+          <a:fontRef idx="minor">
+            <a:schemeClr val="lt1"/>
+          </a:fontRef>
+        </p:style>
+        <p:txBody>
+          <a:bodyPr rtlCol="0" anchor="ctr"/>
+          <a:lstStyle>
+            <a:extLst/>
+          </a:lstStyle>
+          <a:p>
+            <a:pPr algn="ctr" eaLnBrk="1" latinLnBrk="0" hangingPunct="1"/>
+            <a:endParaRPr kumimoji="0" lang="en-US"/>
+          </a:p>
+        </p:txBody>
+      </p:sp>
+      <p:sp>
+        <p:nvSpPr>
           <p:cNvPr id="2" name="제목 개체 틀 1"/>
           <p:cNvSpPr>
             <a:spLocks noGrp="1"/>
@@ -2573,24 +3284,35 @@
         </p:nvSpPr>
         <p:spPr>
           <a:xfrm>
-            <a:off x="457200" y="274638"/>
-            <a:ext cx="8229600" cy="1143000"/>
+            <a:off x="457200" y="152400"/>
+            <a:ext cx="8229600" cy="1251062"/>
           </a:xfrm>
           <a:prstGeom prst="rect">
             <a:avLst/>
           </a:prstGeom>
         </p:spPr>
         <p:txBody>
-          <a:bodyPr vert="horz" lIns="91440" tIns="45720" rIns="91440" bIns="45720" rtlCol="0" anchor="ctr">
+          <a:bodyPr vert="horz" lIns="91440" rIns="45720" rtlCol="0" anchor="ctr">
             <a:normAutofit/>
+            <a:scene3d>
+              <a:camera prst="orthographicFront"/>
+              <a:lightRig rig="threePt" dir="t">
+                <a:rot lat="0" lon="0" rev="4800000"/>
+              </a:lightRig>
+            </a:scene3d>
+            <a:sp3d prstMaterial="matte">
+              <a:bevelT w="50800" h="10160"/>
+            </a:sp3d>
           </a:bodyPr>
-          <a:lstStyle/>
-          <a:p>
-            <a:r>
-              <a:rPr lang="ko-KR" altLang="en-US" smtClean="0"/>
+          <a:lstStyle>
+            <a:extLst/>
+          </a:lstStyle>
+          <a:p>
+            <a:r>
+              <a:rPr kumimoji="0" lang="ko-KR" altLang="en-US" smtClean="0"/>
               <a:t>마스터 제목 스타일 편집</a:t>
             </a:r>
-            <a:endParaRPr lang="ko-KR" altLang="en-US"/>
+            <a:endParaRPr kumimoji="0" lang="en-US"/>
           </a:p>
         </p:txBody>
       </p:sp>
@@ -2606,53 +3328,55 @@
         </p:nvSpPr>
         <p:spPr>
           <a:xfrm>
-            <a:off x="457200" y="1600200"/>
-            <a:ext cx="8229600" cy="4525963"/>
+            <a:off x="457200" y="1775191"/>
+            <a:ext cx="8229600" cy="4625609"/>
           </a:xfrm>
           <a:prstGeom prst="rect">
             <a:avLst/>
           </a:prstGeom>
         </p:spPr>
         <p:txBody>
-          <a:bodyPr vert="horz" lIns="91440" tIns="45720" rIns="91440" bIns="45720" rtlCol="0">
+          <a:bodyPr vert="horz" lIns="54864" tIns="91440" rtlCol="0">
             <a:normAutofit/>
           </a:bodyPr>
-          <a:lstStyle/>
-          <a:p>
-            <a:pPr lvl="0"/>
-            <a:r>
-              <a:rPr lang="ko-KR" altLang="en-US" smtClean="0"/>
+          <a:lstStyle>
+            <a:extLst/>
+          </a:lstStyle>
+          <a:p>
+            <a:pPr lvl="0" eaLnBrk="1" latinLnBrk="0" hangingPunct="1"/>
+            <a:r>
+              <a:rPr kumimoji="0" lang="ko-KR" altLang="en-US" smtClean="0"/>
               <a:t>마스터 텍스트 스타일을 편집합니다</a:t>
             </a:r>
           </a:p>
           <a:p>
-            <a:pPr lvl="1"/>
-            <a:r>
-              <a:rPr lang="ko-KR" altLang="en-US" smtClean="0"/>
+            <a:pPr lvl="1" eaLnBrk="1" latinLnBrk="0" hangingPunct="1"/>
+            <a:r>
+              <a:rPr kumimoji="0" lang="ko-KR" altLang="en-US" smtClean="0"/>
               <a:t>둘째 수준</a:t>
             </a:r>
           </a:p>
           <a:p>
-            <a:pPr lvl="2"/>
-            <a:r>
-              <a:rPr lang="ko-KR" altLang="en-US" smtClean="0"/>
+            <a:pPr lvl="2" eaLnBrk="1" latinLnBrk="0" hangingPunct="1"/>
+            <a:r>
+              <a:rPr kumimoji="0" lang="ko-KR" altLang="en-US" smtClean="0"/>
               <a:t>셋째 수준</a:t>
             </a:r>
           </a:p>
           <a:p>
-            <a:pPr lvl="3"/>
-            <a:r>
-              <a:rPr lang="ko-KR" altLang="en-US" smtClean="0"/>
+            <a:pPr lvl="3" eaLnBrk="1" latinLnBrk="0" hangingPunct="1"/>
+            <a:r>
+              <a:rPr kumimoji="0" lang="ko-KR" altLang="en-US" smtClean="0"/>
               <a:t>넷째 수준</a:t>
             </a:r>
           </a:p>
           <a:p>
-            <a:pPr lvl="4"/>
-            <a:r>
-              <a:rPr lang="ko-KR" altLang="en-US" smtClean="0"/>
+            <a:pPr lvl="4" eaLnBrk="1" latinLnBrk="0" hangingPunct="1"/>
+            <a:r>
+              <a:rPr kumimoji="0" lang="ko-KR" altLang="en-US" smtClean="0"/>
               <a:t>다섯째 수준</a:t>
             </a:r>
-            <a:endParaRPr lang="ko-KR" altLang="en-US"/>
+            <a:endParaRPr kumimoji="0" lang="en-US"/>
           </a:p>
         </p:txBody>
       </p:sp>
@@ -2668,31 +3392,32 @@
         </p:nvSpPr>
         <p:spPr>
           <a:xfrm>
-            <a:off x="457200" y="6356350"/>
-            <a:ext cx="2133600" cy="365125"/>
+            <a:off x="457200" y="6476999"/>
+            <a:ext cx="2133600" cy="274320"/>
           </a:xfrm>
           <a:prstGeom prst="rect">
             <a:avLst/>
           </a:prstGeom>
         </p:spPr>
         <p:txBody>
-          <a:bodyPr vert="horz" lIns="91440" tIns="45720" rIns="91440" bIns="45720" rtlCol="0" anchor="ctr"/>
+          <a:bodyPr vert="horz" lIns="109728" rIns="45720" bIns="0" rtlCol="0" anchor="b"/>
           <a:lstStyle>
-            <a:lvl1pPr algn="l">
-              <a:defRPr sz="1200">
+            <a:lvl1pPr algn="l" eaLnBrk="1" latinLnBrk="0" hangingPunct="1">
+              <a:defRPr kumimoji="0" sz="1200">
                 <a:solidFill>
                   <a:schemeClr val="tx1">
-                    <a:tint val="75000"/>
+                    <a:tint val="95000"/>
                   </a:schemeClr>
                 </a:solidFill>
               </a:defRPr>
             </a:lvl1pPr>
+            <a:extLst/>
           </a:lstStyle>
           <a:p>
             <a:fld id="{FB30EDBD-1C2D-4C1E-B459-B60219FAB484}" type="datetimeFigureOut">
               <a:rPr lang="ko-KR" altLang="en-US" smtClean="0"/>
               <a:pPr/>
-              <a:t>2017-04-06</a:t>
+              <a:t>2017-04-10</a:t>
             </a:fld>
             <a:endParaRPr lang="ko-KR" altLang="en-US"/>
           </a:p>
@@ -2710,25 +3435,26 @@
         </p:nvSpPr>
         <p:spPr>
           <a:xfrm>
-            <a:off x="3124200" y="6356350"/>
-            <a:ext cx="2895600" cy="365125"/>
+            <a:off x="2640596" y="6476999"/>
+            <a:ext cx="5507719" cy="274320"/>
           </a:xfrm>
           <a:prstGeom prst="rect">
             <a:avLst/>
           </a:prstGeom>
         </p:spPr>
         <p:txBody>
-          <a:bodyPr vert="horz" lIns="91440" tIns="45720" rIns="91440" bIns="45720" rtlCol="0" anchor="ctr"/>
+          <a:bodyPr vert="horz" lIns="45720" rIns="45720" bIns="0" rtlCol="0" anchor="b"/>
           <a:lstStyle>
-            <a:lvl1pPr algn="ctr">
-              <a:defRPr sz="1200">
+            <a:lvl1pPr algn="l" eaLnBrk="1" latinLnBrk="0" hangingPunct="1">
+              <a:defRPr kumimoji="0" sz="1200">
                 <a:solidFill>
                   <a:schemeClr val="tx1">
-                    <a:tint val="75000"/>
+                    <a:tint val="95000"/>
                   </a:schemeClr>
                 </a:solidFill>
               </a:defRPr>
             </a:lvl1pPr>
+            <a:extLst/>
           </a:lstStyle>
           <a:p>
             <a:endParaRPr lang="ko-KR" altLang="en-US"/>
@@ -2747,25 +3473,26 @@
         </p:nvSpPr>
         <p:spPr>
           <a:xfrm>
-            <a:off x="6553200" y="6356350"/>
-            <a:ext cx="2133600" cy="365125"/>
+            <a:off x="8204396" y="6476999"/>
+            <a:ext cx="733864" cy="274320"/>
           </a:xfrm>
           <a:prstGeom prst="rect">
             <a:avLst/>
           </a:prstGeom>
         </p:spPr>
         <p:txBody>
-          <a:bodyPr vert="horz" lIns="91440" tIns="45720" rIns="91440" bIns="45720" rtlCol="0" anchor="ctr"/>
+          <a:bodyPr vert="horz" bIns="0" rtlCol="0" anchor="b"/>
           <a:lstStyle>
-            <a:lvl1pPr algn="r">
-              <a:defRPr sz="1200">
+            <a:lvl1pPr algn="r" eaLnBrk="1" latinLnBrk="0" hangingPunct="1">
+              <a:defRPr kumimoji="0" sz="1200">
                 <a:solidFill>
                   <a:schemeClr val="tx1">
-                    <a:tint val="75000"/>
+                    <a:tint val="95000"/>
                   </a:schemeClr>
                 </a:solidFill>
               </a:defRPr>
             </a:lvl1pPr>
+            <a:extLst/>
           </a:lstStyle>
           <a:p>
             <a:fld id="{4BEDD84E-25D4-4983-8AA1-2863C96F08D9}" type="slidenum">
@@ -2781,43 +3508,51 @@
   </p:cSld>
   <p:clrMap bg1="lt1" tx1="dk1" bg2="lt2" tx2="dk2" accent1="accent1" accent2="accent2" accent3="accent3" accent4="accent4" accent5="accent5" accent6="accent6" hlink="hlink" folHlink="folHlink"/>
   <p:sldLayoutIdLst>
-    <p:sldLayoutId id="2147483649" r:id="rId1"/>
-    <p:sldLayoutId id="2147483650" r:id="rId2"/>
-    <p:sldLayoutId id="2147483651" r:id="rId3"/>
-    <p:sldLayoutId id="2147483652" r:id="rId4"/>
-    <p:sldLayoutId id="2147483653" r:id="rId5"/>
-    <p:sldLayoutId id="2147483654" r:id="rId6"/>
-    <p:sldLayoutId id="2147483655" r:id="rId7"/>
-    <p:sldLayoutId id="2147483656" r:id="rId8"/>
-    <p:sldLayoutId id="2147483657" r:id="rId9"/>
-    <p:sldLayoutId id="2147483658" r:id="rId10"/>
-    <p:sldLayoutId id="2147483659" r:id="rId11"/>
+    <p:sldLayoutId id="2147483661" r:id="rId1"/>
+    <p:sldLayoutId id="2147483662" r:id="rId2"/>
+    <p:sldLayoutId id="2147483663" r:id="rId3"/>
+    <p:sldLayoutId id="2147483664" r:id="rId4"/>
+    <p:sldLayoutId id="2147483665" r:id="rId5"/>
+    <p:sldLayoutId id="2147483666" r:id="rId6"/>
+    <p:sldLayoutId id="2147483667" r:id="rId7"/>
+    <p:sldLayoutId id="2147483668" r:id="rId8"/>
+    <p:sldLayoutId id="2147483669" r:id="rId9"/>
+    <p:sldLayoutId id="2147483670" r:id="rId10"/>
+    <p:sldLayoutId id="2147483671" r:id="rId11"/>
   </p:sldLayoutIdLst>
   <p:txStyles>
     <p:titleStyle>
-      <a:lvl1pPr algn="ctr" defTabSz="914400" rtl="0" eaLnBrk="1" latinLnBrk="1" hangingPunct="1">
+      <a:lvl1pPr algn="l" rtl="0" eaLnBrk="1" latinLnBrk="1" hangingPunct="1">
         <a:spcBef>
           <a:spcPct val="0"/>
         </a:spcBef>
         <a:buNone/>
-        <a:defRPr sz="4400" kern="1200">
+        <a:defRPr kumimoji="0" sz="4500" b="1" kern="1200">
           <a:solidFill>
-            <a:schemeClr val="tx1"/>
+            <a:schemeClr val="accent1">
+              <a:satMod val="150000"/>
+            </a:schemeClr>
           </a:solidFill>
+          <a:effectLst/>
           <a:latin typeface="+mj-lt"/>
           <a:ea typeface="+mj-ea"/>
           <a:cs typeface="+mj-cs"/>
         </a:defRPr>
       </a:lvl1pPr>
+      <a:extLst/>
     </p:titleStyle>
     <p:bodyStyle>
-      <a:lvl1pPr marL="342900" indent="-342900" algn="l" defTabSz="914400" rtl="0" eaLnBrk="1" latinLnBrk="1" hangingPunct="1">
+      <a:lvl1pPr marL="438912" indent="-320040" algn="l" rtl="0" eaLnBrk="1" latinLnBrk="1" hangingPunct="1">
         <a:spcBef>
-          <a:spcPct val="20000"/>
+          <a:spcPts val="0"/>
         </a:spcBef>
-        <a:buFont typeface="Arial" pitchFamily="34" charset="0"/>
-        <a:buChar char="•"/>
-        <a:defRPr sz="3200" kern="1200">
+        <a:buClr>
+          <a:schemeClr val="accent1"/>
+        </a:buClr>
+        <a:buSzPct val="80000"/>
+        <a:buFont typeface="Wingdings 2"/>
+        <a:buChar char=""/>
+        <a:defRPr kumimoji="0" sz="3200" kern="1200">
           <a:solidFill>
             <a:schemeClr val="tx1"/>
           </a:solidFill>
@@ -2826,13 +3561,17 @@
           <a:cs typeface="+mn-cs"/>
         </a:defRPr>
       </a:lvl1pPr>
-      <a:lvl2pPr marL="742950" indent="-285750" algn="l" defTabSz="914400" rtl="0" eaLnBrk="1" latinLnBrk="1" hangingPunct="1">
+      <a:lvl2pPr marL="731520" indent="-274320" algn="l" rtl="0" eaLnBrk="1" latinLnBrk="1" hangingPunct="1">
         <a:spcBef>
           <a:spcPct val="20000"/>
         </a:spcBef>
-        <a:buFont typeface="Arial" pitchFamily="34" charset="0"/>
-        <a:buChar char="–"/>
-        <a:defRPr sz="2800" kern="1200">
+        <a:buClr>
+          <a:schemeClr val="accent2"/>
+        </a:buClr>
+        <a:buSzPct val="90000"/>
+        <a:buFont typeface="Wingdings"/>
+        <a:buChar char=""/>
+        <a:defRPr kumimoji="0" sz="2800" kern="1200">
           <a:solidFill>
             <a:schemeClr val="tx1"/>
           </a:solidFill>
@@ -2841,13 +3580,16 @@
           <a:cs typeface="+mn-cs"/>
         </a:defRPr>
       </a:lvl2pPr>
-      <a:lvl3pPr marL="1143000" indent="-228600" algn="l" defTabSz="914400" rtl="0" eaLnBrk="1" latinLnBrk="1" hangingPunct="1">
+      <a:lvl3pPr marL="996696" indent="-228600" algn="l" rtl="0" eaLnBrk="1" latinLnBrk="1" hangingPunct="1">
         <a:spcBef>
           <a:spcPct val="20000"/>
         </a:spcBef>
-        <a:buFont typeface="Arial" pitchFamily="34" charset="0"/>
-        <a:buChar char="•"/>
-        <a:defRPr sz="2400" kern="1200">
+        <a:buClr>
+          <a:schemeClr val="accent3"/>
+        </a:buClr>
+        <a:buFont typeface="Arial"/>
+        <a:buChar char="▪"/>
+        <a:defRPr kumimoji="0" sz="2400" kern="1200">
           <a:solidFill>
             <a:schemeClr val="tx1"/>
           </a:solidFill>
@@ -2856,13 +3598,16 @@
           <a:cs typeface="+mn-cs"/>
         </a:defRPr>
       </a:lvl3pPr>
-      <a:lvl4pPr marL="1600200" indent="-228600" algn="l" defTabSz="914400" rtl="0" eaLnBrk="1" latinLnBrk="1" hangingPunct="1">
+      <a:lvl4pPr marL="1216152" indent="-182880" algn="l" rtl="0" eaLnBrk="1" latinLnBrk="1" hangingPunct="1">
         <a:spcBef>
           <a:spcPct val="20000"/>
         </a:spcBef>
-        <a:buFont typeface="Arial" pitchFamily="34" charset="0"/>
-        <a:buChar char="–"/>
-        <a:defRPr sz="2000" kern="1200">
+        <a:buClr>
+          <a:schemeClr val="accent4"/>
+        </a:buClr>
+        <a:buFont typeface="Arial"/>
+        <a:buChar char="▪"/>
+        <a:defRPr kumimoji="0" sz="2000" kern="1200">
           <a:solidFill>
             <a:schemeClr val="tx1"/>
           </a:solidFill>
@@ -2871,13 +3616,16 @@
           <a:cs typeface="+mn-cs"/>
         </a:defRPr>
       </a:lvl4pPr>
-      <a:lvl5pPr marL="2057400" indent="-228600" algn="l" defTabSz="914400" rtl="0" eaLnBrk="1" latinLnBrk="1" hangingPunct="1">
+      <a:lvl5pPr marL="1426464" indent="-182880" algn="l" rtl="0" eaLnBrk="1" latinLnBrk="1" hangingPunct="1">
         <a:spcBef>
           <a:spcPct val="20000"/>
         </a:spcBef>
-        <a:buFont typeface="Arial" pitchFamily="34" charset="0"/>
-        <a:buChar char="»"/>
-        <a:defRPr sz="2000" kern="1200">
+        <a:buClr>
+          <a:schemeClr val="accent5"/>
+        </a:buClr>
+        <a:buFont typeface="Wingdings 3"/>
+        <a:buChar char=""/>
+        <a:defRPr kumimoji="0" lang="en-US" sz="2000" kern="1200" smtClean="0">
           <a:solidFill>
             <a:schemeClr val="tx1"/>
           </a:solidFill>
@@ -2886,13 +3634,17 @@
           <a:cs typeface="+mn-cs"/>
         </a:defRPr>
       </a:lvl5pPr>
-      <a:lvl6pPr marL="2514600" indent="-228600" algn="l" defTabSz="914400" rtl="0" eaLnBrk="1" latinLnBrk="1" hangingPunct="1">
+      <a:lvl6pPr marL="1627632" indent="-182880" algn="l" rtl="0" eaLnBrk="1" latinLnBrk="1" hangingPunct="1">
         <a:spcBef>
           <a:spcPct val="20000"/>
         </a:spcBef>
-        <a:buFont typeface="Arial" pitchFamily="34" charset="0"/>
-        <a:buChar char="•"/>
-        <a:defRPr sz="2000" kern="1200">
+        <a:buClr>
+          <a:schemeClr val="accent6"/>
+        </a:buClr>
+        <a:buSzPct val="100000"/>
+        <a:buFont typeface="Wingdings 2"/>
+        <a:buChar char=""/>
+        <a:defRPr kumimoji="0" sz="2000" kern="1200">
           <a:solidFill>
             <a:schemeClr val="tx1"/>
           </a:solidFill>
@@ -2901,13 +3653,17 @@
           <a:cs typeface="+mn-cs"/>
         </a:defRPr>
       </a:lvl6pPr>
-      <a:lvl7pPr marL="2971800" indent="-228600" algn="l" defTabSz="914400" rtl="0" eaLnBrk="1" latinLnBrk="1" hangingPunct="1">
+      <a:lvl7pPr marL="1828800" indent="-182880" algn="l" rtl="0" eaLnBrk="1" latinLnBrk="1" hangingPunct="1">
         <a:spcBef>
           <a:spcPct val="20000"/>
         </a:spcBef>
-        <a:buFont typeface="Arial" pitchFamily="34" charset="0"/>
-        <a:buChar char="•"/>
-        <a:defRPr sz="2000" kern="1200">
+        <a:buClr>
+          <a:schemeClr val="accent1"/>
+        </a:buClr>
+        <a:buSzPct val="100000"/>
+        <a:buFont typeface="Wingdings 2"/>
+        <a:buChar char=""/>
+        <a:defRPr kumimoji="0" sz="1800" kern="1200">
           <a:solidFill>
             <a:schemeClr val="tx1"/>
           </a:solidFill>
@@ -2916,13 +3672,16 @@
           <a:cs typeface="+mn-cs"/>
         </a:defRPr>
       </a:lvl7pPr>
-      <a:lvl8pPr marL="3429000" indent="-228600" algn="l" defTabSz="914400" rtl="0" eaLnBrk="1" latinLnBrk="1" hangingPunct="1">
+      <a:lvl8pPr marL="2029968" indent="-182880" algn="l" rtl="0" eaLnBrk="1" latinLnBrk="1" hangingPunct="1">
         <a:spcBef>
           <a:spcPct val="20000"/>
         </a:spcBef>
-        <a:buFont typeface="Arial" pitchFamily="34" charset="0"/>
-        <a:buChar char="•"/>
-        <a:defRPr sz="2000" kern="1200">
+        <a:buClr>
+          <a:schemeClr val="accent2"/>
+        </a:buClr>
+        <a:buFont typeface="Wingdings 2" pitchFamily="18" charset="2"/>
+        <a:buChar char=""/>
+        <a:defRPr kumimoji="0" sz="1800" kern="1200">
           <a:solidFill>
             <a:schemeClr val="tx1"/>
           </a:solidFill>
@@ -2931,13 +3690,16 @@
           <a:cs typeface="+mn-cs"/>
         </a:defRPr>
       </a:lvl8pPr>
-      <a:lvl9pPr marL="3886200" indent="-228600" algn="l" defTabSz="914400" rtl="0" eaLnBrk="1" latinLnBrk="1" hangingPunct="1">
+      <a:lvl9pPr marL="2231136" indent="-182880" algn="l" rtl="0" eaLnBrk="1" latinLnBrk="1" hangingPunct="1">
         <a:spcBef>
           <a:spcPct val="20000"/>
         </a:spcBef>
-        <a:buFont typeface="Arial" pitchFamily="34" charset="0"/>
-        <a:buChar char="•"/>
-        <a:defRPr sz="2000" kern="1200">
+        <a:buClr>
+          <a:schemeClr val="accent3"/>
+        </a:buClr>
+        <a:buFont typeface="Wingdings 2" pitchFamily="18" charset="2"/>
+        <a:buChar char=""/>
+        <a:defRPr kumimoji="0" sz="1800" kern="1200" baseline="0">
           <a:solidFill>
             <a:schemeClr val="tx1"/>
           </a:solidFill>
@@ -2946,13 +3708,11 @@
           <a:cs typeface="+mn-cs"/>
         </a:defRPr>
       </a:lvl9pPr>
+      <a:extLst/>
     </p:bodyStyle>
     <p:otherStyle>
-      <a:defPPr>
-        <a:defRPr lang="ko-KR"/>
-      </a:defPPr>
-      <a:lvl1pPr marL="0" algn="l" defTabSz="914400" rtl="0" eaLnBrk="1" latinLnBrk="1" hangingPunct="1">
-        <a:defRPr sz="1800" kern="1200">
+      <a:lvl1pPr marL="0" algn="l" rtl="0" eaLnBrk="1" latinLnBrk="1" hangingPunct="1">
+        <a:defRPr kumimoji="0" kern="1200">
           <a:solidFill>
             <a:schemeClr val="tx1"/>
           </a:solidFill>
@@ -2961,8 +3721,8 @@
           <a:cs typeface="+mn-cs"/>
         </a:defRPr>
       </a:lvl1pPr>
-      <a:lvl2pPr marL="457200" algn="l" defTabSz="914400" rtl="0" eaLnBrk="1" latinLnBrk="1" hangingPunct="1">
-        <a:defRPr sz="1800" kern="1200">
+      <a:lvl2pPr marL="457200" algn="l" rtl="0" eaLnBrk="1" latinLnBrk="1" hangingPunct="1">
+        <a:defRPr kumimoji="0" kern="1200">
           <a:solidFill>
             <a:schemeClr val="tx1"/>
           </a:solidFill>
@@ -2971,8 +3731,8 @@
           <a:cs typeface="+mn-cs"/>
         </a:defRPr>
       </a:lvl2pPr>
-      <a:lvl3pPr marL="914400" algn="l" defTabSz="914400" rtl="0" eaLnBrk="1" latinLnBrk="1" hangingPunct="1">
-        <a:defRPr sz="1800" kern="1200">
+      <a:lvl3pPr marL="914400" algn="l" rtl="0" eaLnBrk="1" latinLnBrk="1" hangingPunct="1">
+        <a:defRPr kumimoji="0" kern="1200">
           <a:solidFill>
             <a:schemeClr val="tx1"/>
           </a:solidFill>
@@ -2981,8 +3741,8 @@
           <a:cs typeface="+mn-cs"/>
         </a:defRPr>
       </a:lvl3pPr>
-      <a:lvl4pPr marL="1371600" algn="l" defTabSz="914400" rtl="0" eaLnBrk="1" latinLnBrk="1" hangingPunct="1">
-        <a:defRPr sz="1800" kern="1200">
+      <a:lvl4pPr marL="1371600" algn="l" rtl="0" eaLnBrk="1" latinLnBrk="1" hangingPunct="1">
+        <a:defRPr kumimoji="0" kern="1200">
           <a:solidFill>
             <a:schemeClr val="tx1"/>
           </a:solidFill>
@@ -2991,8 +3751,8 @@
           <a:cs typeface="+mn-cs"/>
         </a:defRPr>
       </a:lvl4pPr>
-      <a:lvl5pPr marL="1828800" algn="l" defTabSz="914400" rtl="0" eaLnBrk="1" latinLnBrk="1" hangingPunct="1">
-        <a:defRPr sz="1800" kern="1200">
+      <a:lvl5pPr marL="1828800" algn="l" rtl="0" eaLnBrk="1" latinLnBrk="1" hangingPunct="1">
+        <a:defRPr kumimoji="0" kern="1200">
           <a:solidFill>
             <a:schemeClr val="tx1"/>
           </a:solidFill>
@@ -3001,8 +3761,8 @@
           <a:cs typeface="+mn-cs"/>
         </a:defRPr>
       </a:lvl5pPr>
-      <a:lvl6pPr marL="2286000" algn="l" defTabSz="914400" rtl="0" eaLnBrk="1" latinLnBrk="1" hangingPunct="1">
-        <a:defRPr sz="1800" kern="1200">
+      <a:lvl6pPr marL="2286000" algn="l" rtl="0" eaLnBrk="1" latinLnBrk="1" hangingPunct="1">
+        <a:defRPr kumimoji="0" kern="1200">
           <a:solidFill>
             <a:schemeClr val="tx1"/>
           </a:solidFill>
@@ -3011,8 +3771,8 @@
           <a:cs typeface="+mn-cs"/>
         </a:defRPr>
       </a:lvl6pPr>
-      <a:lvl7pPr marL="2743200" algn="l" defTabSz="914400" rtl="0" eaLnBrk="1" latinLnBrk="1" hangingPunct="1">
-        <a:defRPr sz="1800" kern="1200">
+      <a:lvl7pPr marL="2743200" algn="l" rtl="0" eaLnBrk="1" latinLnBrk="1" hangingPunct="1">
+        <a:defRPr kumimoji="0" kern="1200">
           <a:solidFill>
             <a:schemeClr val="tx1"/>
           </a:solidFill>
@@ -3021,8 +3781,8 @@
           <a:cs typeface="+mn-cs"/>
         </a:defRPr>
       </a:lvl7pPr>
-      <a:lvl8pPr marL="3200400" algn="l" defTabSz="914400" rtl="0" eaLnBrk="1" latinLnBrk="1" hangingPunct="1">
-        <a:defRPr sz="1800" kern="1200">
+      <a:lvl8pPr marL="3200400" algn="l" rtl="0" eaLnBrk="1" latinLnBrk="1" hangingPunct="1">
+        <a:defRPr kumimoji="0" kern="1200">
           <a:solidFill>
             <a:schemeClr val="tx1"/>
           </a:solidFill>
@@ -3031,8 +3791,8 @@
           <a:cs typeface="+mn-cs"/>
         </a:defRPr>
       </a:lvl8pPr>
-      <a:lvl9pPr marL="3657600" algn="l" defTabSz="914400" rtl="0" eaLnBrk="1" latinLnBrk="1" hangingPunct="1">
-        <a:defRPr sz="1800" kern="1200">
+      <a:lvl9pPr marL="3657600" algn="l" rtl="0" eaLnBrk="1" latinLnBrk="1" hangingPunct="1">
+        <a:defRPr kumimoji="0" kern="1200">
           <a:solidFill>
             <a:schemeClr val="tx1"/>
           </a:solidFill>
@@ -3041,6 +3801,7 @@
           <a:cs typeface="+mn-cs"/>
         </a:defRPr>
       </a:lvl9pPr>
+      <a:extLst/>
     </p:otherStyle>
   </p:txStyles>
 </p:sldMaster>
@@ -3073,20 +3834,127 @@
             <p:ph type="ctrTitle"/>
           </p:nvPr>
         </p:nvSpPr>
-        <p:spPr/>
+        <p:spPr>
+          <a:xfrm rot="20899632">
+            <a:off x="619693" y="2124014"/>
+            <a:ext cx="7772400" cy="1470025"/>
+          </a:xfrm>
+        </p:spPr>
         <p:txBody>
           <a:bodyPr/>
           <a:lstStyle/>
           <a:p>
             <a:r>
-              <a:rPr lang="ko-KR" altLang="en-US" dirty="0" smtClean="0"/>
-              <a:t>정</a:t>
-            </a:r>
-            <a:r>
-              <a:rPr lang="ko-KR" altLang="en-US" dirty="0" smtClean="0"/>
-              <a:t>렬</a:t>
-            </a:r>
-            <a:endParaRPr lang="ko-KR" altLang="en-US" dirty="0"/>
+              <a:rPr lang="en-US" altLang="ko-KR" b="1" dirty="0" smtClean="0">
+                <a:solidFill>
+                  <a:schemeClr val="tx1"/>
+                </a:solidFill>
+                <a:effectLst>
+                  <a:outerShdw blurRad="38100" dist="38100" dir="2700000" algn="tl">
+                    <a:srgbClr val="000000">
+                      <a:alpha val="43137"/>
+                    </a:srgbClr>
+                  </a:outerShdw>
+                </a:effectLst>
+                <a:latin typeface="CentSchbook BT" pitchFamily="2" charset="0"/>
+              </a:rPr>
+              <a:t>What is Quick sort?</a:t>
+            </a:r>
+            <a:endParaRPr lang="ko-KR" altLang="en-US" b="1" dirty="0">
+              <a:solidFill>
+                <a:schemeClr val="tx1"/>
+              </a:solidFill>
+              <a:effectLst>
+                <a:outerShdw blurRad="38100" dist="38100" dir="2700000" algn="tl">
+                  <a:srgbClr val="000000">
+                    <a:alpha val="43137"/>
+                  </a:srgbClr>
+                </a:outerShdw>
+              </a:effectLst>
+              <a:latin typeface="CentSchbook BT" pitchFamily="2" charset="0"/>
+            </a:endParaRPr>
+          </a:p>
+        </p:txBody>
+      </p:sp>
+      <p:sp>
+        <p:nvSpPr>
+          <p:cNvPr id="5" name="TextBox 4"/>
+          <p:cNvSpPr txBox="1"/>
+          <p:nvPr/>
+        </p:nvSpPr>
+        <p:spPr>
+          <a:xfrm>
+            <a:off x="5796136" y="5651956"/>
+            <a:ext cx="2448272" cy="369332"/>
+          </a:xfrm>
+          <a:prstGeom prst="rect">
+            <a:avLst/>
+          </a:prstGeom>
+          <a:noFill/>
+        </p:spPr>
+        <p:txBody>
+          <a:bodyPr wrap="square" rtlCol="0">
+            <a:spAutoFit/>
+          </a:bodyPr>
+          <a:lstStyle/>
+          <a:p>
+            <a:r>
+              <a:rPr lang="en-US" altLang="ko-KR" b="1" dirty="0" smtClean="0">
+                <a:solidFill>
+                  <a:schemeClr val="bg2">
+                    <a:lumMod val="50000"/>
+                  </a:schemeClr>
+                </a:solidFill>
+                <a:latin typeface="HY견명조" pitchFamily="18" charset="-127"/>
+                <a:ea typeface="HY견명조" pitchFamily="18" charset="-127"/>
+              </a:rPr>
+              <a:t>4</a:t>
+            </a:r>
+            <a:r>
+              <a:rPr lang="ko-KR" altLang="en-US" b="1" dirty="0" smtClean="0">
+                <a:solidFill>
+                  <a:schemeClr val="bg2">
+                    <a:lumMod val="50000"/>
+                  </a:schemeClr>
+                </a:solidFill>
+                <a:latin typeface="HY견명조" pitchFamily="18" charset="-127"/>
+                <a:ea typeface="HY견명조" pitchFamily="18" charset="-127"/>
+              </a:rPr>
+              <a:t>조 손유철</a:t>
+            </a:r>
+            <a:r>
+              <a:rPr lang="en-US" altLang="ko-KR" b="1" dirty="0" smtClean="0">
+                <a:solidFill>
+                  <a:schemeClr val="bg2">
+                    <a:lumMod val="50000"/>
+                  </a:schemeClr>
+                </a:solidFill>
+                <a:latin typeface="HY견명조" pitchFamily="18" charset="-127"/>
+                <a:ea typeface="HY견명조" pitchFamily="18" charset="-127"/>
+              </a:rPr>
+              <a:t>, </a:t>
+            </a:r>
+            <a:r>
+              <a:rPr lang="ko-KR" altLang="en-US" b="1" dirty="0" smtClean="0">
+                <a:solidFill>
+                  <a:schemeClr val="bg2">
+                    <a:lumMod val="50000"/>
+                  </a:schemeClr>
+                </a:solidFill>
+                <a:latin typeface="HY견명조" pitchFamily="18" charset="-127"/>
+                <a:ea typeface="HY견명조" pitchFamily="18" charset="-127"/>
+              </a:rPr>
+              <a:t>김민서</a:t>
+            </a:r>
+            <a:endParaRPr lang="ko-KR" altLang="en-US" b="1" dirty="0">
+              <a:solidFill>
+                <a:schemeClr val="bg2">
+                  <a:lumMod val="50000"/>
+                </a:schemeClr>
+              </a:solidFill>
+              <a:latin typeface="HY견명조" pitchFamily="18" charset="-127"/>
+              <a:ea typeface="HY견명조" pitchFamily="18" charset="-127"/>
+            </a:endParaRPr>
           </a:p>
         </p:txBody>
       </p:sp>
@@ -3160,32 +4028,61 @@
           <a:bodyPr/>
           <a:lstStyle/>
           <a:p>
-            <a:r>
-              <a:rPr lang="ko-KR" altLang="en-US" dirty="0" smtClean="0"/>
-              <a:t>정렬 알고리즘 특징</a:t>
-            </a:r>
-            <a:endParaRPr lang="en-US" altLang="ko-KR" dirty="0" smtClean="0"/>
-          </a:p>
-          <a:p>
-            <a:r>
-              <a:rPr lang="ko-KR" altLang="en-US" dirty="0" smtClean="0"/>
-              <a:t>재귀함수</a:t>
-            </a:r>
-            <a:endParaRPr lang="en-US" altLang="ko-KR" dirty="0" smtClean="0"/>
-          </a:p>
-          <a:p>
-            <a:r>
-              <a:rPr lang="ko-KR" altLang="en-US" dirty="0" err="1" smtClean="0"/>
-              <a:t>퀵</a:t>
-            </a:r>
-            <a:r>
-              <a:rPr lang="ko-KR" altLang="en-US" dirty="0" smtClean="0"/>
-              <a:t> 정렬 알고리즘</a:t>
-            </a:r>
-            <a:endParaRPr lang="en-US" altLang="ko-KR" dirty="0" smtClean="0"/>
-          </a:p>
-          <a:p>
-            <a:endParaRPr lang="ko-KR" altLang="en-US" dirty="0"/>
+            <a:pPr>
+              <a:lnSpc>
+                <a:spcPct val="150000"/>
+              </a:lnSpc>
+            </a:pPr>
+            <a:r>
+              <a:rPr lang="ko-KR" altLang="en-US" dirty="0" smtClean="0">
+                <a:latin typeface="HY견고딕" pitchFamily="18" charset="-127"/>
+                <a:ea typeface="HY견고딕" pitchFamily="18" charset="-127"/>
+              </a:rPr>
+              <a:t>정렬 알고리즘 </a:t>
+            </a:r>
+            <a:r>
+              <a:rPr lang="ko-KR" altLang="en-US" dirty="0" smtClean="0">
+                <a:latin typeface="HY견고딕" pitchFamily="18" charset="-127"/>
+                <a:ea typeface="HY견고딕" pitchFamily="18" charset="-127"/>
+              </a:rPr>
+              <a:t>비교</a:t>
+            </a:r>
+            <a:endParaRPr lang="en-US" altLang="ko-KR" dirty="0" smtClean="0">
+              <a:latin typeface="HY견고딕" pitchFamily="18" charset="-127"/>
+              <a:ea typeface="HY견고딕" pitchFamily="18" charset="-127"/>
+            </a:endParaRPr>
+          </a:p>
+          <a:p>
+            <a:pPr>
+              <a:lnSpc>
+                <a:spcPct val="150000"/>
+              </a:lnSpc>
+            </a:pPr>
+            <a:r>
+              <a:rPr lang="en-US" altLang="ko-KR" dirty="0" smtClean="0">
+                <a:latin typeface="HY견고딕" pitchFamily="18" charset="-127"/>
+                <a:ea typeface="HY견고딕" pitchFamily="18" charset="-127"/>
+              </a:rPr>
+              <a:t>C </a:t>
+            </a:r>
+            <a:r>
+              <a:rPr lang="ko-KR" altLang="en-US" dirty="0" smtClean="0">
+                <a:latin typeface="HY견고딕" pitchFamily="18" charset="-127"/>
+                <a:ea typeface="HY견고딕" pitchFamily="18" charset="-127"/>
+              </a:rPr>
+              <a:t>소</a:t>
+            </a:r>
+            <a:r>
+              <a:rPr lang="ko-KR" altLang="en-US" dirty="0" smtClean="0">
+                <a:latin typeface="HY견고딕" pitchFamily="18" charset="-127"/>
+                <a:ea typeface="HY견고딕" pitchFamily="18" charset="-127"/>
+              </a:rPr>
+              <a:t>스</a:t>
+            </a:r>
+            <a:endParaRPr lang="en-US" altLang="ko-KR" dirty="0" smtClean="0">
+              <a:latin typeface="HY견고딕" pitchFamily="18" charset="-127"/>
+              <a:ea typeface="HY견고딕" pitchFamily="18" charset="-127"/>
+            </a:endParaRPr>
           </a:p>
         </p:txBody>
       </p:sp>
@@ -3233,7 +4130,7 @@
         </p:nvGraphicFramePr>
         <p:xfrm>
           <a:off x="0" y="1"/>
-          <a:ext cx="9144000" cy="6857999"/>
+          <a:ext cx="9144000" cy="6935843"/>
         </p:xfrm>
         <a:graphic>
           <a:graphicData uri="http://schemas.openxmlformats.org/drawingml/2006/table">
@@ -3245,7 +4142,7 @@
                 <a:gridCol w="1976485"/>
                 <a:gridCol w="7167515"/>
               </a:tblGrid>
-              <a:tr h="684883">
+              <a:tr h="559797">
                 <a:tc>
                   <a:txBody>
                     <a:bodyPr/>
@@ -3257,6 +4154,8 @@
                           <a:solidFill>
                             <a:schemeClr val="tx1"/>
                           </a:solidFill>
+                          <a:latin typeface="HY견고딕" pitchFamily="18" charset="-127"/>
+                          <a:ea typeface="HY견고딕" pitchFamily="18" charset="-127"/>
                         </a:rPr>
                         <a:t>방법</a:t>
                       </a:r>
@@ -3264,6 +4163,8 @@
                         <a:solidFill>
                           <a:schemeClr val="tx1"/>
                         </a:solidFill>
+                        <a:latin typeface="HY견고딕" pitchFamily="18" charset="-127"/>
+                        <a:ea typeface="HY견고딕" pitchFamily="18" charset="-127"/>
                       </a:endParaRPr>
                     </a:p>
                   </a:txBody>
@@ -3320,6 +4221,8 @@
                           <a:solidFill>
                             <a:schemeClr val="tx1"/>
                           </a:solidFill>
+                          <a:latin typeface="HY견고딕" pitchFamily="18" charset="-127"/>
+                          <a:ea typeface="HY견고딕" pitchFamily="18" charset="-127"/>
                         </a:rPr>
                         <a:t>특징</a:t>
                       </a:r>
@@ -3327,6 +4230,8 @@
                         <a:solidFill>
                           <a:schemeClr val="tx1"/>
                         </a:solidFill>
+                        <a:latin typeface="HY견고딕" pitchFamily="18" charset="-127"/>
+                        <a:ea typeface="HY견고딕" pitchFamily="18" charset="-127"/>
                       </a:endParaRPr>
                     </a:p>
                   </a:txBody>
@@ -3373,7 +4278,7 @@
                   </a:tcPr>
                 </a:tc>
               </a:tr>
-              <a:tr h="812963">
+              <a:tr h="829436">
                 <a:tc>
                   <a:txBody>
                     <a:bodyPr/>
@@ -3381,17 +4286,31 @@
                     <a:p>
                       <a:pPr algn="ctr" latinLnBrk="1"/>
                       <a:r>
-                        <a:rPr lang="ko-KR" altLang="en-US" sz="2100" b="1" dirty="0" smtClean="0">
+                        <a:rPr lang="en-US" altLang="ko-KR" sz="2100" b="1" kern="1200" spc="40" dirty="0" smtClean="0">
                           <a:solidFill>
                             <a:schemeClr val="tx1"/>
                           </a:solidFill>
+                          <a:effectLst/>
+                          <a:latin typeface="Franklin Gothic Demi Cond" pitchFamily="34" charset="0"/>
                         </a:rPr>
-                        <a:t>거품 정렬</a:t>
+                        <a:t>Bubble</a:t>
                       </a:r>
-                      <a:endParaRPr lang="ko-KR" altLang="en-US" sz="2100" b="1" dirty="0">
+                      <a:r>
+                        <a:rPr lang="en-US" altLang="ko-KR" sz="2100" b="1" kern="1200" spc="40" baseline="0" dirty="0" smtClean="0">
+                          <a:solidFill>
+                            <a:schemeClr val="tx1"/>
+                          </a:solidFill>
+                          <a:effectLst/>
+                          <a:latin typeface="Franklin Gothic Demi Cond" pitchFamily="34" charset="0"/>
+                        </a:rPr>
+                        <a:t> sort</a:t>
+                      </a:r>
+                      <a:endParaRPr lang="ko-KR" altLang="en-US" sz="2100" b="1" kern="1200" spc="40" dirty="0">
                         <a:solidFill>
                           <a:schemeClr val="tx1"/>
                         </a:solidFill>
+                        <a:effectLst/>
+                        <a:latin typeface="Franklin Gothic Demi Cond" pitchFamily="34" charset="0"/>
                       </a:endParaRPr>
                     </a:p>
                   </a:txBody>
@@ -3505,7 +4424,7 @@
                   </a:tcPr>
                 </a:tc>
               </a:tr>
-              <a:tr h="812963">
+              <a:tr h="829436">
                 <a:tc>
                   <a:txBody>
                     <a:bodyPr/>
@@ -3513,17 +4432,19 @@
                     <a:p>
                       <a:pPr algn="ctr" latinLnBrk="1"/>
                       <a:r>
-                        <a:rPr lang="ko-KR" altLang="en-US" sz="2100" b="1" dirty="0" smtClean="0">
+                        <a:rPr lang="en-US" altLang="ko-KR" sz="2100" b="1" spc="40" dirty="0" smtClean="0">
                           <a:solidFill>
                             <a:schemeClr val="tx1"/>
                           </a:solidFill>
+                          <a:latin typeface="Franklin Gothic Demi Cond" pitchFamily="34" charset="0"/>
                         </a:rPr>
-                        <a:t>선택 정렬</a:t>
+                        <a:t>Selection sort</a:t>
                       </a:r>
-                      <a:endParaRPr lang="ko-KR" altLang="en-US" sz="2100" b="1" dirty="0">
+                      <a:endParaRPr lang="ko-KR" altLang="en-US" sz="2100" b="1" spc="40" dirty="0">
                         <a:solidFill>
                           <a:schemeClr val="tx1"/>
                         </a:solidFill>
+                        <a:latin typeface="Franklin Gothic Demi Cond" pitchFamily="34" charset="0"/>
                       </a:endParaRPr>
                     </a:p>
                   </a:txBody>
@@ -3577,15 +4498,33 @@
                       <a:pPr algn="ctr" latinLnBrk="1"/>
                       <a:r>
                         <a:rPr lang="ko-KR" altLang="en-US" sz="2000" dirty="0" smtClean="0"/>
-                        <a:t>데이터의 수가 적을 때 효율적</a:t>
+                        <a:t>데이터 수가 적을 때 효율적</a:t>
                       </a:r>
-                      <a:endParaRPr lang="en-US" altLang="ko-KR" sz="2000" dirty="0" smtClean="0"/>
+                      <a:endParaRPr lang="en-US" altLang="ko-KR" sz="2000" dirty="0" smtClean="0">
+                        <a:latin typeface="Franklin Gothic Medium" pitchFamily="34" charset="0"/>
+                      </a:endParaRPr>
                     </a:p>
                     <a:p>
                       <a:pPr algn="ctr" latinLnBrk="1"/>
                       <a:r>
+                        <a:rPr lang="en-US" altLang="ko-KR" sz="2000" dirty="0" smtClean="0">
+                          <a:latin typeface="Franklin Gothic Medium" pitchFamily="34" charset="0"/>
+                        </a:rPr>
+                        <a:t>Bubble</a:t>
+                      </a:r>
+                      <a:r>
+                        <a:rPr lang="en-US" altLang="ko-KR" sz="2000" baseline="0" dirty="0" smtClean="0">
+                          <a:latin typeface="Franklin Gothic Medium" pitchFamily="34" charset="0"/>
+                        </a:rPr>
+                        <a:t> sort</a:t>
+                      </a:r>
+                      <a:r>
+                        <a:rPr lang="ko-KR" altLang="en-US" sz="2000" baseline="0" dirty="0" smtClean="0"/>
+                        <a:t>보</a:t>
+                      </a:r>
+                      <a:r>
                         <a:rPr lang="ko-KR" altLang="en-US" sz="2000" dirty="0" smtClean="0"/>
-                        <a:t>버블 정렬보다 데이터 이동 횟수가 적음</a:t>
+                        <a:t>다 데이터 이동 횟수가 적음</a:t>
                       </a:r>
                       <a:endParaRPr lang="ko-KR" altLang="en-US" sz="2000" dirty="0"/>
                     </a:p>
@@ -3633,7 +4572,7 @@
                   </a:tcPr>
                 </a:tc>
               </a:tr>
-              <a:tr h="812963">
+              <a:tr h="829436">
                 <a:tc>
                   <a:txBody>
                     <a:bodyPr/>
@@ -3641,17 +4580,19 @@
                     <a:p>
                       <a:pPr algn="ctr" latinLnBrk="1"/>
                       <a:r>
-                        <a:rPr lang="ko-KR" altLang="en-US" sz="2100" b="1" dirty="0" smtClean="0">
+                        <a:rPr lang="en-US" altLang="ko-KR" sz="2100" b="1" spc="40" dirty="0" smtClean="0">
                           <a:solidFill>
                             <a:schemeClr val="tx1"/>
                           </a:solidFill>
+                          <a:latin typeface="Franklin Gothic Demi Cond" pitchFamily="34" charset="0"/>
                         </a:rPr>
-                        <a:t>삽입 정렬</a:t>
+                        <a:t>Insert sort</a:t>
                       </a:r>
-                      <a:endParaRPr lang="ko-KR" altLang="en-US" sz="2100" b="1" dirty="0">
+                      <a:endParaRPr lang="ko-KR" altLang="en-US" sz="2100" b="1" spc="40" dirty="0">
                         <a:solidFill>
                           <a:schemeClr val="tx1"/>
                         </a:solidFill>
+                        <a:latin typeface="Franklin Gothic Demi Cond" pitchFamily="34" charset="0"/>
                       </a:endParaRPr>
                     </a:p>
                   </a:txBody>
@@ -3693,7 +4634,7 @@
                       <a:tailEnd type="none" w="med" len="med"/>
                     </a:lnB>
                     <a:solidFill>
-                      <a:srgbClr val="FFFF00"/>
+                      <a:srgbClr val="66CCFF"/>
                     </a:solidFill>
                   </a:tcPr>
                 </a:tc>
@@ -3760,12 +4701,12 @@
                       <a:tailEnd type="none" w="med" len="med"/>
                     </a:lnB>
                     <a:solidFill>
-                      <a:srgbClr val="FFFF00"/>
+                      <a:srgbClr val="66CCFF"/>
                     </a:solidFill>
                   </a:tcPr>
                 </a:tc>
               </a:tr>
-              <a:tr h="812963">
+              <a:tr h="829436">
                 <a:tc>
                   <a:txBody>
                     <a:bodyPr/>
@@ -3773,25 +4714,37 @@
                     <a:p>
                       <a:pPr algn="ctr" latinLnBrk="1"/>
                       <a:r>
-                        <a:rPr lang="en-US" altLang="ko-KR" sz="2100" b="1" dirty="0" smtClean="0">
+                        <a:rPr lang="en-US" altLang="ko-KR" sz="2100" b="1" spc="40" dirty="0" smtClean="0">
                           <a:solidFill>
                             <a:schemeClr val="tx1"/>
                           </a:solidFill>
+                          <a:latin typeface="Franklin Gothic Demi Cond" pitchFamily="34" charset="0"/>
                         </a:rPr>
-                        <a:t>shell</a:t>
+                        <a:t>Shell</a:t>
                       </a:r>
                       <a:r>
-                        <a:rPr lang="ko-KR" altLang="en-US" sz="2100" b="1" dirty="0" smtClean="0">
+                        <a:rPr lang="ko-KR" altLang="en-US" sz="2100" b="1" spc="40" dirty="0" smtClean="0">
                           <a:solidFill>
                             <a:schemeClr val="tx1"/>
                           </a:solidFill>
+                          <a:latin typeface="Franklin Gothic Demi Cond" pitchFamily="34" charset="0"/>
                         </a:rPr>
-                        <a:t> 정렬</a:t>
+                        <a:t> </a:t>
                       </a:r>
-                      <a:endParaRPr lang="ko-KR" altLang="en-US" sz="2100" b="1" dirty="0">
+                      <a:r>
+                        <a:rPr lang="en-US" altLang="ko-KR" sz="2100" b="1" spc="40" dirty="0" smtClean="0">
+                          <a:solidFill>
+                            <a:schemeClr val="tx1"/>
+                          </a:solidFill>
+                          <a:latin typeface="Franklin Gothic Demi Cond" pitchFamily="34" charset="0"/>
+                        </a:rPr>
+                        <a:t>sort</a:t>
+                      </a:r>
+                      <a:endParaRPr lang="ko-KR" altLang="en-US" sz="2100" b="1" spc="40" dirty="0">
                         <a:solidFill>
                           <a:schemeClr val="tx1"/>
                         </a:solidFill>
+                        <a:latin typeface="Franklin Gothic Demi Cond" pitchFamily="34" charset="0"/>
                       </a:endParaRPr>
                     </a:p>
                   </a:txBody>
@@ -3833,7 +4786,7 @@
                       <a:tailEnd type="none" w="med" len="med"/>
                     </a:lnB>
                     <a:solidFill>
-                      <a:srgbClr val="FFFF00"/>
+                      <a:srgbClr val="66CCFF"/>
                     </a:solidFill>
                   </a:tcPr>
                 </a:tc>
@@ -3844,16 +4797,20 @@
                     <a:p>
                       <a:pPr algn="ctr" latinLnBrk="1"/>
                       <a:r>
-                        <a:rPr lang="ko-KR" altLang="en-US" sz="2000" dirty="0" smtClean="0"/>
-                        <a:t>삽입 집합의 </a:t>
+                        <a:rPr lang="en-US" altLang="ko-KR" sz="2000" dirty="0" smtClean="0">
+                          <a:latin typeface="Franklin Gothic Medium" pitchFamily="34" charset="0"/>
+                        </a:rPr>
+                        <a:t>Insert</a:t>
                       </a:r>
                       <a:r>
-                        <a:rPr lang="ko-KR" altLang="en-US" sz="2000" dirty="0" err="1" smtClean="0"/>
-                        <a:t>비정렬</a:t>
+                        <a:rPr lang="en-US" altLang="ko-KR" sz="2000" baseline="0" dirty="0" smtClean="0">
+                          <a:latin typeface="Franklin Gothic Medium" pitchFamily="34" charset="0"/>
+                        </a:rPr>
+                        <a:t> sort</a:t>
                       </a:r>
                       <a:r>
                         <a:rPr lang="ko-KR" altLang="en-US" sz="2000" dirty="0" smtClean="0"/>
-                        <a:t> 데이터 문제를 해결하기 위한 방법</a:t>
+                        <a:t>의 비정렬 데이터 문제를 해결하기 위한 방법</a:t>
                       </a:r>
                       <a:endParaRPr lang="en-US" altLang="ko-KR" sz="2000" dirty="0" smtClean="0"/>
                     </a:p>
@@ -3908,12 +4865,12 @@
                       <a:tailEnd type="none" w="med" len="med"/>
                     </a:lnB>
                     <a:solidFill>
-                      <a:srgbClr val="FFFF00"/>
+                      <a:srgbClr val="66CCFF"/>
                     </a:solidFill>
                   </a:tcPr>
                 </a:tc>
               </a:tr>
-              <a:tr h="730316">
+              <a:tr h="745114">
                 <a:tc>
                   <a:txBody>
                     <a:bodyPr/>
@@ -3921,25 +4878,28 @@
                     <a:p>
                       <a:pPr algn="ctr" latinLnBrk="1"/>
                       <a:r>
-                        <a:rPr lang="ko-KR" altLang="en-US" sz="2100" b="1" dirty="0" err="1" smtClean="0">
+                        <a:rPr lang="en-US" altLang="ko-KR" sz="2800" b="1" spc="40" dirty="0" smtClean="0">
                           <a:solidFill>
                             <a:schemeClr val="tx1"/>
                           </a:solidFill>
+                          <a:latin typeface="Franklin Gothic Demi Cond" pitchFamily="34" charset="0"/>
                         </a:rPr>
-                        <a:t>퀵</a:t>
+                        <a:t>Quick</a:t>
                       </a:r>
                       <a:r>
-                        <a:rPr lang="ko-KR" altLang="en-US" sz="2100" b="1" dirty="0" smtClean="0">
+                        <a:rPr lang="en-US" altLang="ko-KR" sz="2800" b="1" spc="40" baseline="0" dirty="0" smtClean="0">
                           <a:solidFill>
                             <a:schemeClr val="tx1"/>
                           </a:solidFill>
+                          <a:latin typeface="Franklin Gothic Demi Cond" pitchFamily="34" charset="0"/>
                         </a:rPr>
-                        <a:t> 정렬</a:t>
+                        <a:t> sort</a:t>
                       </a:r>
-                      <a:endParaRPr lang="ko-KR" altLang="en-US" sz="2100" b="1" dirty="0">
+                      <a:endParaRPr lang="ko-KR" altLang="en-US" sz="2800" b="1" spc="40" dirty="0">
                         <a:solidFill>
                           <a:schemeClr val="tx1"/>
                         </a:solidFill>
+                        <a:latin typeface="Franklin Gothic Demi Cond" pitchFamily="34" charset="0"/>
                       </a:endParaRPr>
                     </a:p>
                   </a:txBody>
@@ -3981,7 +4941,7 @@
                       <a:tailEnd type="none" w="med" len="med"/>
                     </a:lnB>
                     <a:solidFill>
-                      <a:srgbClr val="00B0F0"/>
+                      <a:srgbClr val="FFFF00"/>
                     </a:solidFill>
                   </a:tcPr>
                 </a:tc>
@@ -3992,18 +4952,30 @@
                     <a:p>
                       <a:pPr algn="ctr" latinLnBrk="1"/>
                       <a:r>
-                        <a:rPr lang="ko-KR" altLang="en-US" sz="2000" dirty="0" smtClean="0"/>
+                        <a:rPr lang="ko-KR" altLang="en-US" sz="2400" dirty="0" smtClean="0">
+                          <a:latin typeface="HY헤드라인M" pitchFamily="18" charset="-127"/>
+                          <a:ea typeface="HY헤드라인M" pitchFamily="18" charset="-127"/>
+                        </a:rPr>
                         <a:t>평균적으로 가장 좋은 성능</a:t>
                       </a:r>
-                      <a:endParaRPr lang="en-US" altLang="ko-KR" sz="2000" dirty="0" smtClean="0"/>
+                      <a:endParaRPr lang="en-US" altLang="ko-KR" sz="2400" dirty="0" smtClean="0">
+                        <a:latin typeface="HY헤드라인M" pitchFamily="18" charset="-127"/>
+                        <a:ea typeface="HY헤드라인M" pitchFamily="18" charset="-127"/>
+                      </a:endParaRPr>
                     </a:p>
                     <a:p>
                       <a:pPr algn="ctr" latinLnBrk="1"/>
                       <a:r>
-                        <a:rPr lang="ko-KR" altLang="en-US" sz="2000" dirty="0" smtClean="0"/>
+                        <a:rPr lang="ko-KR" altLang="en-US" sz="2400" dirty="0" smtClean="0">
+                          <a:latin typeface="HY헤드라인M" pitchFamily="18" charset="-127"/>
+                          <a:ea typeface="HY헤드라인M" pitchFamily="18" charset="-127"/>
+                        </a:rPr>
                         <a:t>재귀호출 사용</a:t>
                       </a:r>
-                      <a:endParaRPr lang="en-US" altLang="ko-KR" sz="2000" dirty="0" smtClean="0"/>
+                      <a:endParaRPr lang="en-US" altLang="ko-KR" sz="2400" dirty="0" smtClean="0">
+                        <a:latin typeface="HY헤드라인M" pitchFamily="18" charset="-127"/>
+                        <a:ea typeface="HY헤드라인M" pitchFamily="18" charset="-127"/>
+                      </a:endParaRPr>
                     </a:p>
                   </a:txBody>
                   <a:tcPr anchor="ctr">
@@ -4044,12 +5016,12 @@
                       <a:tailEnd type="none" w="med" len="med"/>
                     </a:lnB>
                     <a:solidFill>
-                      <a:srgbClr val="00B0F0"/>
+                      <a:srgbClr val="FFFF00"/>
                     </a:solidFill>
                   </a:tcPr>
                 </a:tc>
               </a:tr>
-              <a:tr h="730316">
+              <a:tr h="745114">
                 <a:tc>
                   <a:txBody>
                     <a:bodyPr/>
@@ -4057,17 +5029,28 @@
                     <a:p>
                       <a:pPr algn="ctr" latinLnBrk="1"/>
                       <a:r>
-                        <a:rPr lang="ko-KR" altLang="en-US" sz="2100" b="1" dirty="0" smtClean="0">
+                        <a:rPr lang="en-US" altLang="ko-KR" sz="2100" b="1" spc="40" dirty="0" smtClean="0">
                           <a:solidFill>
                             <a:schemeClr val="tx1"/>
                           </a:solidFill>
+                          <a:latin typeface="Franklin Gothic Demi Cond" pitchFamily="34" charset="0"/>
                         </a:rPr>
-                        <a:t>합병 정렬</a:t>
+                        <a:t>Merge</a:t>
                       </a:r>
-                      <a:endParaRPr lang="ko-KR" altLang="en-US" sz="2100" b="1" dirty="0">
+                      <a:r>
+                        <a:rPr lang="en-US" altLang="ko-KR" sz="2100" b="1" spc="40" baseline="0" dirty="0" smtClean="0">
+                          <a:solidFill>
+                            <a:schemeClr val="tx1"/>
+                          </a:solidFill>
+                          <a:latin typeface="Franklin Gothic Demi Cond" pitchFamily="34" charset="0"/>
+                        </a:rPr>
+                        <a:t> sort</a:t>
+                      </a:r>
+                      <a:endParaRPr lang="ko-KR" altLang="en-US" sz="2100" b="1" spc="40" dirty="0">
                         <a:solidFill>
                           <a:schemeClr val="tx1"/>
                         </a:solidFill>
+                        <a:latin typeface="Franklin Gothic Demi Cond" pitchFamily="34" charset="0"/>
                       </a:endParaRPr>
                     </a:p>
                   </a:txBody>
@@ -4109,7 +5092,7 @@
                       <a:tailEnd type="none" w="med" len="med"/>
                     </a:lnB>
                     <a:solidFill>
-                      <a:srgbClr val="00B0F0"/>
+                      <a:srgbClr val="FFFF00"/>
                     </a:solidFill>
                   </a:tcPr>
                 </a:tc>
@@ -4184,12 +5167,12 @@
                       <a:tailEnd type="none" w="med" len="med"/>
                     </a:lnB>
                     <a:solidFill>
-                      <a:srgbClr val="00B0F0"/>
+                      <a:srgbClr val="FFFF00"/>
                     </a:solidFill>
                   </a:tcPr>
                 </a:tc>
               </a:tr>
-              <a:tr h="730316">
+              <a:tr h="745114">
                 <a:tc>
                   <a:txBody>
                     <a:bodyPr/>
@@ -4197,25 +5180,28 @@
                     <a:p>
                       <a:pPr algn="ctr" latinLnBrk="1"/>
                       <a:r>
-                        <a:rPr lang="ko-KR" altLang="en-US" sz="2100" b="1" dirty="0" err="1" smtClean="0">
+                        <a:rPr lang="en-US" altLang="ko-KR" sz="2100" b="1" spc="40" dirty="0" smtClean="0">
                           <a:solidFill>
                             <a:schemeClr val="tx1"/>
                           </a:solidFill>
+                          <a:latin typeface="Franklin Gothic Demi Cond" pitchFamily="34" charset="0"/>
                         </a:rPr>
-                        <a:t>힙</a:t>
+                        <a:t>Harp</a:t>
                       </a:r>
                       <a:r>
-                        <a:rPr lang="ko-KR" altLang="en-US" sz="2100" b="1" dirty="0" smtClean="0">
+                        <a:rPr lang="en-US" altLang="ko-KR" sz="2100" b="1" spc="40" baseline="0" dirty="0" smtClean="0">
                           <a:solidFill>
                             <a:schemeClr val="tx1"/>
                           </a:solidFill>
+                          <a:latin typeface="Franklin Gothic Demi Cond" pitchFamily="34" charset="0"/>
                         </a:rPr>
-                        <a:t> 정렬</a:t>
+                        <a:t> sort</a:t>
                       </a:r>
-                      <a:endParaRPr lang="ko-KR" altLang="en-US" sz="2100" b="1" dirty="0">
+                      <a:endParaRPr lang="ko-KR" altLang="en-US" sz="2100" b="1" spc="40" dirty="0">
                         <a:solidFill>
                           <a:schemeClr val="tx1"/>
                         </a:solidFill>
+                        <a:latin typeface="Franklin Gothic Demi Cond" pitchFamily="34" charset="0"/>
                       </a:endParaRPr>
                     </a:p>
                   </a:txBody>
@@ -4257,7 +5243,10 @@
                       <a:tailEnd type="none" w="med" len="med"/>
                     </a:lnB>
                     <a:solidFill>
-                      <a:srgbClr val="00B050"/>
+                      <a:schemeClr val="accent3">
+                        <a:lumMod val="60000"/>
+                        <a:lumOff val="40000"/>
+                      </a:schemeClr>
                     </a:solidFill>
                   </a:tcPr>
                 </a:tc>
@@ -4297,9 +5286,16 @@
                       <a:pPr algn="ctr" latinLnBrk="1"/>
                       <a:r>
                         <a:rPr lang="ko-KR" altLang="en-US" sz="2000" dirty="0" smtClean="0"/>
-                        <a:t>안정성 보장불가</a:t>
+                        <a:t>안정성 보장 </a:t>
                       </a:r>
-                      <a:endParaRPr lang="en-US" altLang="ko-KR" sz="2000" dirty="0" smtClean="0"/>
+                      <a:r>
+                        <a:rPr lang="en-US" altLang="ko-KR" sz="2000" b="1" dirty="0" smtClean="0">
+                          <a:latin typeface="Arial Unicode MS" pitchFamily="50" charset="-127"/>
+                          <a:ea typeface="Arial Unicode MS" pitchFamily="50" charset="-127"/>
+                          <a:cs typeface="Arial Unicode MS" pitchFamily="50" charset="-127"/>
+                        </a:rPr>
+                        <a:t>X</a:t>
+                      </a:r>
                     </a:p>
                   </a:txBody>
                   <a:tcPr anchor="ctr">
@@ -4340,12 +5336,15 @@
                       <a:tailEnd type="none" w="med" len="med"/>
                     </a:lnB>
                     <a:solidFill>
-                      <a:srgbClr val="00B050"/>
+                      <a:schemeClr val="accent3">
+                        <a:lumMod val="60000"/>
+                        <a:lumOff val="40000"/>
+                      </a:schemeClr>
                     </a:solidFill>
                   </a:tcPr>
                 </a:tc>
               </a:tr>
-              <a:tr h="730316">
+              <a:tr h="745114">
                 <a:tc>
                   <a:txBody>
                     <a:bodyPr/>
@@ -4353,17 +5352,19 @@
                     <a:p>
                       <a:pPr algn="ctr" latinLnBrk="1"/>
                       <a:r>
-                        <a:rPr lang="ko-KR" altLang="en-US" sz="2100" b="1" dirty="0" smtClean="0">
+                        <a:rPr lang="en-US" altLang="ko-KR" sz="2100" b="1" spc="40" baseline="0" dirty="0" smtClean="0">
                           <a:solidFill>
                             <a:schemeClr val="tx1"/>
                           </a:solidFill>
+                          <a:latin typeface="Franklin Gothic Demi Cond" pitchFamily="34" charset="0"/>
                         </a:rPr>
-                        <a:t>기수 정렬</a:t>
+                        <a:t>Radix sort</a:t>
                       </a:r>
-                      <a:endParaRPr lang="ko-KR" altLang="en-US" sz="2100" b="1" dirty="0">
+                      <a:endParaRPr lang="ko-KR" altLang="en-US" sz="2100" b="1" spc="40" dirty="0">
                         <a:solidFill>
                           <a:schemeClr val="tx1"/>
                         </a:solidFill>
+                        <a:latin typeface="Franklin Gothic Demi Cond" pitchFamily="34" charset="0"/>
                       </a:endParaRPr>
                     </a:p>
                   </a:txBody>
@@ -4405,7 +5406,10 @@
                       <a:tailEnd type="none" w="med" len="med"/>
                     </a:lnB>
                     <a:solidFill>
-                      <a:srgbClr val="00B050"/>
+                      <a:schemeClr val="accent3">
+                        <a:lumMod val="60000"/>
+                        <a:lumOff val="40000"/>
+                      </a:schemeClr>
                     </a:solidFill>
                   </a:tcPr>
                 </a:tc>
@@ -4416,27 +5420,27 @@
                     <a:p>
                       <a:pPr algn="ctr" latinLnBrk="1"/>
                       <a:r>
-                        <a:rPr lang="ko-KR" altLang="en-US" sz="2000" smtClean="0"/>
+                        <a:rPr lang="ko-KR" altLang="en-US" sz="2000" dirty="0" smtClean="0"/>
                         <a:t>정수로 표현될 수 있는 데이터에 대해 비교연산</a:t>
                       </a:r>
                       <a:r>
-                        <a:rPr lang="ko-KR" altLang="en-US" sz="2000" baseline="0" smtClean="0"/>
+                        <a:rPr lang="ko-KR" altLang="en-US" sz="2000" baseline="0" dirty="0" smtClean="0"/>
                         <a:t> 없이</a:t>
                       </a:r>
-                      <a:endParaRPr lang="en-US" altLang="ko-KR" sz="2000" baseline="0" smtClean="0"/>
+                      <a:endParaRPr lang="en-US" altLang="ko-KR" sz="2000" baseline="0" dirty="0" smtClean="0"/>
                     </a:p>
                     <a:p>
                       <a:pPr algn="ctr" latinLnBrk="1"/>
                       <a:r>
-                        <a:rPr lang="ko-KR" altLang="en-US" sz="2000" baseline="0" smtClean="0"/>
+                        <a:rPr lang="ko-KR" altLang="en-US" sz="2000" baseline="0" dirty="0" smtClean="0"/>
                         <a:t>단순한 분배와 취합으로 실행</a:t>
                       </a:r>
                       <a:r>
-                        <a:rPr lang="en-US" altLang="ko-KR" sz="2000" baseline="0" smtClean="0"/>
+                        <a:rPr lang="en-US" altLang="ko-KR" sz="2000" baseline="0" dirty="0" smtClean="0"/>
                         <a:t>, </a:t>
                       </a:r>
                       <a:r>
-                        <a:rPr lang="ko-KR" altLang="en-US" sz="2000" baseline="0" smtClean="0"/>
+                        <a:rPr lang="ko-KR" altLang="en-US" sz="2000" baseline="0" dirty="0" smtClean="0"/>
                         <a:t>많은 메모리 필요</a:t>
                       </a:r>
                       <a:endParaRPr lang="ko-KR" altLang="en-US" sz="2000" dirty="0"/>
@@ -4480,7 +5484,10 @@
                       <a:tailEnd type="none" w="med" len="med"/>
                     </a:lnB>
                     <a:solidFill>
-                      <a:srgbClr val="00B050"/>
+                      <a:schemeClr val="accent3">
+                        <a:lumMod val="60000"/>
+                        <a:lumOff val="40000"/>
+                      </a:schemeClr>
                     </a:solidFill>
                   </a:tcPr>
                 </a:tc>
@@ -4537,33 +5544,119 @@
           <a:lstStyle/>
           <a:p>
             <a:r>
-              <a:rPr lang="ko-KR" altLang="en-US" dirty="0" smtClean="0"/>
-              <a:t>재귀함</a:t>
-            </a:r>
-            <a:r>
-              <a:rPr lang="ko-KR" altLang="en-US" dirty="0" smtClean="0"/>
-              <a:t>수</a:t>
-            </a:r>
-            <a:endParaRPr lang="ko-KR" altLang="en-US" dirty="0"/>
-          </a:p>
-        </p:txBody>
-      </p:sp>
-      <p:sp>
-        <p:nvSpPr>
-          <p:cNvPr id="3" name="내용 개체 틀 2"/>
-          <p:cNvSpPr>
-            <a:spLocks noGrp="1"/>
-          </p:cNvSpPr>
+              <a:rPr lang="ko-KR" altLang="en-US" smtClean="0"/>
+              <a:t>특징</a:t>
+            </a:r>
+            <a:endParaRPr lang="ko-KR" altLang="en-US"/>
+          </a:p>
+        </p:txBody>
+      </p:sp>
+      <p:pic>
+        <p:nvPicPr>
+          <p:cNvPr id="4" name="내용 개체 틀 3" descr="images.jpg"/>
+          <p:cNvPicPr>
+            <a:picLocks noGrp="1" noChangeAspect="1"/>
+          </p:cNvPicPr>
           <p:nvPr>
             <p:ph idx="1"/>
           </p:nvPr>
-        </p:nvSpPr>
-        <p:spPr/>
-        <p:txBody>
-          <a:bodyPr/>
+        </p:nvPicPr>
+        <p:blipFill>
+          <a:blip r:embed="rId2" cstate="print"/>
+          <a:stretch>
+            <a:fillRect/>
+          </a:stretch>
+        </p:blipFill>
+        <p:spPr>
+          <a:xfrm>
+            <a:off x="5220072" y="1988840"/>
+            <a:ext cx="3711015" cy="3425552"/>
+          </a:xfrm>
+        </p:spPr>
+      </p:pic>
+      <p:sp>
+        <p:nvSpPr>
+          <p:cNvPr id="5" name="TextBox 4"/>
+          <p:cNvSpPr txBox="1"/>
+          <p:nvPr/>
+        </p:nvSpPr>
+        <p:spPr>
+          <a:xfrm>
+            <a:off x="251520" y="1700808"/>
+            <a:ext cx="5400600" cy="461665"/>
+          </a:xfrm>
+          <a:prstGeom prst="rect">
+            <a:avLst/>
+          </a:prstGeom>
+          <a:noFill/>
+        </p:spPr>
+        <p:txBody>
+          <a:bodyPr wrap="square" rtlCol="0">
+            <a:spAutoFit/>
+          </a:bodyPr>
           <a:lstStyle/>
           <a:p>
-            <a:endParaRPr lang="ko-KR" altLang="en-US"/>
+            <a:r>
+              <a:rPr lang="ko-KR" altLang="en-US" sz="2400" dirty="0" smtClean="0">
+                <a:latin typeface="HY견고딕" pitchFamily="18" charset="-127"/>
+                <a:ea typeface="HY견고딕" pitchFamily="18" charset="-127"/>
+              </a:rPr>
+              <a:t>평균적으로 최고의 효율을 보인다</a:t>
+            </a:r>
+            <a:r>
+              <a:rPr lang="en-US" altLang="ko-KR" sz="2400" dirty="0" smtClean="0">
+                <a:latin typeface="HY견고딕" pitchFamily="18" charset="-127"/>
+                <a:ea typeface="HY견고딕" pitchFamily="18" charset="-127"/>
+              </a:rPr>
+              <a:t>.</a:t>
+            </a:r>
+            <a:endParaRPr lang="ko-KR" altLang="en-US" sz="2400" dirty="0">
+              <a:latin typeface="HY견고딕" pitchFamily="18" charset="-127"/>
+              <a:ea typeface="HY견고딕" pitchFamily="18" charset="-127"/>
+            </a:endParaRPr>
+          </a:p>
+        </p:txBody>
+      </p:sp>
+      <p:sp>
+        <p:nvSpPr>
+          <p:cNvPr id="6" name="TextBox 5"/>
+          <p:cNvSpPr txBox="1"/>
+          <p:nvPr/>
+        </p:nvSpPr>
+        <p:spPr>
+          <a:xfrm>
+            <a:off x="251520" y="2348880"/>
+            <a:ext cx="5400600" cy="461665"/>
+          </a:xfrm>
+          <a:prstGeom prst="rect">
+            <a:avLst/>
+          </a:prstGeom>
+          <a:noFill/>
+        </p:spPr>
+        <p:txBody>
+          <a:bodyPr wrap="square" rtlCol="0">
+            <a:spAutoFit/>
+          </a:bodyPr>
+          <a:lstStyle/>
+          <a:p>
+            <a:r>
+              <a:rPr lang="ko-KR" altLang="en-US" sz="2400" dirty="0" smtClean="0">
+                <a:latin typeface="HY견고딕" pitchFamily="18" charset="-127"/>
+                <a:ea typeface="HY견고딕" pitchFamily="18" charset="-127"/>
+              </a:rPr>
+              <a:t>많이 사용된다</a:t>
+            </a:r>
+            <a:r>
+              <a:rPr lang="en-US" altLang="ko-KR" sz="2400" dirty="0" smtClean="0">
+                <a:latin typeface="HY견고딕" pitchFamily="18" charset="-127"/>
+                <a:ea typeface="HY견고딕" pitchFamily="18" charset="-127"/>
+              </a:rPr>
+              <a:t>.</a:t>
+            </a:r>
+            <a:endParaRPr lang="ko-KR" altLang="en-US" sz="2400" dirty="0">
+              <a:latin typeface="HY견고딕" pitchFamily="18" charset="-127"/>
+              <a:ea typeface="HY견고딕" pitchFamily="18" charset="-127"/>
+            </a:endParaRPr>
           </a:p>
         </p:txBody>
       </p:sp>
@@ -4572,6 +5665,13 @@
   <p:clrMapOvr>
     <a:masterClrMapping/>
   </p:clrMapOvr>
+  <p:timing>
+    <p:tnLst>
+      <p:par>
+        <p:cTn id="1" dur="indefinite" restart="never" nodeType="tmRoot"/>
+      </p:par>
+    </p:tnLst>
+  </p:timing>
 </p:sld>
 </file>
 
@@ -4649,13 +5749,20 @@
   <p:clrMapOvr>
     <a:masterClrMapping/>
   </p:clrMapOvr>
+  <p:timing>
+    <p:tnLst>
+      <p:par>
+        <p:cTn id="1" dur="indefinite" restart="never" nodeType="tmRoot"/>
+      </p:par>
+    </p:tnLst>
+  </p:timing>
 </p:sld>
 </file>
 
 <file path=ppt/theme/theme1.xml><?xml version="1.0" encoding="utf-8"?>
-<a:theme xmlns:a="http://schemas.openxmlformats.org/drawingml/2006/main" name="Office 테마">
+<a:theme xmlns:a="http://schemas.openxmlformats.org/drawingml/2006/main" name="모듈">
   <a:themeElements>
-    <a:clrScheme name="Office">
+    <a:clrScheme name="모듈">
       <a:dk1>
         <a:sysClr val="windowText" lastClr="000000"/>
       </a:dk1>
@@ -4663,52 +5770,52 @@
         <a:sysClr val="window" lastClr="FFFFFF"/>
       </a:lt1>
       <a:dk2>
-        <a:srgbClr val="1F497D"/>
+        <a:srgbClr val="5A6378"/>
       </a:dk2>
       <a:lt2>
-        <a:srgbClr val="EEECE1"/>
+        <a:srgbClr val="D4D4D6"/>
       </a:lt2>
       <a:accent1>
-        <a:srgbClr val="4F81BD"/>
+        <a:srgbClr val="F0AD00"/>
       </a:accent1>
       <a:accent2>
-        <a:srgbClr val="C0504D"/>
+        <a:srgbClr val="60B5CC"/>
       </a:accent2>
       <a:accent3>
-        <a:srgbClr val="9BBB59"/>
+        <a:srgbClr val="E66C7D"/>
       </a:accent3>
       <a:accent4>
-        <a:srgbClr val="8064A2"/>
+        <a:srgbClr val="6BB76D"/>
       </a:accent4>
       <a:accent5>
-        <a:srgbClr val="4BACC6"/>
+        <a:srgbClr val="E88651"/>
       </a:accent5>
       <a:accent6>
-        <a:srgbClr val="F79646"/>
+        <a:srgbClr val="C64847"/>
       </a:accent6>
       <a:hlink>
-        <a:srgbClr val="0000FF"/>
+        <a:srgbClr val="168BBA"/>
       </a:hlink>
       <a:folHlink>
-        <a:srgbClr val="800080"/>
+        <a:srgbClr val="680000"/>
       </a:folHlink>
     </a:clrScheme>
-    <a:fontScheme name="Office">
+    <a:fontScheme name="모듈">
       <a:majorFont>
-        <a:latin typeface="맑은 고딕"/>
+        <a:latin typeface="Corbel"/>
         <a:ea typeface=""/>
         <a:cs typeface=""/>
-        <a:font script="Jpan" typeface="ＭＳ Ｐゴシック"/>
-        <a:font script="Hang" typeface="맑은 고딕"/>
-        <a:font script="Hans" typeface="宋体"/>
+        <a:font script="Jpan" typeface="HGｺﾞｼｯｸM"/>
+        <a:font script="Hang" typeface="HY엽서L"/>
+        <a:font script="Hans" typeface="华文楷体"/>
         <a:font script="Hant" typeface="新細明體"/>
-        <a:font script="Arab" typeface="Times New Roman"/>
-        <a:font script="Hebr" typeface="Times New Roman"/>
-        <a:font script="Thai" typeface="Angsana New"/>
+        <a:font script="Arab" typeface="Tahoma"/>
+        <a:font script="Hebr" typeface="Miriam"/>
+        <a:font script="Thai" typeface="DilleniaUPC"/>
         <a:font script="Ethi" typeface="Nyala"/>
         <a:font script="Beng" typeface="Vrinda"/>
         <a:font script="Gujr" typeface="Shruti"/>
-        <a:font script="Khmr" typeface="MoolBoran"/>
+        <a:font script="Khmr" typeface="DaunPenh"/>
         <a:font script="Knda" typeface="Tunga"/>
         <a:font script="Guru" typeface="Raavi"/>
         <a:font script="Cans" typeface="Euphemia"/>
@@ -4725,20 +5832,20 @@
         <a:font script="Laoo" typeface="DokChampa"/>
         <a:font script="Sinh" typeface="Iskoola Pota"/>
         <a:font script="Mong" typeface="Mongolian Baiti"/>
-        <a:font script="Viet" typeface="Times New Roman"/>
+        <a:font script="Viet" typeface="Arial"/>
         <a:font script="Uigh" typeface="Microsoft Uighur"/>
       </a:majorFont>
       <a:minorFont>
-        <a:latin typeface="맑은 고딕"/>
+        <a:latin typeface="Corbel"/>
         <a:ea typeface=""/>
         <a:cs typeface=""/>
-        <a:font script="Jpan" typeface="ＭＳ Ｐゴシック"/>
-        <a:font script="Hang" typeface="맑은 고딕"/>
-        <a:font script="Hans" typeface="宋体"/>
+        <a:font script="Jpan" typeface="HGｺﾞｼｯｸM"/>
+        <a:font script="Hang" typeface="HY엽서L"/>
+        <a:font script="Hans" typeface="华文楷体"/>
         <a:font script="Hant" typeface="新細明體"/>
-        <a:font script="Arab" typeface="Arial"/>
-        <a:font script="Hebr" typeface="Arial"/>
-        <a:font script="Thai" typeface="Cordia New"/>
+        <a:font script="Arab" typeface="Tahoma"/>
+        <a:font script="Hebr" typeface="Miriam"/>
+        <a:font script="Thai" typeface="DilleniaUPC"/>
         <a:font script="Ethi" typeface="Nyala"/>
         <a:font script="Beng" typeface="Vrinda"/>
         <a:font script="Gujr" typeface="Shruti"/>
@@ -4763,7 +5870,7 @@
         <a:font script="Uigh" typeface="Microsoft Uighur"/>
       </a:minorFont>
     </a:fontScheme>
-    <a:fmtScheme name="Office">
+    <a:fmtScheme name="모듈">
       <a:fillStyleLst>
         <a:solidFill>
           <a:schemeClr val="phClr"/>
@@ -4795,20 +5902,20 @@
           <a:gsLst>
             <a:gs pos="0">
               <a:schemeClr val="phClr">
-                <a:shade val="51000"/>
-                <a:satMod val="130000"/>
+                <a:shade val="47500"/>
+                <a:satMod val="137000"/>
               </a:schemeClr>
             </a:gs>
-            <a:gs pos="80000">
+            <a:gs pos="55000">
               <a:schemeClr val="phClr">
-                <a:shade val="93000"/>
-                <a:satMod val="130000"/>
+                <a:shade val="69000"/>
+                <a:satMod val="137000"/>
               </a:schemeClr>
             </a:gs>
             <a:gs pos="100000">
               <a:schemeClr val="phClr">
-                <a:shade val="94000"/>
-                <a:satMod val="135000"/>
+                <a:shade val="98000"/>
+                <a:satMod val="137000"/>
               </a:schemeClr>
             </a:gs>
           </a:gsLst>
@@ -4816,7 +5923,7 @@
         </a:gradFill>
       </a:fillStyleLst>
       <a:lnStyleLst>
-        <a:ln w="9525" cap="flat" cmpd="sng" algn="ctr">
+        <a:ln w="6350" cap="rnd" cmpd="sng" algn="ctr">
           <a:solidFill>
             <a:schemeClr val="phClr">
               <a:shade val="95000"/>
@@ -4825,13 +5932,13 @@
           </a:solidFill>
           <a:prstDash val="solid"/>
         </a:ln>
-        <a:ln w="25400" cap="flat" cmpd="sng" algn="ctr">
+        <a:ln w="48000" cap="flat" cmpd="thickThin" algn="ctr">
           <a:solidFill>
             <a:schemeClr val="phClr"/>
           </a:solidFill>
           <a:prstDash val="solid"/>
         </a:ln>
-        <a:ln w="38100" cap="flat" cmpd="sng" algn="ctr">
+        <a:ln w="48500" cap="flat" cmpd="thickThin" algn="ctr">
           <a:solidFill>
             <a:schemeClr val="phClr"/>
           </a:solidFill>
@@ -4841,7 +5948,7 @@
       <a:effectStyleLst>
         <a:effectStyle>
           <a:effectLst>
-            <a:outerShdw blurRad="40000" dist="20000" dir="5400000" rotWithShape="0">
+            <a:outerShdw blurRad="45000" dist="25000" dir="5400000" rotWithShape="0">
               <a:srgbClr val="000000">
                 <a:alpha val="38000"/>
               </a:srgbClr>
@@ -4850,31 +5957,31 @@
         </a:effectStyle>
         <a:effectStyle>
           <a:effectLst>
-            <a:outerShdw blurRad="40000" dist="23000" dir="5400000" rotWithShape="0">
+            <a:outerShdw blurRad="39000" dist="25400" dir="5400000" rotWithShape="0">
               <a:srgbClr val="000000">
-                <a:alpha val="35000"/>
+                <a:alpha val="38000"/>
               </a:srgbClr>
             </a:outerShdw>
           </a:effectLst>
         </a:effectStyle>
         <a:effectStyle>
           <a:effectLst>
-            <a:outerShdw blurRad="40000" dist="23000" dir="5400000" rotWithShape="0">
+            <a:outerShdw blurRad="39000" dist="25400" dir="5400000" rotWithShape="0">
               <a:srgbClr val="000000">
-                <a:alpha val="35000"/>
+                <a:alpha val="38000"/>
               </a:srgbClr>
             </a:outerShdw>
           </a:effectLst>
           <a:scene3d>
-            <a:camera prst="orthographicFront">
+            <a:camera prst="orthographicFront" fov="0">
               <a:rot lat="0" lon="0" rev="0"/>
             </a:camera>
             <a:lightRig rig="threePt" dir="t">
-              <a:rot lat="0" lon="0" rev="1200000"/>
+              <a:rot lat="0" lon="0" rev="1800000"/>
             </a:lightRig>
           </a:scene3d>
-          <a:sp3d>
-            <a:bevelT w="63500" h="25400"/>
+          <a:sp3d prstMaterial="matte">
+            <a:bevelT h="20000"/>
           </a:sp3d>
         </a:effectStyle>
       </a:effectStyleLst>
@@ -4886,63 +5993,64 @@
           <a:gsLst>
             <a:gs pos="0">
               <a:schemeClr val="phClr">
-                <a:tint val="40000"/>
-                <a:satMod val="350000"/>
+                <a:tint val="48000"/>
+                <a:satMod val="300000"/>
               </a:schemeClr>
             </a:gs>
-            <a:gs pos="40000">
+            <a:gs pos="12000">
               <a:schemeClr val="phClr">
-                <a:tint val="45000"/>
-                <a:shade val="99000"/>
-                <a:satMod val="350000"/>
+                <a:tint val="48000"/>
+                <a:satMod val="300000"/>
               </a:schemeClr>
             </a:gs>
-            <a:gs pos="100000">
+            <a:gs pos="20000">
               <a:schemeClr val="phClr">
-                <a:shade val="20000"/>
-                <a:satMod val="255000"/>
-              </a:schemeClr>
-            </a:gs>
-          </a:gsLst>
-          <a:path path="circle">
-            <a:fillToRect l="50000" t="-80000" r="50000" b="180000"/>
-          </a:path>
-        </a:gradFill>
-        <a:gradFill rotWithShape="1">
-          <a:gsLst>
-            <a:gs pos="0">
-              <a:schemeClr val="phClr">
-                <a:tint val="80000"/>
+                <a:tint val="49000"/>
                 <a:satMod val="300000"/>
               </a:schemeClr>
             </a:gs>
             <a:gs pos="100000">
               <a:schemeClr val="phClr">
                 <a:shade val="30000"/>
-                <a:satMod val="200000"/>
               </a:schemeClr>
             </a:gs>
           </a:gsLst>
           <a:path path="circle">
-            <a:fillToRect l="50000" t="50000" r="50000" b="50000"/>
+            <a:fillToRect l="10000" t="-25000" r="10000" b="125000"/>
           </a:path>
         </a:gradFill>
+        <a:blipFill>
+          <a:blip xmlns:r="http://schemas.openxmlformats.org/officeDocument/2006/relationships" r:embed="rId1">
+            <a:duotone>
+              <a:schemeClr val="phClr">
+                <a:shade val="75000"/>
+                <a:satMod val="105000"/>
+              </a:schemeClr>
+              <a:schemeClr val="phClr">
+                <a:tint val="95000"/>
+                <a:satMod val="105000"/>
+              </a:schemeClr>
+            </a:duotone>
+          </a:blip>
+          <a:tile tx="0" ty="0" sx="38000" sy="38000" flip="none" algn="tl"/>
+        </a:blipFill>
       </a:bgFillStyleLst>
     </a:fmtScheme>
   </a:themeElements>
   <a:objectDefaults>
     <a:txDef>
       <a:spPr>
-        <a:solidFill>
-          <a:schemeClr val="bg1"/>
-        </a:solidFill>
+        <a:noFill/>
       </a:spPr>
-      <a:bodyPr wrap="none" rtlCol="0">
-        <a:noAutofit/>
+      <a:bodyPr wrap="square" rtlCol="0">
+        <a:spAutoFit/>
       </a:bodyPr>
       <a:lstStyle>
-        <a:defPPr algn="ctr">
-          <a:defRPr sz="2400" dirty="0"/>
+        <a:defPPr>
+          <a:defRPr sz="2400" dirty="0" smtClean="0">
+            <a:latin typeface="HY견고딕" pitchFamily="18" charset="-127"/>
+            <a:ea typeface="HY견고딕" pitchFamily="18" charset="-127"/>
+          </a:defRPr>
         </a:defPPr>
       </a:lstStyle>
     </a:txDef>
